--- a/plots/2021_02_09/baseline_sequencing_501YV1 501YV2_multinomial fit_multipanel.pptx
+++ b/plots/2021_02_09/baseline_sequencing_501YV1 501YV2_multinomial fit_multipanel.pptx
@@ -7,14 +7,14 @@
   <p:sldIdLst xmlns:a="http://schemas.openxmlformats.org/drawingml/2006/main" xmlns:r="http://schemas.openxmlformats.org/officeDocument/2006/relationships" xmlns:p="http://schemas.openxmlformats.org/presentationml/2006/main">
     <p:sldId id="256" r:id="rId6"/>
   </p:sldIdLst>
-  <p:sldSz cx="10698163" cy="7562850"/>
+  <p:sldSz cx="15087600" cy="10698163"/>
   <p:notesSz cx="6858000" cy="9144000"/>
   <p:defaultTextStyle>
     <a:defPPr>
       <a:defRPr lang="en-US"/>
     </a:defPPr>
-    <a:lvl1pPr marL="0" algn="l" defTabSz="995964" rtl="0" eaLnBrk="1" latinLnBrk="0" hangingPunct="1">
-      <a:defRPr sz="2000" kern="1200">
+    <a:lvl1pPr marL="0" algn="l" defTabSz="1052474" rtl="0" eaLnBrk="1" latinLnBrk="0" hangingPunct="1">
+      <a:defRPr sz="2100" kern="1200">
         <a:solidFill>
           <a:schemeClr val="tx1"/>
         </a:solidFill>
@@ -23,8 +23,8 @@
         <a:cs typeface="+mn-cs"/>
       </a:defRPr>
     </a:lvl1pPr>
-    <a:lvl2pPr marL="497982" algn="l" defTabSz="995964" rtl="0" eaLnBrk="1" latinLnBrk="0" hangingPunct="1">
-      <a:defRPr sz="2000" kern="1200">
+    <a:lvl2pPr marL="526237" algn="l" defTabSz="1052474" rtl="0" eaLnBrk="1" latinLnBrk="0" hangingPunct="1">
+      <a:defRPr sz="2100" kern="1200">
         <a:solidFill>
           <a:schemeClr val="tx1"/>
         </a:solidFill>
@@ -33,8 +33,8 @@
         <a:cs typeface="+mn-cs"/>
       </a:defRPr>
     </a:lvl2pPr>
-    <a:lvl3pPr marL="995964" algn="l" defTabSz="995964" rtl="0" eaLnBrk="1" latinLnBrk="0" hangingPunct="1">
-      <a:defRPr sz="2000" kern="1200">
+    <a:lvl3pPr marL="1052474" algn="l" defTabSz="1052474" rtl="0" eaLnBrk="1" latinLnBrk="0" hangingPunct="1">
+      <a:defRPr sz="2100" kern="1200">
         <a:solidFill>
           <a:schemeClr val="tx1"/>
         </a:solidFill>
@@ -43,8 +43,8 @@
         <a:cs typeface="+mn-cs"/>
       </a:defRPr>
     </a:lvl3pPr>
-    <a:lvl4pPr marL="1493947" algn="l" defTabSz="995964" rtl="0" eaLnBrk="1" latinLnBrk="0" hangingPunct="1">
-      <a:defRPr sz="2000" kern="1200">
+    <a:lvl4pPr marL="1578712" algn="l" defTabSz="1052474" rtl="0" eaLnBrk="1" latinLnBrk="0" hangingPunct="1">
+      <a:defRPr sz="2100" kern="1200">
         <a:solidFill>
           <a:schemeClr val="tx1"/>
         </a:solidFill>
@@ -53,8 +53,8 @@
         <a:cs typeface="+mn-cs"/>
       </a:defRPr>
     </a:lvl4pPr>
-    <a:lvl5pPr marL="1991929" algn="l" defTabSz="995964" rtl="0" eaLnBrk="1" latinLnBrk="0" hangingPunct="1">
-      <a:defRPr sz="2000" kern="1200">
+    <a:lvl5pPr marL="2104949" algn="l" defTabSz="1052474" rtl="0" eaLnBrk="1" latinLnBrk="0" hangingPunct="1">
+      <a:defRPr sz="2100" kern="1200">
         <a:solidFill>
           <a:schemeClr val="tx1"/>
         </a:solidFill>
@@ -63,8 +63,8 @@
         <a:cs typeface="+mn-cs"/>
       </a:defRPr>
     </a:lvl5pPr>
-    <a:lvl6pPr marL="2489911" algn="l" defTabSz="995964" rtl="0" eaLnBrk="1" latinLnBrk="0" hangingPunct="1">
-      <a:defRPr sz="2000" kern="1200">
+    <a:lvl6pPr marL="2631186" algn="l" defTabSz="1052474" rtl="0" eaLnBrk="1" latinLnBrk="0" hangingPunct="1">
+      <a:defRPr sz="2100" kern="1200">
         <a:solidFill>
           <a:schemeClr val="tx1"/>
         </a:solidFill>
@@ -73,8 +73,8 @@
         <a:cs typeface="+mn-cs"/>
       </a:defRPr>
     </a:lvl6pPr>
-    <a:lvl7pPr marL="2987893" algn="l" defTabSz="995964" rtl="0" eaLnBrk="1" latinLnBrk="0" hangingPunct="1">
-      <a:defRPr sz="2000" kern="1200">
+    <a:lvl7pPr marL="3157423" algn="l" defTabSz="1052474" rtl="0" eaLnBrk="1" latinLnBrk="0" hangingPunct="1">
+      <a:defRPr sz="2100" kern="1200">
         <a:solidFill>
           <a:schemeClr val="tx1"/>
         </a:solidFill>
@@ -83,8 +83,8 @@
         <a:cs typeface="+mn-cs"/>
       </a:defRPr>
     </a:lvl7pPr>
-    <a:lvl8pPr marL="3485876" algn="l" defTabSz="995964" rtl="0" eaLnBrk="1" latinLnBrk="0" hangingPunct="1">
-      <a:defRPr sz="2000" kern="1200">
+    <a:lvl8pPr marL="3683660" algn="l" defTabSz="1052474" rtl="0" eaLnBrk="1" latinLnBrk="0" hangingPunct="1">
+      <a:defRPr sz="2100" kern="1200">
         <a:solidFill>
           <a:schemeClr val="tx1"/>
         </a:solidFill>
@@ -93,8 +93,8 @@
         <a:cs typeface="+mn-cs"/>
       </a:defRPr>
     </a:lvl8pPr>
-    <a:lvl9pPr marL="3983858" algn="l" defTabSz="995964" rtl="0" eaLnBrk="1" latinLnBrk="0" hangingPunct="1">
-      <a:defRPr sz="2000" kern="1200">
+    <a:lvl9pPr marL="4209898" algn="l" defTabSz="1052474" rtl="0" eaLnBrk="1" latinLnBrk="0" hangingPunct="1">
+      <a:defRPr sz="2100" kern="1200">
         <a:solidFill>
           <a:schemeClr val="tx1"/>
         </a:solidFill>
@@ -136,8 +136,8 @@
         </p:nvSpPr>
         <p:spPr>
           <a:xfrm>
-            <a:off x="802362" y="2349388"/>
-            <a:ext cx="9093439" cy="1621111"/>
+            <a:off x="1131570" y="3323370"/>
+            <a:ext cx="12824460" cy="2293171"/>
           </a:xfrm>
         </p:spPr>
         <p:txBody>
@@ -164,8 +164,8 @@
         </p:nvSpPr>
         <p:spPr>
           <a:xfrm>
-            <a:off x="1604725" y="4285615"/>
-            <a:ext cx="7488714" cy="1932728"/>
+            <a:off x="2263140" y="6062292"/>
+            <a:ext cx="10561320" cy="2733975"/>
           </a:xfrm>
         </p:spPr>
         <p:txBody>
@@ -181,7 +181,7 @@
                 </a:solidFill>
               </a:defRPr>
             </a:lvl1pPr>
-            <a:lvl2pPr marL="497982" indent="0" algn="ctr">
+            <a:lvl2pPr marL="526237" indent="0" algn="ctr">
               <a:buNone/>
               <a:defRPr>
                 <a:solidFill>
@@ -191,7 +191,7 @@
                 </a:solidFill>
               </a:defRPr>
             </a:lvl2pPr>
-            <a:lvl3pPr marL="995964" indent="0" algn="ctr">
+            <a:lvl3pPr marL="1052474" indent="0" algn="ctr">
               <a:buNone/>
               <a:defRPr>
                 <a:solidFill>
@@ -201,7 +201,7 @@
                 </a:solidFill>
               </a:defRPr>
             </a:lvl3pPr>
-            <a:lvl4pPr marL="1493947" indent="0" algn="ctr">
+            <a:lvl4pPr marL="1578712" indent="0" algn="ctr">
               <a:buNone/>
               <a:defRPr>
                 <a:solidFill>
@@ -211,7 +211,7 @@
                 </a:solidFill>
               </a:defRPr>
             </a:lvl4pPr>
-            <a:lvl5pPr marL="1991929" indent="0" algn="ctr">
+            <a:lvl5pPr marL="2104949" indent="0" algn="ctr">
               <a:buNone/>
               <a:defRPr>
                 <a:solidFill>
@@ -221,7 +221,7 @@
                 </a:solidFill>
               </a:defRPr>
             </a:lvl5pPr>
-            <a:lvl6pPr marL="2489911" indent="0" algn="ctr">
+            <a:lvl6pPr marL="2631186" indent="0" algn="ctr">
               <a:buNone/>
               <a:defRPr>
                 <a:solidFill>
@@ -231,7 +231,7 @@
                 </a:solidFill>
               </a:defRPr>
             </a:lvl6pPr>
-            <a:lvl7pPr marL="2987893" indent="0" algn="ctr">
+            <a:lvl7pPr marL="3157423" indent="0" algn="ctr">
               <a:buNone/>
               <a:defRPr>
                 <a:solidFill>
@@ -241,7 +241,7 @@
                 </a:solidFill>
               </a:defRPr>
             </a:lvl7pPr>
-            <a:lvl8pPr marL="3485876" indent="0" algn="ctr">
+            <a:lvl8pPr marL="3683660" indent="0" algn="ctr">
               <a:buNone/>
               <a:defRPr>
                 <a:solidFill>
@@ -251,7 +251,7 @@
                 </a:solidFill>
               </a:defRPr>
             </a:lvl8pPr>
-            <a:lvl9pPr marL="3983858" indent="0" algn="ctr">
+            <a:lvl9pPr marL="4209898" indent="0" algn="ctr">
               <a:buNone/>
               <a:defRPr>
                 <a:solidFill>
@@ -548,8 +548,8 @@
         </p:nvSpPr>
         <p:spPr>
           <a:xfrm>
-            <a:off x="8402515" y="302867"/>
-            <a:ext cx="2607678" cy="6452932"/>
+            <a:off x="11850052" y="428427"/>
+            <a:ext cx="3677604" cy="9128109"/>
           </a:xfrm>
         </p:spPr>
         <p:txBody>
@@ -576,8 +576,8 @@
         </p:nvSpPr>
         <p:spPr>
           <a:xfrm>
-            <a:off x="579485" y="302867"/>
-            <a:ext cx="7644730" cy="6452932"/>
+            <a:off x="817249" y="428427"/>
+            <a:ext cx="10781349" cy="9128109"/>
           </a:xfrm>
         </p:spPr>
         <p:txBody>
@@ -898,15 +898,15 @@
         </p:nvSpPr>
         <p:spPr>
           <a:xfrm>
-            <a:off x="845081" y="4859833"/>
-            <a:ext cx="9093439" cy="1502066"/>
+            <a:off x="1191817" y="6874563"/>
+            <a:ext cx="12824460" cy="2124774"/>
           </a:xfrm>
         </p:spPr>
         <p:txBody>
           <a:bodyPr anchor="t"/>
           <a:lstStyle>
             <a:lvl1pPr algn="l">
-              <a:defRPr sz="4400" b="1" cap="all"/>
+              <a:defRPr sz="4600" b="1" cap="all"/>
             </a:lvl1pPr>
           </a:lstStyle>
           <a:p>
@@ -930,8 +930,8 @@
         </p:nvSpPr>
         <p:spPr>
           <a:xfrm>
-            <a:off x="845081" y="3205460"/>
-            <a:ext cx="9093439" cy="1654373"/>
+            <a:off x="1191817" y="4534341"/>
+            <a:ext cx="12824460" cy="2340223"/>
           </a:xfrm>
         </p:spPr>
         <p:txBody>
@@ -939,7 +939,7 @@
           <a:lstStyle>
             <a:lvl1pPr marL="0" indent="0">
               <a:buNone/>
-              <a:defRPr sz="2200">
+              <a:defRPr sz="2300">
                 <a:solidFill>
                   <a:schemeClr val="tx1">
                     <a:tint val="75000"/>
@@ -947,9 +947,9 @@
                 </a:solidFill>
               </a:defRPr>
             </a:lvl1pPr>
-            <a:lvl2pPr marL="497982" indent="0">
+            <a:lvl2pPr marL="526237" indent="0">
               <a:buNone/>
-              <a:defRPr sz="2000">
+              <a:defRPr sz="2100">
                 <a:solidFill>
                   <a:schemeClr val="tx1">
                     <a:tint val="75000"/>
@@ -957,9 +957,9 @@
                 </a:solidFill>
               </a:defRPr>
             </a:lvl2pPr>
-            <a:lvl3pPr marL="995964" indent="0">
+            <a:lvl3pPr marL="1052474" indent="0">
               <a:buNone/>
-              <a:defRPr sz="1700">
+              <a:defRPr sz="1800">
                 <a:solidFill>
                   <a:schemeClr val="tx1">
                     <a:tint val="75000"/>
@@ -967,9 +967,9 @@
                 </a:solidFill>
               </a:defRPr>
             </a:lvl3pPr>
-            <a:lvl4pPr marL="1493947" indent="0">
+            <a:lvl4pPr marL="1578712" indent="0">
               <a:buNone/>
-              <a:defRPr sz="1500">
+              <a:defRPr sz="1600">
                 <a:solidFill>
                   <a:schemeClr val="tx1">
                     <a:tint val="75000"/>
@@ -977,9 +977,9 @@
                 </a:solidFill>
               </a:defRPr>
             </a:lvl4pPr>
-            <a:lvl5pPr marL="1991929" indent="0">
+            <a:lvl5pPr marL="2104949" indent="0">
               <a:buNone/>
-              <a:defRPr sz="1500">
+              <a:defRPr sz="1600">
                 <a:solidFill>
                   <a:schemeClr val="tx1">
                     <a:tint val="75000"/>
@@ -987,9 +987,9 @@
                 </a:solidFill>
               </a:defRPr>
             </a:lvl5pPr>
-            <a:lvl6pPr marL="2489911" indent="0">
+            <a:lvl6pPr marL="2631186" indent="0">
               <a:buNone/>
-              <a:defRPr sz="1500">
+              <a:defRPr sz="1600">
                 <a:solidFill>
                   <a:schemeClr val="tx1">
                     <a:tint val="75000"/>
@@ -997,9 +997,9 @@
                 </a:solidFill>
               </a:defRPr>
             </a:lvl6pPr>
-            <a:lvl7pPr marL="2987893" indent="0">
+            <a:lvl7pPr marL="3157423" indent="0">
               <a:buNone/>
-              <a:defRPr sz="1500">
+              <a:defRPr sz="1600">
                 <a:solidFill>
                   <a:schemeClr val="tx1">
                     <a:tint val="75000"/>
@@ -1007,9 +1007,9 @@
                 </a:solidFill>
               </a:defRPr>
             </a:lvl7pPr>
-            <a:lvl8pPr marL="3485876" indent="0">
+            <a:lvl8pPr marL="3683660" indent="0">
               <a:buNone/>
-              <a:defRPr sz="1500">
+              <a:defRPr sz="1600">
                 <a:solidFill>
                   <a:schemeClr val="tx1">
                     <a:tint val="75000"/>
@@ -1017,9 +1017,9 @@
                 </a:solidFill>
               </a:defRPr>
             </a:lvl8pPr>
-            <a:lvl9pPr marL="3983858" indent="0">
+            <a:lvl9pPr marL="4209898" indent="0">
               <a:buNone/>
-              <a:defRPr sz="1500">
+              <a:defRPr sz="1600">
                 <a:solidFill>
                   <a:schemeClr val="tx1">
                     <a:tint val="75000"/>
@@ -1167,39 +1167,39 @@
         </p:nvSpPr>
         <p:spPr>
           <a:xfrm>
-            <a:off x="579486" y="1764667"/>
-            <a:ext cx="5126203" cy="4991131"/>
+            <a:off x="817249" y="2496240"/>
+            <a:ext cx="7229475" cy="7060293"/>
           </a:xfrm>
         </p:spPr>
         <p:txBody>
           <a:bodyPr/>
           <a:lstStyle>
             <a:lvl1pPr>
-              <a:defRPr sz="3000"/>
+              <a:defRPr sz="3200"/>
             </a:lvl1pPr>
             <a:lvl2pPr>
-              <a:defRPr sz="2600"/>
+              <a:defRPr sz="2800"/>
             </a:lvl2pPr>
             <a:lvl3pPr>
-              <a:defRPr sz="2200"/>
+              <a:defRPr sz="2300"/>
             </a:lvl3pPr>
             <a:lvl4pPr>
-              <a:defRPr sz="2000"/>
+              <a:defRPr sz="2100"/>
             </a:lvl4pPr>
             <a:lvl5pPr>
-              <a:defRPr sz="2000"/>
+              <a:defRPr sz="2100"/>
             </a:lvl5pPr>
             <a:lvl6pPr>
-              <a:defRPr sz="2000"/>
+              <a:defRPr sz="2100"/>
             </a:lvl6pPr>
             <a:lvl7pPr>
-              <a:defRPr sz="2000"/>
+              <a:defRPr sz="2100"/>
             </a:lvl7pPr>
             <a:lvl8pPr>
-              <a:defRPr sz="2000"/>
+              <a:defRPr sz="2100"/>
             </a:lvl8pPr>
             <a:lvl9pPr>
-              <a:defRPr sz="2000"/>
+              <a:defRPr sz="2100"/>
             </a:lvl9pPr>
           </a:lstStyle>
           <a:p>
@@ -1252,39 +1252,39 @@
         </p:nvSpPr>
         <p:spPr>
           <a:xfrm>
-            <a:off x="5883991" y="1764667"/>
-            <a:ext cx="5126203" cy="4991131"/>
+            <a:off x="8298184" y="2496240"/>
+            <a:ext cx="7229475" cy="7060293"/>
           </a:xfrm>
         </p:spPr>
         <p:txBody>
           <a:bodyPr/>
           <a:lstStyle>
             <a:lvl1pPr>
-              <a:defRPr sz="3000"/>
+              <a:defRPr sz="3200"/>
             </a:lvl1pPr>
             <a:lvl2pPr>
-              <a:defRPr sz="2600"/>
+              <a:defRPr sz="2800"/>
             </a:lvl2pPr>
             <a:lvl3pPr>
-              <a:defRPr sz="2200"/>
+              <a:defRPr sz="2300"/>
             </a:lvl3pPr>
             <a:lvl4pPr>
-              <a:defRPr sz="2000"/>
+              <a:defRPr sz="2100"/>
             </a:lvl4pPr>
             <a:lvl5pPr>
-              <a:defRPr sz="2000"/>
+              <a:defRPr sz="2100"/>
             </a:lvl5pPr>
             <a:lvl6pPr>
-              <a:defRPr sz="2000"/>
+              <a:defRPr sz="2100"/>
             </a:lvl6pPr>
             <a:lvl7pPr>
-              <a:defRPr sz="2000"/>
+              <a:defRPr sz="2100"/>
             </a:lvl7pPr>
             <a:lvl8pPr>
-              <a:defRPr sz="2000"/>
+              <a:defRPr sz="2100"/>
             </a:lvl8pPr>
             <a:lvl9pPr>
-              <a:defRPr sz="2000"/>
+              <a:defRPr sz="2100"/>
             </a:lvl9pPr>
           </a:lstStyle>
           <a:p>
@@ -1432,8 +1432,8 @@
         </p:nvSpPr>
         <p:spPr>
           <a:xfrm>
-            <a:off x="534908" y="302865"/>
-            <a:ext cx="9628347" cy="1260475"/>
+            <a:off x="754380" y="428422"/>
+            <a:ext cx="13578840" cy="1783027"/>
           </a:xfrm>
         </p:spPr>
         <p:txBody>
@@ -1464,8 +1464,8 @@
         </p:nvSpPr>
         <p:spPr>
           <a:xfrm>
-            <a:off x="534909" y="1692889"/>
-            <a:ext cx="4726880" cy="705515"/>
+            <a:off x="754384" y="2394706"/>
+            <a:ext cx="6666310" cy="997999"/>
           </a:xfrm>
         </p:spPr>
         <p:txBody>
@@ -1473,39 +1473,39 @@
           <a:lstStyle>
             <a:lvl1pPr marL="0" indent="0">
               <a:buNone/>
-              <a:defRPr sz="2600" b="1"/>
+              <a:defRPr sz="2800" b="1"/>
             </a:lvl1pPr>
-            <a:lvl2pPr marL="497982" indent="0">
+            <a:lvl2pPr marL="526237" indent="0">
               <a:buNone/>
-              <a:defRPr sz="2200" b="1"/>
+              <a:defRPr sz="2300" b="1"/>
             </a:lvl2pPr>
-            <a:lvl3pPr marL="995964" indent="0">
+            <a:lvl3pPr marL="1052474" indent="0">
               <a:buNone/>
-              <a:defRPr sz="2000" b="1"/>
+              <a:defRPr sz="2100" b="1"/>
             </a:lvl3pPr>
-            <a:lvl4pPr marL="1493947" indent="0">
+            <a:lvl4pPr marL="1578712" indent="0">
               <a:buNone/>
-              <a:defRPr sz="1700" b="1"/>
+              <a:defRPr sz="1800" b="1"/>
             </a:lvl4pPr>
-            <a:lvl5pPr marL="1991929" indent="0">
+            <a:lvl5pPr marL="2104949" indent="0">
               <a:buNone/>
-              <a:defRPr sz="1700" b="1"/>
+              <a:defRPr sz="1800" b="1"/>
             </a:lvl5pPr>
-            <a:lvl6pPr marL="2489911" indent="0">
+            <a:lvl6pPr marL="2631186" indent="0">
               <a:buNone/>
-              <a:defRPr sz="1700" b="1"/>
+              <a:defRPr sz="1800" b="1"/>
             </a:lvl6pPr>
-            <a:lvl7pPr marL="2987893" indent="0">
+            <a:lvl7pPr marL="3157423" indent="0">
               <a:buNone/>
-              <a:defRPr sz="1700" b="1"/>
+              <a:defRPr sz="1800" b="1"/>
             </a:lvl7pPr>
-            <a:lvl8pPr marL="3485876" indent="0">
+            <a:lvl8pPr marL="3683660" indent="0">
               <a:buNone/>
-              <a:defRPr sz="1700" b="1"/>
+              <a:defRPr sz="1800" b="1"/>
             </a:lvl8pPr>
-            <a:lvl9pPr marL="3983858" indent="0">
+            <a:lvl9pPr marL="4209898" indent="0">
               <a:buNone/>
-              <a:defRPr sz="1700" b="1"/>
+              <a:defRPr sz="1800" b="1"/>
             </a:lvl9pPr>
           </a:lstStyle>
           <a:p>
@@ -1529,39 +1529,39 @@
         </p:nvSpPr>
         <p:spPr>
           <a:xfrm>
-            <a:off x="534909" y="2398404"/>
-            <a:ext cx="4726880" cy="4357393"/>
+            <a:off x="754384" y="3392705"/>
+            <a:ext cx="6666310" cy="6163826"/>
           </a:xfrm>
         </p:spPr>
         <p:txBody>
           <a:bodyPr/>
           <a:lstStyle>
             <a:lvl1pPr>
-              <a:defRPr sz="2600"/>
+              <a:defRPr sz="2800"/>
             </a:lvl1pPr>
             <a:lvl2pPr>
-              <a:defRPr sz="2200"/>
+              <a:defRPr sz="2300"/>
             </a:lvl2pPr>
             <a:lvl3pPr>
-              <a:defRPr sz="2000"/>
+              <a:defRPr sz="2100"/>
             </a:lvl3pPr>
             <a:lvl4pPr>
-              <a:defRPr sz="1700"/>
+              <a:defRPr sz="1800"/>
             </a:lvl4pPr>
             <a:lvl5pPr>
-              <a:defRPr sz="1700"/>
+              <a:defRPr sz="1800"/>
             </a:lvl5pPr>
             <a:lvl6pPr>
-              <a:defRPr sz="1700"/>
+              <a:defRPr sz="1800"/>
             </a:lvl6pPr>
             <a:lvl7pPr>
-              <a:defRPr sz="1700"/>
+              <a:defRPr sz="1800"/>
             </a:lvl7pPr>
             <a:lvl8pPr>
-              <a:defRPr sz="1700"/>
+              <a:defRPr sz="1800"/>
             </a:lvl8pPr>
             <a:lvl9pPr>
-              <a:defRPr sz="1700"/>
+              <a:defRPr sz="1800"/>
             </a:lvl9pPr>
           </a:lstStyle>
           <a:p>
@@ -1614,8 +1614,8 @@
         </p:nvSpPr>
         <p:spPr>
           <a:xfrm>
-            <a:off x="5434519" y="1692889"/>
-            <a:ext cx="4728738" cy="705515"/>
+            <a:off x="7664295" y="2394706"/>
+            <a:ext cx="6668930" cy="997999"/>
           </a:xfrm>
         </p:spPr>
         <p:txBody>
@@ -1623,39 +1623,39 @@
           <a:lstStyle>
             <a:lvl1pPr marL="0" indent="0">
               <a:buNone/>
-              <a:defRPr sz="2600" b="1"/>
+              <a:defRPr sz="2800" b="1"/>
             </a:lvl1pPr>
-            <a:lvl2pPr marL="497982" indent="0">
+            <a:lvl2pPr marL="526237" indent="0">
               <a:buNone/>
-              <a:defRPr sz="2200" b="1"/>
+              <a:defRPr sz="2300" b="1"/>
             </a:lvl2pPr>
-            <a:lvl3pPr marL="995964" indent="0">
+            <a:lvl3pPr marL="1052474" indent="0">
               <a:buNone/>
-              <a:defRPr sz="2000" b="1"/>
+              <a:defRPr sz="2100" b="1"/>
             </a:lvl3pPr>
-            <a:lvl4pPr marL="1493947" indent="0">
+            <a:lvl4pPr marL="1578712" indent="0">
               <a:buNone/>
-              <a:defRPr sz="1700" b="1"/>
+              <a:defRPr sz="1800" b="1"/>
             </a:lvl4pPr>
-            <a:lvl5pPr marL="1991929" indent="0">
+            <a:lvl5pPr marL="2104949" indent="0">
               <a:buNone/>
-              <a:defRPr sz="1700" b="1"/>
+              <a:defRPr sz="1800" b="1"/>
             </a:lvl5pPr>
-            <a:lvl6pPr marL="2489911" indent="0">
+            <a:lvl6pPr marL="2631186" indent="0">
               <a:buNone/>
-              <a:defRPr sz="1700" b="1"/>
+              <a:defRPr sz="1800" b="1"/>
             </a:lvl6pPr>
-            <a:lvl7pPr marL="2987893" indent="0">
+            <a:lvl7pPr marL="3157423" indent="0">
               <a:buNone/>
-              <a:defRPr sz="1700" b="1"/>
+              <a:defRPr sz="1800" b="1"/>
             </a:lvl7pPr>
-            <a:lvl8pPr marL="3485876" indent="0">
+            <a:lvl8pPr marL="3683660" indent="0">
               <a:buNone/>
-              <a:defRPr sz="1700" b="1"/>
+              <a:defRPr sz="1800" b="1"/>
             </a:lvl8pPr>
-            <a:lvl9pPr marL="3983858" indent="0">
+            <a:lvl9pPr marL="4209898" indent="0">
               <a:buNone/>
-              <a:defRPr sz="1700" b="1"/>
+              <a:defRPr sz="1800" b="1"/>
             </a:lvl9pPr>
           </a:lstStyle>
           <a:p>
@@ -1679,39 +1679,39 @@
         </p:nvSpPr>
         <p:spPr>
           <a:xfrm>
-            <a:off x="5434519" y="2398404"/>
-            <a:ext cx="4728738" cy="4357393"/>
+            <a:off x="7664295" y="3392705"/>
+            <a:ext cx="6668930" cy="6163826"/>
           </a:xfrm>
         </p:spPr>
         <p:txBody>
           <a:bodyPr/>
           <a:lstStyle>
             <a:lvl1pPr>
-              <a:defRPr sz="2600"/>
+              <a:defRPr sz="2800"/>
             </a:lvl1pPr>
             <a:lvl2pPr>
-              <a:defRPr sz="2200"/>
+              <a:defRPr sz="2300"/>
             </a:lvl2pPr>
             <a:lvl3pPr>
-              <a:defRPr sz="2000"/>
+              <a:defRPr sz="2100"/>
             </a:lvl3pPr>
             <a:lvl4pPr>
-              <a:defRPr sz="1700"/>
+              <a:defRPr sz="1800"/>
             </a:lvl4pPr>
             <a:lvl5pPr>
-              <a:defRPr sz="1700"/>
+              <a:defRPr sz="1800"/>
             </a:lvl5pPr>
             <a:lvl6pPr>
-              <a:defRPr sz="1700"/>
+              <a:defRPr sz="1800"/>
             </a:lvl6pPr>
             <a:lvl7pPr>
-              <a:defRPr sz="1700"/>
+              <a:defRPr sz="1800"/>
             </a:lvl7pPr>
             <a:lvl8pPr>
-              <a:defRPr sz="1700"/>
+              <a:defRPr sz="1800"/>
             </a:lvl8pPr>
             <a:lvl9pPr>
-              <a:defRPr sz="1700"/>
+              <a:defRPr sz="1800"/>
             </a:lvl9pPr>
           </a:lstStyle>
           <a:p>
@@ -2072,15 +2072,15 @@
         </p:nvSpPr>
         <p:spPr>
           <a:xfrm>
-            <a:off x="534909" y="301113"/>
-            <a:ext cx="3519622" cy="1281483"/>
+            <a:off x="754384" y="425946"/>
+            <a:ext cx="4963717" cy="1812744"/>
           </a:xfrm>
         </p:spPr>
         <p:txBody>
           <a:bodyPr anchor="b"/>
           <a:lstStyle>
             <a:lvl1pPr algn="l">
-              <a:defRPr sz="2200" b="1"/>
+              <a:defRPr sz="2300" b="1"/>
             </a:lvl1pPr>
           </a:lstStyle>
           <a:p>
@@ -2104,39 +2104,39 @@
         </p:nvSpPr>
         <p:spPr>
           <a:xfrm>
-            <a:off x="4182686" y="301116"/>
-            <a:ext cx="5980569" cy="6454683"/>
+            <a:off x="5898834" y="425950"/>
+            <a:ext cx="8434386" cy="9130587"/>
           </a:xfrm>
         </p:spPr>
         <p:txBody>
           <a:bodyPr/>
           <a:lstStyle>
             <a:lvl1pPr>
-              <a:defRPr sz="3500"/>
+              <a:defRPr sz="3700"/>
             </a:lvl1pPr>
             <a:lvl2pPr>
-              <a:defRPr sz="3000"/>
+              <a:defRPr sz="3200"/>
             </a:lvl2pPr>
             <a:lvl3pPr>
-              <a:defRPr sz="2600"/>
+              <a:defRPr sz="2800"/>
             </a:lvl3pPr>
             <a:lvl4pPr>
-              <a:defRPr sz="2200"/>
+              <a:defRPr sz="2300"/>
             </a:lvl4pPr>
             <a:lvl5pPr>
-              <a:defRPr sz="2200"/>
+              <a:defRPr sz="2300"/>
             </a:lvl5pPr>
             <a:lvl6pPr>
-              <a:defRPr sz="2200"/>
+              <a:defRPr sz="2300"/>
             </a:lvl6pPr>
             <a:lvl7pPr>
-              <a:defRPr sz="2200"/>
+              <a:defRPr sz="2300"/>
             </a:lvl7pPr>
             <a:lvl8pPr>
-              <a:defRPr sz="2200"/>
+              <a:defRPr sz="2300"/>
             </a:lvl8pPr>
             <a:lvl9pPr>
-              <a:defRPr sz="2200"/>
+              <a:defRPr sz="2300"/>
             </a:lvl9pPr>
           </a:lstStyle>
           <a:p>
@@ -2189,8 +2189,8 @@
         </p:nvSpPr>
         <p:spPr>
           <a:xfrm>
-            <a:off x="534909" y="1582598"/>
-            <a:ext cx="3519622" cy="5173200"/>
+            <a:off x="754384" y="2238692"/>
+            <a:ext cx="4963717" cy="7317841"/>
           </a:xfrm>
         </p:spPr>
         <p:txBody>
@@ -2198,37 +2198,37 @@
           <a:lstStyle>
             <a:lvl1pPr marL="0" indent="0">
               <a:buNone/>
-              <a:defRPr sz="1500"/>
+              <a:defRPr sz="1600"/>
             </a:lvl1pPr>
-            <a:lvl2pPr marL="497982" indent="0">
+            <a:lvl2pPr marL="526237" indent="0">
               <a:buNone/>
-              <a:defRPr sz="1300"/>
+              <a:defRPr sz="1400"/>
             </a:lvl2pPr>
-            <a:lvl3pPr marL="995964" indent="0">
+            <a:lvl3pPr marL="1052474" indent="0">
               <a:buNone/>
-              <a:defRPr sz="1100"/>
+              <a:defRPr sz="1200"/>
             </a:lvl3pPr>
-            <a:lvl4pPr marL="1493947" indent="0">
+            <a:lvl4pPr marL="1578712" indent="0">
               <a:buNone/>
               <a:defRPr sz="1000"/>
             </a:lvl4pPr>
-            <a:lvl5pPr marL="1991929" indent="0">
+            <a:lvl5pPr marL="2104949" indent="0">
               <a:buNone/>
               <a:defRPr sz="1000"/>
             </a:lvl5pPr>
-            <a:lvl6pPr marL="2489911" indent="0">
+            <a:lvl6pPr marL="2631186" indent="0">
               <a:buNone/>
               <a:defRPr sz="1000"/>
             </a:lvl6pPr>
-            <a:lvl7pPr marL="2987893" indent="0">
+            <a:lvl7pPr marL="3157423" indent="0">
               <a:buNone/>
               <a:defRPr sz="1000"/>
             </a:lvl7pPr>
-            <a:lvl8pPr marL="3485876" indent="0">
+            <a:lvl8pPr marL="3683660" indent="0">
               <a:buNone/>
               <a:defRPr sz="1000"/>
             </a:lvl8pPr>
-            <a:lvl9pPr marL="3983858" indent="0">
+            <a:lvl9pPr marL="4209898" indent="0">
               <a:buNone/>
               <a:defRPr sz="1000"/>
             </a:lvl9pPr>
@@ -2349,15 +2349,15 @@
         </p:nvSpPr>
         <p:spPr>
           <a:xfrm>
-            <a:off x="2096914" y="5293995"/>
-            <a:ext cx="6418898" cy="624986"/>
+            <a:off x="2957275" y="7488714"/>
+            <a:ext cx="9052560" cy="884086"/>
           </a:xfrm>
         </p:spPr>
         <p:txBody>
           <a:bodyPr anchor="b"/>
           <a:lstStyle>
             <a:lvl1pPr algn="l">
-              <a:defRPr sz="2200" b="1"/>
+              <a:defRPr sz="2300" b="1"/>
             </a:lvl1pPr>
           </a:lstStyle>
           <a:p>
@@ -2381,8 +2381,8 @@
         </p:nvSpPr>
         <p:spPr>
           <a:xfrm>
-            <a:off x="2096914" y="675755"/>
-            <a:ext cx="6418898" cy="4537710"/>
+            <a:off x="2957275" y="955901"/>
+            <a:ext cx="9052560" cy="6418898"/>
           </a:xfrm>
         </p:spPr>
         <p:txBody>
@@ -2390,39 +2390,39 @@
           <a:lstStyle>
             <a:lvl1pPr marL="0" indent="0">
               <a:buNone/>
-              <a:defRPr sz="3500"/>
+              <a:defRPr sz="3700"/>
             </a:lvl1pPr>
-            <a:lvl2pPr marL="497982" indent="0">
+            <a:lvl2pPr marL="526237" indent="0">
               <a:buNone/>
-              <a:defRPr sz="3000"/>
+              <a:defRPr sz="3200"/>
             </a:lvl2pPr>
-            <a:lvl3pPr marL="995964" indent="0">
+            <a:lvl3pPr marL="1052474" indent="0">
               <a:buNone/>
-              <a:defRPr sz="2600"/>
+              <a:defRPr sz="2800"/>
             </a:lvl3pPr>
-            <a:lvl4pPr marL="1493947" indent="0">
+            <a:lvl4pPr marL="1578712" indent="0">
               <a:buNone/>
-              <a:defRPr sz="2200"/>
+              <a:defRPr sz="2300"/>
             </a:lvl4pPr>
-            <a:lvl5pPr marL="1991929" indent="0">
+            <a:lvl5pPr marL="2104949" indent="0">
               <a:buNone/>
-              <a:defRPr sz="2200"/>
+              <a:defRPr sz="2300"/>
             </a:lvl5pPr>
-            <a:lvl6pPr marL="2489911" indent="0">
+            <a:lvl6pPr marL="2631186" indent="0">
               <a:buNone/>
-              <a:defRPr sz="2200"/>
+              <a:defRPr sz="2300"/>
             </a:lvl6pPr>
-            <a:lvl7pPr marL="2987893" indent="0">
+            <a:lvl7pPr marL="3157423" indent="0">
               <a:buNone/>
-              <a:defRPr sz="2200"/>
+              <a:defRPr sz="2300"/>
             </a:lvl7pPr>
-            <a:lvl8pPr marL="3485876" indent="0">
+            <a:lvl8pPr marL="3683660" indent="0">
               <a:buNone/>
-              <a:defRPr sz="2200"/>
+              <a:defRPr sz="2300"/>
             </a:lvl8pPr>
-            <a:lvl9pPr marL="3983858" indent="0">
+            <a:lvl9pPr marL="4209898" indent="0">
               <a:buNone/>
-              <a:defRPr sz="2200"/>
+              <a:defRPr sz="2300"/>
             </a:lvl9pPr>
           </a:lstStyle>
           <a:p>
@@ -2442,8 +2442,8 @@
         </p:nvSpPr>
         <p:spPr>
           <a:xfrm>
-            <a:off x="2096914" y="5918981"/>
-            <a:ext cx="6418898" cy="887584"/>
+            <a:off x="2957275" y="8372800"/>
+            <a:ext cx="9052560" cy="1255547"/>
           </a:xfrm>
         </p:spPr>
         <p:txBody>
@@ -2451,37 +2451,37 @@
           <a:lstStyle>
             <a:lvl1pPr marL="0" indent="0">
               <a:buNone/>
-              <a:defRPr sz="1500"/>
+              <a:defRPr sz="1600"/>
             </a:lvl1pPr>
-            <a:lvl2pPr marL="497982" indent="0">
+            <a:lvl2pPr marL="526237" indent="0">
               <a:buNone/>
-              <a:defRPr sz="1300"/>
+              <a:defRPr sz="1400"/>
             </a:lvl2pPr>
-            <a:lvl3pPr marL="995964" indent="0">
+            <a:lvl3pPr marL="1052474" indent="0">
               <a:buNone/>
-              <a:defRPr sz="1100"/>
+              <a:defRPr sz="1200"/>
             </a:lvl3pPr>
-            <a:lvl4pPr marL="1493947" indent="0">
+            <a:lvl4pPr marL="1578712" indent="0">
               <a:buNone/>
               <a:defRPr sz="1000"/>
             </a:lvl4pPr>
-            <a:lvl5pPr marL="1991929" indent="0">
+            <a:lvl5pPr marL="2104949" indent="0">
               <a:buNone/>
               <a:defRPr sz="1000"/>
             </a:lvl5pPr>
-            <a:lvl6pPr marL="2489911" indent="0">
+            <a:lvl6pPr marL="2631186" indent="0">
               <a:buNone/>
               <a:defRPr sz="1000"/>
             </a:lvl6pPr>
-            <a:lvl7pPr marL="2987893" indent="0">
+            <a:lvl7pPr marL="3157423" indent="0">
               <a:buNone/>
               <a:defRPr sz="1000"/>
             </a:lvl7pPr>
-            <a:lvl8pPr marL="3485876" indent="0">
+            <a:lvl8pPr marL="3683660" indent="0">
               <a:buNone/>
               <a:defRPr sz="1000"/>
             </a:lvl8pPr>
-            <a:lvl9pPr marL="3983858" indent="0">
+            <a:lvl9pPr marL="4209898" indent="0">
               <a:buNone/>
               <a:defRPr sz="1000"/>
             </a:lvl9pPr>
@@ -2607,15 +2607,15 @@
         </p:nvSpPr>
         <p:spPr>
           <a:xfrm>
-            <a:off x="534908" y="302865"/>
-            <a:ext cx="9628347" cy="1260475"/>
+            <a:off x="754380" y="428422"/>
+            <a:ext cx="13578840" cy="1783027"/>
           </a:xfrm>
           <a:prstGeom prst="rect">
             <a:avLst/>
           </a:prstGeom>
         </p:spPr>
         <p:txBody>
-          <a:bodyPr vert="horz" lIns="99596" tIns="49798" rIns="99596" bIns="49798" rtlCol="0" anchor="ctr">
+          <a:bodyPr vert="horz" lIns="105247" tIns="52624" rIns="105247" bIns="52624" rtlCol="0" anchor="ctr">
             <a:normAutofit/>
           </a:bodyPr>
           <a:lstStyle/>
@@ -2640,15 +2640,15 @@
         </p:nvSpPr>
         <p:spPr>
           <a:xfrm>
-            <a:off x="534908" y="1764667"/>
-            <a:ext cx="9628347" cy="4991131"/>
+            <a:off x="754380" y="2496240"/>
+            <a:ext cx="13578840" cy="7060293"/>
           </a:xfrm>
           <a:prstGeom prst="rect">
             <a:avLst/>
           </a:prstGeom>
         </p:spPr>
         <p:txBody>
-          <a:bodyPr vert="horz" lIns="99596" tIns="49798" rIns="99596" bIns="49798" rtlCol="0">
+          <a:bodyPr vert="horz" lIns="105247" tIns="52624" rIns="105247" bIns="52624" rtlCol="0">
             <a:normAutofit/>
           </a:bodyPr>
           <a:lstStyle/>
@@ -2702,18 +2702,18 @@
         </p:nvSpPr>
         <p:spPr>
           <a:xfrm>
-            <a:off x="534908" y="7009644"/>
-            <a:ext cx="2496238" cy="402652"/>
+            <a:off x="754380" y="9915617"/>
+            <a:ext cx="3520440" cy="569578"/>
           </a:xfrm>
           <a:prstGeom prst="rect">
             <a:avLst/>
           </a:prstGeom>
         </p:spPr>
         <p:txBody>
-          <a:bodyPr vert="horz" lIns="99596" tIns="49798" rIns="99596" bIns="49798" rtlCol="0" anchor="ctr"/>
+          <a:bodyPr vert="horz" lIns="105247" tIns="52624" rIns="105247" bIns="52624" rtlCol="0" anchor="ctr"/>
           <a:lstStyle>
             <a:lvl1pPr algn="l">
-              <a:defRPr sz="1300">
+              <a:defRPr sz="1400">
                 <a:solidFill>
                   <a:schemeClr val="tx1">
                     <a:tint val="75000"/>
@@ -2743,18 +2743,18 @@
         </p:nvSpPr>
         <p:spPr>
           <a:xfrm>
-            <a:off x="3655206" y="7009644"/>
-            <a:ext cx="3387752" cy="402652"/>
+            <a:off x="5154930" y="9915617"/>
+            <a:ext cx="4777740" cy="569578"/>
           </a:xfrm>
           <a:prstGeom prst="rect">
             <a:avLst/>
           </a:prstGeom>
         </p:spPr>
         <p:txBody>
-          <a:bodyPr vert="horz" lIns="99596" tIns="49798" rIns="99596" bIns="49798" rtlCol="0" anchor="ctr"/>
+          <a:bodyPr vert="horz" lIns="105247" tIns="52624" rIns="105247" bIns="52624" rtlCol="0" anchor="ctr"/>
           <a:lstStyle>
             <a:lvl1pPr algn="ctr">
-              <a:defRPr sz="1300">
+              <a:defRPr sz="1400">
                 <a:solidFill>
                   <a:schemeClr val="tx1">
                     <a:tint val="75000"/>
@@ -2780,18 +2780,18 @@
         </p:nvSpPr>
         <p:spPr>
           <a:xfrm>
-            <a:off x="7667017" y="7009644"/>
-            <a:ext cx="2496238" cy="402652"/>
+            <a:off x="10812780" y="9915617"/>
+            <a:ext cx="3520440" cy="569578"/>
           </a:xfrm>
           <a:prstGeom prst="rect">
             <a:avLst/>
           </a:prstGeom>
         </p:spPr>
         <p:txBody>
-          <a:bodyPr vert="horz" lIns="99596" tIns="49798" rIns="99596" bIns="49798" rtlCol="0" anchor="ctr"/>
+          <a:bodyPr vert="horz" lIns="105247" tIns="52624" rIns="105247" bIns="52624" rtlCol="0" anchor="ctr"/>
           <a:lstStyle>
             <a:lvl1pPr algn="r">
-              <a:defRPr sz="1300">
+              <a:defRPr sz="1400">
                 <a:solidFill>
                   <a:schemeClr val="tx1">
                     <a:tint val="75000"/>
@@ -2832,12 +2832,12 @@
   </p:sldLayoutIdLst>
   <p:txStyles>
     <p:titleStyle>
-      <a:lvl1pPr algn="ctr" defTabSz="995964" rtl="0" eaLnBrk="1" latinLnBrk="0" hangingPunct="1">
+      <a:lvl1pPr algn="ctr" defTabSz="1052474" rtl="0" eaLnBrk="1" latinLnBrk="0" hangingPunct="1">
         <a:spcBef>
           <a:spcPct val="0"/>
         </a:spcBef>
         <a:buNone/>
-        <a:defRPr sz="4800" kern="1200">
+        <a:defRPr sz="5100" kern="1200">
           <a:solidFill>
             <a:schemeClr val="tx1"/>
           </a:solidFill>
@@ -2848,13 +2848,13 @@
       </a:lvl1pPr>
     </p:titleStyle>
     <p:bodyStyle>
-      <a:lvl1pPr marL="373487" indent="-373487" algn="l" defTabSz="995964" rtl="0" eaLnBrk="1" latinLnBrk="0" hangingPunct="1">
+      <a:lvl1pPr marL="394678" indent="-394678" algn="l" defTabSz="1052474" rtl="0" eaLnBrk="1" latinLnBrk="0" hangingPunct="1">
         <a:spcBef>
           <a:spcPct val="20000"/>
         </a:spcBef>
         <a:buFont typeface="Arial" panose="020B0604020202020204" pitchFamily="34" charset="0"/>
         <a:buChar char="•"/>
-        <a:defRPr sz="3500" kern="1200">
+        <a:defRPr sz="3700" kern="1200">
           <a:solidFill>
             <a:schemeClr val="tx1"/>
           </a:solidFill>
@@ -2863,13 +2863,13 @@
           <a:cs typeface="+mn-cs"/>
         </a:defRPr>
       </a:lvl1pPr>
-      <a:lvl2pPr marL="809221" indent="-311239" algn="l" defTabSz="995964" rtl="0" eaLnBrk="1" latinLnBrk="0" hangingPunct="1">
+      <a:lvl2pPr marL="855135" indent="-328898" algn="l" defTabSz="1052474" rtl="0" eaLnBrk="1" latinLnBrk="0" hangingPunct="1">
         <a:spcBef>
           <a:spcPct val="20000"/>
         </a:spcBef>
         <a:buFont typeface="Arial" panose="020B0604020202020204" pitchFamily="34" charset="0"/>
         <a:buChar char="–"/>
-        <a:defRPr sz="3000" kern="1200">
+        <a:defRPr sz="3200" kern="1200">
           <a:solidFill>
             <a:schemeClr val="tx1"/>
           </a:solidFill>
@@ -2878,13 +2878,13 @@
           <a:cs typeface="+mn-cs"/>
         </a:defRPr>
       </a:lvl2pPr>
-      <a:lvl3pPr marL="1244956" indent="-248991" algn="l" defTabSz="995964" rtl="0" eaLnBrk="1" latinLnBrk="0" hangingPunct="1">
+      <a:lvl3pPr marL="1315593" indent="-263119" algn="l" defTabSz="1052474" rtl="0" eaLnBrk="1" latinLnBrk="0" hangingPunct="1">
         <a:spcBef>
           <a:spcPct val="20000"/>
         </a:spcBef>
         <a:buFont typeface="Arial" panose="020B0604020202020204" pitchFamily="34" charset="0"/>
         <a:buChar char="•"/>
-        <a:defRPr sz="2600" kern="1200">
+        <a:defRPr sz="2800" kern="1200">
           <a:solidFill>
             <a:schemeClr val="tx1"/>
           </a:solidFill>
@@ -2893,13 +2893,13 @@
           <a:cs typeface="+mn-cs"/>
         </a:defRPr>
       </a:lvl3pPr>
-      <a:lvl4pPr marL="1742938" indent="-248991" algn="l" defTabSz="995964" rtl="0" eaLnBrk="1" latinLnBrk="0" hangingPunct="1">
+      <a:lvl4pPr marL="1841830" indent="-263119" algn="l" defTabSz="1052474" rtl="0" eaLnBrk="1" latinLnBrk="0" hangingPunct="1">
         <a:spcBef>
           <a:spcPct val="20000"/>
         </a:spcBef>
         <a:buFont typeface="Arial" panose="020B0604020202020204" pitchFamily="34" charset="0"/>
         <a:buChar char="–"/>
-        <a:defRPr sz="2200" kern="1200">
+        <a:defRPr sz="2300" kern="1200">
           <a:solidFill>
             <a:schemeClr val="tx1"/>
           </a:solidFill>
@@ -2908,13 +2908,13 @@
           <a:cs typeface="+mn-cs"/>
         </a:defRPr>
       </a:lvl4pPr>
-      <a:lvl5pPr marL="2240920" indent="-248991" algn="l" defTabSz="995964" rtl="0" eaLnBrk="1" latinLnBrk="0" hangingPunct="1">
+      <a:lvl5pPr marL="2368067" indent="-263119" algn="l" defTabSz="1052474" rtl="0" eaLnBrk="1" latinLnBrk="0" hangingPunct="1">
         <a:spcBef>
           <a:spcPct val="20000"/>
         </a:spcBef>
         <a:buFont typeface="Arial" panose="020B0604020202020204" pitchFamily="34" charset="0"/>
         <a:buChar char="»"/>
-        <a:defRPr sz="2200" kern="1200">
+        <a:defRPr sz="2300" kern="1200">
           <a:solidFill>
             <a:schemeClr val="tx1"/>
           </a:solidFill>
@@ -2923,13 +2923,13 @@
           <a:cs typeface="+mn-cs"/>
         </a:defRPr>
       </a:lvl5pPr>
-      <a:lvl6pPr marL="2738902" indent="-248991" algn="l" defTabSz="995964" rtl="0" eaLnBrk="1" latinLnBrk="0" hangingPunct="1">
+      <a:lvl6pPr marL="2894305" indent="-263119" algn="l" defTabSz="1052474" rtl="0" eaLnBrk="1" latinLnBrk="0" hangingPunct="1">
         <a:spcBef>
           <a:spcPct val="20000"/>
         </a:spcBef>
         <a:buFont typeface="Arial" panose="020B0604020202020204" pitchFamily="34" charset="0"/>
         <a:buChar char="•"/>
-        <a:defRPr sz="2200" kern="1200">
+        <a:defRPr sz="2300" kern="1200">
           <a:solidFill>
             <a:schemeClr val="tx1"/>
           </a:solidFill>
@@ -2938,13 +2938,13 @@
           <a:cs typeface="+mn-cs"/>
         </a:defRPr>
       </a:lvl6pPr>
-      <a:lvl7pPr marL="3236885" indent="-248991" algn="l" defTabSz="995964" rtl="0" eaLnBrk="1" latinLnBrk="0" hangingPunct="1">
+      <a:lvl7pPr marL="3420542" indent="-263119" algn="l" defTabSz="1052474" rtl="0" eaLnBrk="1" latinLnBrk="0" hangingPunct="1">
         <a:spcBef>
           <a:spcPct val="20000"/>
         </a:spcBef>
         <a:buFont typeface="Arial" panose="020B0604020202020204" pitchFamily="34" charset="0"/>
         <a:buChar char="•"/>
-        <a:defRPr sz="2200" kern="1200">
+        <a:defRPr sz="2300" kern="1200">
           <a:solidFill>
             <a:schemeClr val="tx1"/>
           </a:solidFill>
@@ -2953,13 +2953,13 @@
           <a:cs typeface="+mn-cs"/>
         </a:defRPr>
       </a:lvl7pPr>
-      <a:lvl8pPr marL="3734867" indent="-248991" algn="l" defTabSz="995964" rtl="0" eaLnBrk="1" latinLnBrk="0" hangingPunct="1">
+      <a:lvl8pPr marL="3946779" indent="-263119" algn="l" defTabSz="1052474" rtl="0" eaLnBrk="1" latinLnBrk="0" hangingPunct="1">
         <a:spcBef>
           <a:spcPct val="20000"/>
         </a:spcBef>
         <a:buFont typeface="Arial" panose="020B0604020202020204" pitchFamily="34" charset="0"/>
         <a:buChar char="•"/>
-        <a:defRPr sz="2200" kern="1200">
+        <a:defRPr sz="2300" kern="1200">
           <a:solidFill>
             <a:schemeClr val="tx1"/>
           </a:solidFill>
@@ -2968,13 +2968,13 @@
           <a:cs typeface="+mn-cs"/>
         </a:defRPr>
       </a:lvl8pPr>
-      <a:lvl9pPr marL="4232849" indent="-248991" algn="l" defTabSz="995964" rtl="0" eaLnBrk="1" latinLnBrk="0" hangingPunct="1">
+      <a:lvl9pPr marL="4473016" indent="-263119" algn="l" defTabSz="1052474" rtl="0" eaLnBrk="1" latinLnBrk="0" hangingPunct="1">
         <a:spcBef>
           <a:spcPct val="20000"/>
         </a:spcBef>
         <a:buFont typeface="Arial" panose="020B0604020202020204" pitchFamily="34" charset="0"/>
         <a:buChar char="•"/>
-        <a:defRPr sz="2200" kern="1200">
+        <a:defRPr sz="2300" kern="1200">
           <a:solidFill>
             <a:schemeClr val="tx1"/>
           </a:solidFill>
@@ -2988,8 +2988,8 @@
       <a:defPPr>
         <a:defRPr lang="en-US"/>
       </a:defPPr>
-      <a:lvl1pPr marL="0" algn="l" defTabSz="995964" rtl="0" eaLnBrk="1" latinLnBrk="0" hangingPunct="1">
-        <a:defRPr sz="2000" kern="1200">
+      <a:lvl1pPr marL="0" algn="l" defTabSz="1052474" rtl="0" eaLnBrk="1" latinLnBrk="0" hangingPunct="1">
+        <a:defRPr sz="2100" kern="1200">
           <a:solidFill>
             <a:schemeClr val="tx1"/>
           </a:solidFill>
@@ -2998,8 +2998,8 @@
           <a:cs typeface="+mn-cs"/>
         </a:defRPr>
       </a:lvl1pPr>
-      <a:lvl2pPr marL="497982" algn="l" defTabSz="995964" rtl="0" eaLnBrk="1" latinLnBrk="0" hangingPunct="1">
-        <a:defRPr sz="2000" kern="1200">
+      <a:lvl2pPr marL="526237" algn="l" defTabSz="1052474" rtl="0" eaLnBrk="1" latinLnBrk="0" hangingPunct="1">
+        <a:defRPr sz="2100" kern="1200">
           <a:solidFill>
             <a:schemeClr val="tx1"/>
           </a:solidFill>
@@ -3008,8 +3008,8 @@
           <a:cs typeface="+mn-cs"/>
         </a:defRPr>
       </a:lvl2pPr>
-      <a:lvl3pPr marL="995964" algn="l" defTabSz="995964" rtl="0" eaLnBrk="1" latinLnBrk="0" hangingPunct="1">
-        <a:defRPr sz="2000" kern="1200">
+      <a:lvl3pPr marL="1052474" algn="l" defTabSz="1052474" rtl="0" eaLnBrk="1" latinLnBrk="0" hangingPunct="1">
+        <a:defRPr sz="2100" kern="1200">
           <a:solidFill>
             <a:schemeClr val="tx1"/>
           </a:solidFill>
@@ -3018,8 +3018,8 @@
           <a:cs typeface="+mn-cs"/>
         </a:defRPr>
       </a:lvl3pPr>
-      <a:lvl4pPr marL="1493947" algn="l" defTabSz="995964" rtl="0" eaLnBrk="1" latinLnBrk="0" hangingPunct="1">
-        <a:defRPr sz="2000" kern="1200">
+      <a:lvl4pPr marL="1578712" algn="l" defTabSz="1052474" rtl="0" eaLnBrk="1" latinLnBrk="0" hangingPunct="1">
+        <a:defRPr sz="2100" kern="1200">
           <a:solidFill>
             <a:schemeClr val="tx1"/>
           </a:solidFill>
@@ -3028,8 +3028,8 @@
           <a:cs typeface="+mn-cs"/>
         </a:defRPr>
       </a:lvl4pPr>
-      <a:lvl5pPr marL="1991929" algn="l" defTabSz="995964" rtl="0" eaLnBrk="1" latinLnBrk="0" hangingPunct="1">
-        <a:defRPr sz="2000" kern="1200">
+      <a:lvl5pPr marL="2104949" algn="l" defTabSz="1052474" rtl="0" eaLnBrk="1" latinLnBrk="0" hangingPunct="1">
+        <a:defRPr sz="2100" kern="1200">
           <a:solidFill>
             <a:schemeClr val="tx1"/>
           </a:solidFill>
@@ -3038,8 +3038,8 @@
           <a:cs typeface="+mn-cs"/>
         </a:defRPr>
       </a:lvl5pPr>
-      <a:lvl6pPr marL="2489911" algn="l" defTabSz="995964" rtl="0" eaLnBrk="1" latinLnBrk="0" hangingPunct="1">
-        <a:defRPr sz="2000" kern="1200">
+      <a:lvl6pPr marL="2631186" algn="l" defTabSz="1052474" rtl="0" eaLnBrk="1" latinLnBrk="0" hangingPunct="1">
+        <a:defRPr sz="2100" kern="1200">
           <a:solidFill>
             <a:schemeClr val="tx1"/>
           </a:solidFill>
@@ -3048,8 +3048,8 @@
           <a:cs typeface="+mn-cs"/>
         </a:defRPr>
       </a:lvl6pPr>
-      <a:lvl7pPr marL="2987893" algn="l" defTabSz="995964" rtl="0" eaLnBrk="1" latinLnBrk="0" hangingPunct="1">
-        <a:defRPr sz="2000" kern="1200">
+      <a:lvl7pPr marL="3157423" algn="l" defTabSz="1052474" rtl="0" eaLnBrk="1" latinLnBrk="0" hangingPunct="1">
+        <a:defRPr sz="2100" kern="1200">
           <a:solidFill>
             <a:schemeClr val="tx1"/>
           </a:solidFill>
@@ -3058,8 +3058,8 @@
           <a:cs typeface="+mn-cs"/>
         </a:defRPr>
       </a:lvl7pPr>
-      <a:lvl8pPr marL="3485876" algn="l" defTabSz="995964" rtl="0" eaLnBrk="1" latinLnBrk="0" hangingPunct="1">
-        <a:defRPr sz="2000" kern="1200">
+      <a:lvl8pPr marL="3683660" algn="l" defTabSz="1052474" rtl="0" eaLnBrk="1" latinLnBrk="0" hangingPunct="1">
+        <a:defRPr sz="2100" kern="1200">
           <a:solidFill>
             <a:schemeClr val="tx1"/>
           </a:solidFill>
@@ -3068,8 +3068,8 @@
           <a:cs typeface="+mn-cs"/>
         </a:defRPr>
       </a:lvl8pPr>
-      <a:lvl9pPr marL="3983858" algn="l" defTabSz="995964" rtl="0" eaLnBrk="1" latinLnBrk="0" hangingPunct="1">
-        <a:defRPr sz="2000" kern="1200">
+      <a:lvl9pPr marL="4209898" algn="l" defTabSz="1052474" rtl="0" eaLnBrk="1" latinLnBrk="0" hangingPunct="1">
+        <a:defRPr sz="2100" kern="1200">
           <a:solidFill>
             <a:schemeClr val="tx1"/>
           </a:solidFill>
@@ -3108,10 +3108,10 @@
         </p:nvGrpSpPr>
         <p:grpSpPr>
           <a:xfrm>
-            <a:off x="2148682" y="581025"/>
-            <a:ext cx="6400800" cy="6400800"/>
-            <a:chOff x="2148682" y="581025"/>
-            <a:chExt cx="6400800" cy="6400800"/>
+            <a:off x="4343400" y="777081"/>
+            <a:ext cx="6400800" cy="9144000"/>
+            <a:chOff x="4343400" y="777081"/>
+            <a:chExt cx="6400800" cy="9144000"/>
           </a:xfrm>
         </p:grpSpPr>
         <p:sp>
@@ -3122,8 +3122,8 @@
           </p:nvSpPr>
           <p:spPr>
             <a:xfrm>
-              <a:off x="2148681" y="581025"/>
-              <a:ext cx="6400800" cy="6400800"/>
+              <a:off x="4343400" y="777081"/>
+              <a:ext cx="6400800" cy="9144000"/>
             </a:xfrm>
             <a:prstGeom prst="rect">
               <a:avLst/>
@@ -3157,8 +3157,8 @@
           </p:nvSpPr>
           <p:spPr>
             <a:xfrm>
-              <a:off x="2148681" y="581025"/>
-              <a:ext cx="6400799" cy="3021082"/>
+              <a:off x="4343400" y="777081"/>
+              <a:ext cx="6400799" cy="4392682"/>
             </a:xfrm>
             <a:prstGeom prst="rect">
               <a:avLst/>
@@ -3183,7 +3183,7 @@
           </p:nvSpPr>
           <p:spPr>
             <a:xfrm>
-              <a:off x="2695605" y="3073306"/>
+              <a:off x="4890324" y="4578617"/>
               <a:ext cx="5784286" cy="0"/>
             </a:xfrm>
             <a:custGeom>
@@ -3226,7 +3226,7 @@
           </p:nvSpPr>
           <p:spPr>
             <a:xfrm>
-              <a:off x="2695605" y="2553525"/>
+              <a:off x="4890324" y="3747109"/>
               <a:ext cx="5784286" cy="0"/>
             </a:xfrm>
             <a:custGeom>
@@ -3269,7 +3269,7 @@
           </p:nvSpPr>
           <p:spPr>
             <a:xfrm>
-              <a:off x="2695605" y="2033745"/>
+              <a:off x="4890324" y="2915601"/>
               <a:ext cx="5784286" cy="0"/>
             </a:xfrm>
             <a:custGeom>
@@ -3312,7 +3312,7 @@
           </p:nvSpPr>
           <p:spPr>
             <a:xfrm>
-              <a:off x="2695605" y="1513964"/>
+              <a:off x="4890324" y="2084094"/>
               <a:ext cx="5784286" cy="0"/>
             </a:xfrm>
             <a:custGeom>
@@ -3355,7 +3355,7 @@
           </p:nvSpPr>
           <p:spPr>
             <a:xfrm>
-              <a:off x="2695605" y="994184"/>
+              <a:off x="4890324" y="1252586"/>
               <a:ext cx="5784286" cy="0"/>
             </a:xfrm>
             <a:custGeom>
@@ -3398,13 +3398,13 @@
           </p:nvSpPr>
           <p:spPr>
             <a:xfrm>
-              <a:off x="2824145" y="994184"/>
-              <a:ext cx="4049000" cy="2079121"/>
+              <a:off x="5018863" y="1252586"/>
+              <a:ext cx="4049000" cy="3326031"/>
             </a:xfrm>
             <a:custGeom>
               <a:avLst/>
               <a:pathLst>
-                <a:path w="4049000" h="2079121">
+                <a:path w="4049000" h="3326031">
                   <a:moveTo>
                     <a:pt x="0" y="0"/>
                   </a:moveTo>
@@ -3436,34 +3436,34 @@
                     <a:pt x="4049000" y="0"/>
                   </a:lnTo>
                   <a:lnTo>
-                    <a:pt x="4049000" y="1266964"/>
-                  </a:lnTo>
-                  <a:lnTo>
-                    <a:pt x="3599111" y="1594606"/>
-                  </a:lnTo>
-                  <a:lnTo>
-                    <a:pt x="3149222" y="1760836"/>
-                  </a:lnTo>
-                  <a:lnTo>
-                    <a:pt x="2699333" y="1892000"/>
-                  </a:lnTo>
-                  <a:lnTo>
-                    <a:pt x="2249444" y="1930613"/>
-                  </a:lnTo>
-                  <a:lnTo>
-                    <a:pt x="1799555" y="2079121"/>
-                  </a:lnTo>
-                  <a:lnTo>
-                    <a:pt x="1349666" y="1795605"/>
-                  </a:lnTo>
-                  <a:lnTo>
-                    <a:pt x="899777" y="2079121"/>
-                  </a:lnTo>
-                  <a:lnTo>
-                    <a:pt x="449888" y="2079121"/>
-                  </a:lnTo>
-                  <a:lnTo>
-                    <a:pt x="0" y="2079121"/>
+                    <a:pt x="4049000" y="2026800"/>
+                  </a:lnTo>
+                  <a:lnTo>
+                    <a:pt x="3599111" y="2550938"/>
+                  </a:lnTo>
+                  <a:lnTo>
+                    <a:pt x="3149222" y="2816860"/>
+                  </a:lnTo>
+                  <a:lnTo>
+                    <a:pt x="2699333" y="3026688"/>
+                  </a:lnTo>
+                  <a:lnTo>
+                    <a:pt x="2249444" y="3088457"/>
+                  </a:lnTo>
+                  <a:lnTo>
+                    <a:pt x="1799555" y="3326031"/>
+                  </a:lnTo>
+                  <a:lnTo>
+                    <a:pt x="1349666" y="2872481"/>
+                  </a:lnTo>
+                  <a:lnTo>
+                    <a:pt x="899777" y="3326031"/>
+                  </a:lnTo>
+                  <a:lnTo>
+                    <a:pt x="449888" y="3326031"/>
+                  </a:lnTo>
+                  <a:lnTo>
+                    <a:pt x="0" y="3326031"/>
                   </a:lnTo>
                   <a:close/>
                 </a:path>
@@ -3489,7 +3489,7 @@
           </p:nvSpPr>
           <p:spPr>
             <a:xfrm>
-              <a:off x="2824145" y="994184"/>
+              <a:off x="5018863" y="1252586"/>
               <a:ext cx="4049000" cy="0"/>
             </a:xfrm>
             <a:custGeom>
@@ -3544,76 +3544,76 @@
           </p:nvSpPr>
           <p:spPr>
             <a:xfrm>
-              <a:off x="2824145" y="2261149"/>
-              <a:ext cx="4049000" cy="812157"/>
+              <a:off x="5018863" y="3279386"/>
+              <a:ext cx="4049000" cy="1299230"/>
             </a:xfrm>
             <a:custGeom>
               <a:avLst/>
               <a:pathLst>
-                <a:path w="4049000" h="812157">
+                <a:path w="4049000" h="1299230">
                   <a:moveTo>
-                    <a:pt x="0" y="812157"/>
+                    <a:pt x="0" y="1299230"/>
                   </a:moveTo>
                   <a:lnTo>
-                    <a:pt x="449888" y="812157"/>
-                  </a:lnTo>
-                  <a:lnTo>
-                    <a:pt x="899777" y="812157"/>
-                  </a:lnTo>
-                  <a:lnTo>
-                    <a:pt x="1349666" y="528640"/>
-                  </a:lnTo>
-                  <a:lnTo>
-                    <a:pt x="1799555" y="812157"/>
-                  </a:lnTo>
-                  <a:lnTo>
-                    <a:pt x="2249444" y="663648"/>
-                  </a:lnTo>
-                  <a:lnTo>
-                    <a:pt x="2699333" y="625036"/>
-                  </a:lnTo>
-                  <a:lnTo>
-                    <a:pt x="3149222" y="493871"/>
-                  </a:lnTo>
-                  <a:lnTo>
-                    <a:pt x="3599111" y="327641"/>
+                    <a:pt x="449888" y="1299230"/>
+                  </a:lnTo>
+                  <a:lnTo>
+                    <a:pt x="899777" y="1299230"/>
+                  </a:lnTo>
+                  <a:lnTo>
+                    <a:pt x="1349666" y="845681"/>
+                  </a:lnTo>
+                  <a:lnTo>
+                    <a:pt x="1799555" y="1299230"/>
+                  </a:lnTo>
+                  <a:lnTo>
+                    <a:pt x="2249444" y="1061657"/>
+                  </a:lnTo>
+                  <a:lnTo>
+                    <a:pt x="2699333" y="999888"/>
+                  </a:lnTo>
+                  <a:lnTo>
+                    <a:pt x="3149222" y="790060"/>
+                  </a:lnTo>
+                  <a:lnTo>
+                    <a:pt x="3599111" y="524138"/>
                   </a:lnTo>
                   <a:lnTo>
                     <a:pt x="4049000" y="0"/>
                   </a:lnTo>
                   <a:lnTo>
-                    <a:pt x="4049000" y="714698"/>
-                  </a:lnTo>
-                  <a:lnTo>
-                    <a:pt x="3599111" y="744692"/>
-                  </a:lnTo>
-                  <a:lnTo>
-                    <a:pt x="3149222" y="771087"/>
-                  </a:lnTo>
-                  <a:lnTo>
-                    <a:pt x="2699333" y="791365"/>
-                  </a:lnTo>
-                  <a:lnTo>
-                    <a:pt x="2249444" y="812157"/>
-                  </a:lnTo>
-                  <a:lnTo>
-                    <a:pt x="1799555" y="812157"/>
-                  </a:lnTo>
-                  <a:lnTo>
-                    <a:pt x="1349666" y="812157"/>
-                  </a:lnTo>
-                  <a:lnTo>
-                    <a:pt x="899777" y="812157"/>
-                  </a:lnTo>
-                  <a:lnTo>
-                    <a:pt x="449888" y="812157"/>
+                    <a:pt x="4049000" y="1143323"/>
+                  </a:lnTo>
+                  <a:lnTo>
+                    <a:pt x="3599111" y="1191306"/>
+                  </a:lnTo>
+                  <a:lnTo>
+                    <a:pt x="3149222" y="1233531"/>
+                  </a:lnTo>
+                  <a:lnTo>
+                    <a:pt x="2699333" y="1265970"/>
+                  </a:lnTo>
+                  <a:lnTo>
+                    <a:pt x="2249444" y="1299230"/>
+                  </a:lnTo>
+                  <a:lnTo>
+                    <a:pt x="1799555" y="1299230"/>
+                  </a:lnTo>
+                  <a:lnTo>
+                    <a:pt x="1349666" y="1299230"/>
+                  </a:lnTo>
+                  <a:lnTo>
+                    <a:pt x="899777" y="1299230"/>
+                  </a:lnTo>
+                  <a:lnTo>
+                    <a:pt x="449888" y="1299230"/>
                   </a:lnTo>
                   <a:close/>
                 </a:path>
               </a:pathLst>
             </a:custGeom>
             <a:solidFill>
-              <a:srgbClr val="F08080">
+              <a:srgbClr val="0000FF">
                 <a:alpha val="100000"/>
               </a:srgbClr>
             </a:solidFill>
@@ -3632,39 +3632,39 @@
           </p:nvSpPr>
           <p:spPr>
             <a:xfrm>
-              <a:off x="2824145" y="2261149"/>
-              <a:ext cx="4049000" cy="812157"/>
+              <a:off x="5018863" y="3279386"/>
+              <a:ext cx="4049000" cy="1299230"/>
             </a:xfrm>
             <a:custGeom>
               <a:avLst/>
               <a:pathLst>
-                <a:path w="4049000" h="812157">
+                <a:path w="4049000" h="1299230">
                   <a:moveTo>
-                    <a:pt x="0" y="812157"/>
+                    <a:pt x="0" y="1299230"/>
                   </a:moveTo>
                   <a:lnTo>
-                    <a:pt x="449888" y="812157"/>
-                  </a:lnTo>
-                  <a:lnTo>
-                    <a:pt x="899777" y="812157"/>
-                  </a:lnTo>
-                  <a:lnTo>
-                    <a:pt x="1349666" y="528640"/>
-                  </a:lnTo>
-                  <a:lnTo>
-                    <a:pt x="1799555" y="812157"/>
-                  </a:lnTo>
-                  <a:lnTo>
-                    <a:pt x="2249444" y="663648"/>
-                  </a:lnTo>
-                  <a:lnTo>
-                    <a:pt x="2699333" y="625036"/>
-                  </a:lnTo>
-                  <a:lnTo>
-                    <a:pt x="3149222" y="493871"/>
-                  </a:lnTo>
-                  <a:lnTo>
-                    <a:pt x="3599111" y="327641"/>
+                    <a:pt x="449888" y="1299230"/>
+                  </a:lnTo>
+                  <a:lnTo>
+                    <a:pt x="899777" y="1299230"/>
+                  </a:lnTo>
+                  <a:lnTo>
+                    <a:pt x="1349666" y="845681"/>
+                  </a:lnTo>
+                  <a:lnTo>
+                    <a:pt x="1799555" y="1299230"/>
+                  </a:lnTo>
+                  <a:lnTo>
+                    <a:pt x="2249444" y="1061657"/>
+                  </a:lnTo>
+                  <a:lnTo>
+                    <a:pt x="2699333" y="999888"/>
+                  </a:lnTo>
+                  <a:lnTo>
+                    <a:pt x="3149222" y="790060"/>
+                  </a:lnTo>
+                  <a:lnTo>
+                    <a:pt x="3599111" y="524138"/>
                   </a:lnTo>
                   <a:lnTo>
                     <a:pt x="4049000" y="0"/>
@@ -3687,69 +3687,69 @@
           </p:nvSpPr>
           <p:spPr>
             <a:xfrm>
-              <a:off x="2824145" y="2975847"/>
-              <a:ext cx="4049000" cy="97458"/>
+              <a:off x="5018863" y="4422709"/>
+              <a:ext cx="4049000" cy="155907"/>
             </a:xfrm>
             <a:custGeom>
               <a:avLst/>
               <a:pathLst>
-                <a:path w="4049000" h="97458">
+                <a:path w="4049000" h="155907">
                   <a:moveTo>
-                    <a:pt x="0" y="97458"/>
+                    <a:pt x="0" y="155907"/>
                   </a:moveTo>
                   <a:lnTo>
-                    <a:pt x="449888" y="97458"/>
-                  </a:lnTo>
-                  <a:lnTo>
-                    <a:pt x="899777" y="97458"/>
-                  </a:lnTo>
-                  <a:lnTo>
-                    <a:pt x="1349666" y="97458"/>
-                  </a:lnTo>
-                  <a:lnTo>
-                    <a:pt x="1799555" y="97458"/>
-                  </a:lnTo>
-                  <a:lnTo>
-                    <a:pt x="2249444" y="97458"/>
-                  </a:lnTo>
-                  <a:lnTo>
-                    <a:pt x="2699333" y="76667"/>
-                  </a:lnTo>
-                  <a:lnTo>
-                    <a:pt x="3149222" y="56389"/>
-                  </a:lnTo>
-                  <a:lnTo>
-                    <a:pt x="3599111" y="29994"/>
+                    <a:pt x="449888" y="155907"/>
+                  </a:lnTo>
+                  <a:lnTo>
+                    <a:pt x="899777" y="155907"/>
+                  </a:lnTo>
+                  <a:lnTo>
+                    <a:pt x="1349666" y="155907"/>
+                  </a:lnTo>
+                  <a:lnTo>
+                    <a:pt x="1799555" y="155907"/>
+                  </a:lnTo>
+                  <a:lnTo>
+                    <a:pt x="2249444" y="155907"/>
+                  </a:lnTo>
+                  <a:lnTo>
+                    <a:pt x="2699333" y="122647"/>
+                  </a:lnTo>
+                  <a:lnTo>
+                    <a:pt x="3149222" y="90208"/>
+                  </a:lnTo>
+                  <a:lnTo>
+                    <a:pt x="3599111" y="47983"/>
                   </a:lnTo>
                   <a:lnTo>
                     <a:pt x="4049000" y="0"/>
                   </a:lnTo>
                   <a:lnTo>
-                    <a:pt x="4049000" y="97458"/>
-                  </a:lnTo>
-                  <a:lnTo>
-                    <a:pt x="3599111" y="97458"/>
-                  </a:lnTo>
-                  <a:lnTo>
-                    <a:pt x="3149222" y="97458"/>
-                  </a:lnTo>
-                  <a:lnTo>
-                    <a:pt x="2699333" y="97458"/>
-                  </a:lnTo>
-                  <a:lnTo>
-                    <a:pt x="2249444" y="97458"/>
-                  </a:lnTo>
-                  <a:lnTo>
-                    <a:pt x="1799555" y="97458"/>
-                  </a:lnTo>
-                  <a:lnTo>
-                    <a:pt x="1349666" y="97458"/>
-                  </a:lnTo>
-                  <a:lnTo>
-                    <a:pt x="899777" y="97458"/>
-                  </a:lnTo>
-                  <a:lnTo>
-                    <a:pt x="449888" y="97458"/>
+                    <a:pt x="4049000" y="155907"/>
+                  </a:lnTo>
+                  <a:lnTo>
+                    <a:pt x="3599111" y="155907"/>
+                  </a:lnTo>
+                  <a:lnTo>
+                    <a:pt x="3149222" y="155907"/>
+                  </a:lnTo>
+                  <a:lnTo>
+                    <a:pt x="2699333" y="155907"/>
+                  </a:lnTo>
+                  <a:lnTo>
+                    <a:pt x="2249444" y="155907"/>
+                  </a:lnTo>
+                  <a:lnTo>
+                    <a:pt x="1799555" y="155907"/>
+                  </a:lnTo>
+                  <a:lnTo>
+                    <a:pt x="1349666" y="155907"/>
+                  </a:lnTo>
+                  <a:lnTo>
+                    <a:pt x="899777" y="155907"/>
+                  </a:lnTo>
+                  <a:lnTo>
+                    <a:pt x="449888" y="155907"/>
                   </a:lnTo>
                   <a:close/>
                 </a:path>
@@ -3775,39 +3775,39 @@
           </p:nvSpPr>
           <p:spPr>
             <a:xfrm>
-              <a:off x="2824145" y="2975847"/>
-              <a:ext cx="4049000" cy="97458"/>
+              <a:off x="5018863" y="4422709"/>
+              <a:ext cx="4049000" cy="155907"/>
             </a:xfrm>
             <a:custGeom>
               <a:avLst/>
               <a:pathLst>
-                <a:path w="4049000" h="97458">
+                <a:path w="4049000" h="155907">
                   <a:moveTo>
-                    <a:pt x="0" y="97458"/>
+                    <a:pt x="0" y="155907"/>
                   </a:moveTo>
                   <a:lnTo>
-                    <a:pt x="449888" y="97458"/>
-                  </a:lnTo>
-                  <a:lnTo>
-                    <a:pt x="899777" y="97458"/>
-                  </a:lnTo>
-                  <a:lnTo>
-                    <a:pt x="1349666" y="97458"/>
-                  </a:lnTo>
-                  <a:lnTo>
-                    <a:pt x="1799555" y="97458"/>
-                  </a:lnTo>
-                  <a:lnTo>
-                    <a:pt x="2249444" y="97458"/>
-                  </a:lnTo>
-                  <a:lnTo>
-                    <a:pt x="2699333" y="76667"/>
-                  </a:lnTo>
-                  <a:lnTo>
-                    <a:pt x="3149222" y="56389"/>
-                  </a:lnTo>
-                  <a:lnTo>
-                    <a:pt x="3599111" y="29994"/>
+                    <a:pt x="449888" y="155907"/>
+                  </a:lnTo>
+                  <a:lnTo>
+                    <a:pt x="899777" y="155907"/>
+                  </a:lnTo>
+                  <a:lnTo>
+                    <a:pt x="1349666" y="155907"/>
+                  </a:lnTo>
+                  <a:lnTo>
+                    <a:pt x="1799555" y="155907"/>
+                  </a:lnTo>
+                  <a:lnTo>
+                    <a:pt x="2249444" y="155907"/>
+                  </a:lnTo>
+                  <a:lnTo>
+                    <a:pt x="2699333" y="122647"/>
+                  </a:lnTo>
+                  <a:lnTo>
+                    <a:pt x="3149222" y="90208"/>
+                  </a:lnTo>
+                  <a:lnTo>
+                    <a:pt x="3599111" y="47983"/>
                   </a:lnTo>
                   <a:lnTo>
                     <a:pt x="4049000" y="0"/>
@@ -3830,7 +3830,7 @@
           </p:nvSpPr>
           <p:spPr>
             <a:xfrm>
-              <a:off x="2395684" y="3027824"/>
+              <a:off x="4590402" y="4533135"/>
               <a:ext cx="237291" cy="89118"/>
             </a:xfrm>
             <a:prstGeom prst="rect">
@@ -3876,7 +3876,7 @@
           </p:nvSpPr>
           <p:spPr>
             <a:xfrm>
-              <a:off x="2395684" y="2508043"/>
+              <a:off x="4590402" y="3701627"/>
               <a:ext cx="237291" cy="89118"/>
             </a:xfrm>
             <a:prstGeom prst="rect">
@@ -3922,7 +3922,7 @@
           </p:nvSpPr>
           <p:spPr>
             <a:xfrm>
-              <a:off x="2395684" y="1988263"/>
+              <a:off x="4590402" y="2870119"/>
               <a:ext cx="237291" cy="89118"/>
             </a:xfrm>
             <a:prstGeom prst="rect">
@@ -3968,7 +3968,7 @@
           </p:nvSpPr>
           <p:spPr>
             <a:xfrm>
-              <a:off x="2395684" y="1468483"/>
+              <a:off x="4590402" y="2038612"/>
               <a:ext cx="237291" cy="89118"/>
             </a:xfrm>
             <a:prstGeom prst="rect">
@@ -4014,7 +4014,7 @@
           </p:nvSpPr>
           <p:spPr>
             <a:xfrm>
-              <a:off x="2395684" y="948702"/>
+              <a:off x="4590402" y="1207104"/>
               <a:ext cx="237291" cy="89118"/>
             </a:xfrm>
             <a:prstGeom prst="rect">
@@ -4060,7 +4060,7 @@
           </p:nvSpPr>
           <p:spPr>
             <a:xfrm>
-              <a:off x="2660811" y="3073306"/>
+              <a:off x="4855529" y="4578617"/>
               <a:ext cx="34794" cy="0"/>
             </a:xfrm>
             <a:custGeom>
@@ -4100,7 +4100,7 @@
           </p:nvSpPr>
           <p:spPr>
             <a:xfrm>
-              <a:off x="2660811" y="2553525"/>
+              <a:off x="4855529" y="3747109"/>
               <a:ext cx="34794" cy="0"/>
             </a:xfrm>
             <a:custGeom>
@@ -4140,7 +4140,7 @@
           </p:nvSpPr>
           <p:spPr>
             <a:xfrm>
-              <a:off x="2660811" y="2033745"/>
+              <a:off x="4855529" y="2915601"/>
               <a:ext cx="34794" cy="0"/>
             </a:xfrm>
             <a:custGeom>
@@ -4180,7 +4180,7 @@
           </p:nvSpPr>
           <p:spPr>
             <a:xfrm>
-              <a:off x="2660811" y="1513964"/>
+              <a:off x="4855529" y="2084094"/>
               <a:ext cx="34794" cy="0"/>
             </a:xfrm>
             <a:custGeom>
@@ -4220,7 +4220,7 @@
           </p:nvSpPr>
           <p:spPr>
             <a:xfrm>
-              <a:off x="2660811" y="994184"/>
+              <a:off x="4855529" y="1252586"/>
               <a:ext cx="34794" cy="0"/>
             </a:xfrm>
             <a:custGeom>
@@ -4260,7 +4260,7 @@
           </p:nvSpPr>
           <p:spPr>
             <a:xfrm>
-              <a:off x="2695605" y="3177262"/>
+              <a:off x="4890324" y="4744918"/>
               <a:ext cx="0" cy="34794"/>
             </a:xfrm>
             <a:custGeom>
@@ -4300,7 +4300,7 @@
           </p:nvSpPr>
           <p:spPr>
             <a:xfrm>
-              <a:off x="4687971" y="3177262"/>
+              <a:off x="6882689" y="4744918"/>
               <a:ext cx="0" cy="34794"/>
             </a:xfrm>
             <a:custGeom>
@@ -4340,7 +4340,7 @@
           </p:nvSpPr>
           <p:spPr>
             <a:xfrm>
-              <a:off x="6680336" y="3177262"/>
+              <a:off x="8875055" y="4744918"/>
               <a:ext cx="0" cy="34794"/>
             </a:xfrm>
             <a:custGeom>
@@ -4380,7 +4380,7 @@
           </p:nvSpPr>
           <p:spPr>
             <a:xfrm>
-              <a:off x="8479892" y="3177262"/>
+              <a:off x="10674610" y="4744918"/>
               <a:ext cx="0" cy="34794"/>
             </a:xfrm>
             <a:custGeom>
@@ -4420,7 +4420,7 @@
           </p:nvSpPr>
           <p:spPr>
             <a:xfrm>
-              <a:off x="2651582" y="3239892"/>
+              <a:off x="4846300" y="4807549"/>
               <a:ext cx="88046" cy="87272"/>
             </a:xfrm>
             <a:prstGeom prst="rect">
@@ -4466,7 +4466,7 @@
           </p:nvSpPr>
           <p:spPr>
             <a:xfrm>
-              <a:off x="4657491" y="3238404"/>
+              <a:off x="6852209" y="4806060"/>
               <a:ext cx="60960" cy="88761"/>
             </a:xfrm>
             <a:prstGeom prst="rect">
@@ -4512,7 +4512,7 @@
           </p:nvSpPr>
           <p:spPr>
             <a:xfrm>
-              <a:off x="6643099" y="3239892"/>
+              <a:off x="8837818" y="4807549"/>
               <a:ext cx="74473" cy="87272"/>
             </a:xfrm>
             <a:prstGeom prst="rect">
@@ -4558,7 +4558,7 @@
           </p:nvSpPr>
           <p:spPr>
             <a:xfrm>
-              <a:off x="8429112" y="3239892"/>
+              <a:off x="10623830" y="4807549"/>
               <a:ext cx="101560" cy="87272"/>
             </a:xfrm>
             <a:prstGeom prst="rect">
@@ -4604,7 +4604,7 @@
           </p:nvSpPr>
           <p:spPr>
             <a:xfrm rot="-5400000">
-              <a:off x="2067619" y="1977339"/>
+              <a:off x="4262337" y="2859196"/>
               <a:ext cx="406672" cy="112811"/>
             </a:xfrm>
             <a:prstGeom prst="rect">
@@ -4650,7 +4650,7 @@
           </p:nvSpPr>
           <p:spPr>
             <a:xfrm>
-              <a:off x="2695605" y="609894"/>
+              <a:off x="4890324" y="805951"/>
               <a:ext cx="5641508" cy="171628"/>
             </a:xfrm>
             <a:prstGeom prst="rect">
@@ -4696,8 +4696,8 @@
           </p:nvSpPr>
           <p:spPr>
             <a:xfrm>
-              <a:off x="2148681" y="3602107"/>
-              <a:ext cx="6400799" cy="3021082"/>
+              <a:off x="4343400" y="5169764"/>
+              <a:ext cx="6400799" cy="4392682"/>
             </a:xfrm>
             <a:prstGeom prst="rect">
               <a:avLst/>
@@ -4722,7 +4722,7 @@
           </p:nvSpPr>
           <p:spPr>
             <a:xfrm>
-              <a:off x="2695605" y="6263738"/>
+              <a:off x="4890324" y="9140649"/>
               <a:ext cx="5784286" cy="0"/>
             </a:xfrm>
             <a:custGeom>
@@ -4765,7 +4765,7 @@
           </p:nvSpPr>
           <p:spPr>
             <a:xfrm>
-              <a:off x="2695605" y="5703636"/>
+              <a:off x="4890324" y="8268820"/>
               <a:ext cx="5784286" cy="0"/>
             </a:xfrm>
             <a:custGeom>
@@ -4808,7 +4808,7 @@
           </p:nvSpPr>
           <p:spPr>
             <a:xfrm>
-              <a:off x="2695605" y="5143535"/>
+              <a:off x="4890324" y="7396991"/>
               <a:ext cx="5784286" cy="0"/>
             </a:xfrm>
             <a:custGeom>
@@ -4851,7 +4851,7 @@
           </p:nvSpPr>
           <p:spPr>
             <a:xfrm>
-              <a:off x="2695605" y="4583433"/>
+              <a:off x="4890324" y="6525162"/>
               <a:ext cx="5784286" cy="0"/>
             </a:xfrm>
             <a:custGeom>
@@ -4894,7 +4894,7 @@
           </p:nvSpPr>
           <p:spPr>
             <a:xfrm>
-              <a:off x="2695605" y="4023331"/>
+              <a:off x="4890324" y="5653333"/>
               <a:ext cx="5784286" cy="0"/>
             </a:xfrm>
             <a:custGeom>
@@ -4937,13 +4937,13 @@
           </p:nvSpPr>
           <p:spPr>
             <a:xfrm>
-              <a:off x="2695605" y="4023331"/>
-              <a:ext cx="5784286" cy="2234535"/>
+              <a:off x="4890324" y="5653333"/>
+              <a:ext cx="5784286" cy="3478176"/>
             </a:xfrm>
             <a:custGeom>
               <a:avLst/>
               <a:pathLst>
-                <a:path w="5784286" h="2234535">
+                <a:path w="5784286" h="3478176">
                   <a:moveTo>
                     <a:pt x="0" y="0"/>
                   </a:moveTo>
@@ -5218,277 +5218,277 @@
                     <a:pt x="5784286" y="0"/>
                   </a:lnTo>
                   <a:lnTo>
-                    <a:pt x="5784286" y="373913"/>
-                  </a:lnTo>
-                  <a:lnTo>
-                    <a:pt x="5720016" y="401743"/>
-                  </a:lnTo>
-                  <a:lnTo>
-                    <a:pt x="5655746" y="431130"/>
-                  </a:lnTo>
-                  <a:lnTo>
-                    <a:pt x="5591477" y="462092"/>
-                  </a:lnTo>
-                  <a:lnTo>
-                    <a:pt x="5527207" y="494632"/>
-                  </a:lnTo>
-                  <a:lnTo>
-                    <a:pt x="5462937" y="528743"/>
-                  </a:lnTo>
-                  <a:lnTo>
-                    <a:pt x="5398667" y="564407"/>
-                  </a:lnTo>
-                  <a:lnTo>
-                    <a:pt x="5334397" y="601590"/>
-                  </a:lnTo>
-                  <a:lnTo>
-                    <a:pt x="5270127" y="640246"/>
-                  </a:lnTo>
-                  <a:lnTo>
-                    <a:pt x="5205858" y="680311"/>
-                  </a:lnTo>
-                  <a:lnTo>
-                    <a:pt x="5141588" y="721709"/>
-                  </a:lnTo>
-                  <a:lnTo>
-                    <a:pt x="5077318" y="764348"/>
-                  </a:lnTo>
-                  <a:lnTo>
-                    <a:pt x="5013048" y="808121"/>
-                  </a:lnTo>
-                  <a:lnTo>
-                    <a:pt x="4948778" y="852908"/>
-                  </a:lnTo>
-                  <a:lnTo>
-                    <a:pt x="4884508" y="898574"/>
-                  </a:lnTo>
-                  <a:lnTo>
-                    <a:pt x="4820238" y="944975"/>
-                  </a:lnTo>
-                  <a:lnTo>
-                    <a:pt x="4755969" y="991955"/>
-                  </a:lnTo>
-                  <a:lnTo>
-                    <a:pt x="4691699" y="1039353"/>
-                  </a:lnTo>
-                  <a:lnTo>
-                    <a:pt x="4627429" y="1086999"/>
-                  </a:lnTo>
-                  <a:lnTo>
-                    <a:pt x="4563159" y="1134722"/>
-                  </a:lnTo>
-                  <a:lnTo>
-                    <a:pt x="4498889" y="1182350"/>
-                  </a:lnTo>
-                  <a:lnTo>
-                    <a:pt x="4434619" y="1229712"/>
-                  </a:lnTo>
-                  <a:lnTo>
-                    <a:pt x="4370349" y="1276641"/>
-                  </a:lnTo>
-                  <a:lnTo>
-                    <a:pt x="4306080" y="1322977"/>
-                  </a:lnTo>
-                  <a:lnTo>
-                    <a:pt x="4241810" y="1368569"/>
-                  </a:lnTo>
-                  <a:lnTo>
-                    <a:pt x="4177540" y="1413274"/>
-                  </a:lnTo>
-                  <a:lnTo>
-                    <a:pt x="4113270" y="1456964"/>
-                  </a:lnTo>
-                  <a:lnTo>
-                    <a:pt x="4049000" y="1499522"/>
-                  </a:lnTo>
-                  <a:lnTo>
-                    <a:pt x="3984730" y="1540846"/>
-                  </a:lnTo>
-                  <a:lnTo>
-                    <a:pt x="3920460" y="1580848"/>
-                  </a:lnTo>
-                  <a:lnTo>
-                    <a:pt x="3856191" y="1619455"/>
-                  </a:lnTo>
-                  <a:lnTo>
-                    <a:pt x="3791921" y="1656610"/>
-                  </a:lnTo>
-                  <a:lnTo>
-                    <a:pt x="3727651" y="1692267"/>
-                  </a:lnTo>
-                  <a:lnTo>
-                    <a:pt x="3663381" y="1726399"/>
-                  </a:lnTo>
-                  <a:lnTo>
-                    <a:pt x="3599111" y="1758986"/>
-                  </a:lnTo>
-                  <a:lnTo>
-                    <a:pt x="3534841" y="1790025"/>
-                  </a:lnTo>
-                  <a:lnTo>
-                    <a:pt x="3470572" y="1819522"/>
-                  </a:lnTo>
-                  <a:lnTo>
-                    <a:pt x="3406302" y="1847492"/>
-                  </a:lnTo>
-                  <a:lnTo>
-                    <a:pt x="3342032" y="1873961"/>
-                  </a:lnTo>
-                  <a:lnTo>
-                    <a:pt x="3277762" y="1898960"/>
-                  </a:lnTo>
-                  <a:lnTo>
-                    <a:pt x="3213492" y="1922528"/>
-                  </a:lnTo>
-                  <a:lnTo>
-                    <a:pt x="3149222" y="1944709"/>
-                  </a:lnTo>
-                  <a:lnTo>
-                    <a:pt x="3084952" y="1965550"/>
-                  </a:lnTo>
-                  <a:lnTo>
-                    <a:pt x="3020683" y="1985104"/>
-                  </a:lnTo>
-                  <a:lnTo>
-                    <a:pt x="2956413" y="2003424"/>
-                  </a:lnTo>
-                  <a:lnTo>
-                    <a:pt x="2892143" y="2020565"/>
-                  </a:lnTo>
-                  <a:lnTo>
-                    <a:pt x="2827873" y="2036583"/>
-                  </a:lnTo>
-                  <a:lnTo>
-                    <a:pt x="2763603" y="2051535"/>
-                  </a:lnTo>
-                  <a:lnTo>
-                    <a:pt x="2699333" y="2065477"/>
-                  </a:lnTo>
-                  <a:lnTo>
-                    <a:pt x="2635063" y="2078464"/>
-                  </a:lnTo>
-                  <a:lnTo>
-                    <a:pt x="2570794" y="2090551"/>
-                  </a:lnTo>
-                  <a:lnTo>
-                    <a:pt x="2506524" y="2101790"/>
-                  </a:lnTo>
-                  <a:lnTo>
-                    <a:pt x="2442254" y="2112232"/>
-                  </a:lnTo>
-                  <a:lnTo>
-                    <a:pt x="2377984" y="2121927"/>
-                  </a:lnTo>
-                  <a:lnTo>
-                    <a:pt x="2313714" y="2130923"/>
-                  </a:lnTo>
-                  <a:lnTo>
-                    <a:pt x="2249444" y="2139264"/>
-                  </a:lnTo>
-                  <a:lnTo>
-                    <a:pt x="2185174" y="2146994"/>
-                  </a:lnTo>
-                  <a:lnTo>
-                    <a:pt x="2120905" y="2154154"/>
-                  </a:lnTo>
-                  <a:lnTo>
-                    <a:pt x="2056635" y="2160782"/>
-                  </a:lnTo>
-                  <a:lnTo>
-                    <a:pt x="1992365" y="2166916"/>
-                  </a:lnTo>
-                  <a:lnTo>
-                    <a:pt x="1928095" y="2172590"/>
-                  </a:lnTo>
-                  <a:lnTo>
-                    <a:pt x="1863825" y="2177836"/>
-                  </a:lnTo>
-                  <a:lnTo>
-                    <a:pt x="1799555" y="2182685"/>
-                  </a:lnTo>
-                  <a:lnTo>
-                    <a:pt x="1735286" y="2187165"/>
-                  </a:lnTo>
-                  <a:lnTo>
-                    <a:pt x="1671016" y="2191304"/>
-                  </a:lnTo>
-                  <a:lnTo>
-                    <a:pt x="1606746" y="2195127"/>
-                  </a:lnTo>
-                  <a:lnTo>
-                    <a:pt x="1542476" y="2198656"/>
-                  </a:lnTo>
-                  <a:lnTo>
-                    <a:pt x="1478206" y="2201913"/>
-                  </a:lnTo>
-                  <a:lnTo>
-                    <a:pt x="1413936" y="2204920"/>
-                  </a:lnTo>
-                  <a:lnTo>
-                    <a:pt x="1349666" y="2207694"/>
-                  </a:lnTo>
-                  <a:lnTo>
-                    <a:pt x="1285397" y="2210254"/>
-                  </a:lnTo>
-                  <a:lnTo>
-                    <a:pt x="1221127" y="2212614"/>
-                  </a:lnTo>
-                  <a:lnTo>
-                    <a:pt x="1156857" y="2214792"/>
-                  </a:lnTo>
-                  <a:lnTo>
-                    <a:pt x="1092587" y="2216800"/>
-                  </a:lnTo>
-                  <a:lnTo>
-                    <a:pt x="1028317" y="2218651"/>
-                  </a:lnTo>
-                  <a:lnTo>
-                    <a:pt x="964047" y="2220358"/>
-                  </a:lnTo>
-                  <a:lnTo>
-                    <a:pt x="899777" y="2221932"/>
-                  </a:lnTo>
-                  <a:lnTo>
-                    <a:pt x="835508" y="2223383"/>
-                  </a:lnTo>
-                  <a:lnTo>
-                    <a:pt x="771238" y="2224720"/>
-                  </a:lnTo>
-                  <a:lnTo>
-                    <a:pt x="706968" y="2225953"/>
-                  </a:lnTo>
-                  <a:lnTo>
-                    <a:pt x="642698" y="2227088"/>
-                  </a:lnTo>
-                  <a:lnTo>
-                    <a:pt x="578428" y="2228135"/>
-                  </a:lnTo>
-                  <a:lnTo>
-                    <a:pt x="514158" y="2229100"/>
-                  </a:lnTo>
-                  <a:lnTo>
-                    <a:pt x="449888" y="2229989"/>
-                  </a:lnTo>
-                  <a:lnTo>
-                    <a:pt x="385619" y="2230808"/>
-                  </a:lnTo>
-                  <a:lnTo>
-                    <a:pt x="321349" y="2231563"/>
-                  </a:lnTo>
-                  <a:lnTo>
-                    <a:pt x="257079" y="2232258"/>
-                  </a:lnTo>
-                  <a:lnTo>
-                    <a:pt x="192809" y="2232899"/>
-                  </a:lnTo>
-                  <a:lnTo>
-                    <a:pt x="128539" y="2233490"/>
-                  </a:lnTo>
-                  <a:lnTo>
-                    <a:pt x="64269" y="2234034"/>
-                  </a:lnTo>
-                  <a:lnTo>
-                    <a:pt x="0" y="2234535"/>
+                    <a:pt x="5784286" y="582017"/>
+                  </a:lnTo>
+                  <a:lnTo>
+                    <a:pt x="5720016" y="625335"/>
+                  </a:lnTo>
+                  <a:lnTo>
+                    <a:pt x="5655746" y="671078"/>
+                  </a:lnTo>
+                  <a:lnTo>
+                    <a:pt x="5591477" y="719271"/>
+                  </a:lnTo>
+                  <a:lnTo>
+                    <a:pt x="5527207" y="769921"/>
+                  </a:lnTo>
+                  <a:lnTo>
+                    <a:pt x="5462937" y="823018"/>
+                  </a:lnTo>
+                  <a:lnTo>
+                    <a:pt x="5398667" y="878531"/>
+                  </a:lnTo>
+                  <a:lnTo>
+                    <a:pt x="5334397" y="936408"/>
+                  </a:lnTo>
+                  <a:lnTo>
+                    <a:pt x="5270127" y="996578"/>
+                  </a:lnTo>
+                  <a:lnTo>
+                    <a:pt x="5205858" y="1058941"/>
+                  </a:lnTo>
+                  <a:lnTo>
+                    <a:pt x="5141588" y="1123380"/>
+                  </a:lnTo>
+                  <a:lnTo>
+                    <a:pt x="5077318" y="1189750"/>
+                  </a:lnTo>
+                  <a:lnTo>
+                    <a:pt x="5013048" y="1257885"/>
+                  </a:lnTo>
+                  <a:lnTo>
+                    <a:pt x="4948778" y="1327598"/>
+                  </a:lnTo>
+                  <a:lnTo>
+                    <a:pt x="4884508" y="1398680"/>
+                  </a:lnTo>
+                  <a:lnTo>
+                    <a:pt x="4820238" y="1470905"/>
+                  </a:lnTo>
+                  <a:lnTo>
+                    <a:pt x="4755969" y="1544033"/>
+                  </a:lnTo>
+                  <a:lnTo>
+                    <a:pt x="4691699" y="1617810"/>
+                  </a:lnTo>
+                  <a:lnTo>
+                    <a:pt x="4627429" y="1691973"/>
+                  </a:lnTo>
+                  <a:lnTo>
+                    <a:pt x="4563159" y="1766257"/>
+                  </a:lnTo>
+                  <a:lnTo>
+                    <a:pt x="4498889" y="1840393"/>
+                  </a:lnTo>
+                  <a:lnTo>
+                    <a:pt x="4434619" y="1914114"/>
+                  </a:lnTo>
+                  <a:lnTo>
+                    <a:pt x="4370349" y="1987162"/>
+                  </a:lnTo>
+                  <a:lnTo>
+                    <a:pt x="4306080" y="2059286"/>
+                  </a:lnTo>
+                  <a:lnTo>
+                    <a:pt x="4241810" y="2130252"/>
+                  </a:lnTo>
+                  <a:lnTo>
+                    <a:pt x="4177540" y="2199839"/>
+                  </a:lnTo>
+                  <a:lnTo>
+                    <a:pt x="4113270" y="2267844"/>
+                  </a:lnTo>
+                  <a:lnTo>
+                    <a:pt x="4049000" y="2334088"/>
+                  </a:lnTo>
+                  <a:lnTo>
+                    <a:pt x="3984730" y="2398411"/>
+                  </a:lnTo>
+                  <a:lnTo>
+                    <a:pt x="3920460" y="2460677"/>
+                  </a:lnTo>
+                  <a:lnTo>
+                    <a:pt x="3856191" y="2520771"/>
+                  </a:lnTo>
+                  <a:lnTo>
+                    <a:pt x="3791921" y="2578604"/>
+                  </a:lnTo>
+                  <a:lnTo>
+                    <a:pt x="3727651" y="2634107"/>
+                  </a:lnTo>
+                  <a:lnTo>
+                    <a:pt x="3663381" y="2687234"/>
+                  </a:lnTo>
+                  <a:lnTo>
+                    <a:pt x="3599111" y="2737958"/>
+                  </a:lnTo>
+                  <a:lnTo>
+                    <a:pt x="3534841" y="2786272"/>
+                  </a:lnTo>
+                  <a:lnTo>
+                    <a:pt x="3470572" y="2832186"/>
+                  </a:lnTo>
+                  <a:lnTo>
+                    <a:pt x="3406302" y="2875723"/>
+                  </a:lnTo>
+                  <a:lnTo>
+                    <a:pt x="3342032" y="2916923"/>
+                  </a:lnTo>
+                  <a:lnTo>
+                    <a:pt x="3277762" y="2955835"/>
+                  </a:lnTo>
+                  <a:lnTo>
+                    <a:pt x="3213492" y="2992520"/>
+                  </a:lnTo>
+                  <a:lnTo>
+                    <a:pt x="3149222" y="3027046"/>
+                  </a:lnTo>
+                  <a:lnTo>
+                    <a:pt x="3084952" y="3059487"/>
+                  </a:lnTo>
+                  <a:lnTo>
+                    <a:pt x="3020683" y="3089924"/>
+                  </a:lnTo>
+                  <a:lnTo>
+                    <a:pt x="2956413" y="3118440"/>
+                  </a:lnTo>
+                  <a:lnTo>
+                    <a:pt x="2892143" y="3145121"/>
+                  </a:lnTo>
+                  <a:lnTo>
+                    <a:pt x="2827873" y="3170054"/>
+                  </a:lnTo>
+                  <a:lnTo>
+                    <a:pt x="2763603" y="3193328"/>
+                  </a:lnTo>
+                  <a:lnTo>
+                    <a:pt x="2699333" y="3215029"/>
+                  </a:lnTo>
+                  <a:lnTo>
+                    <a:pt x="2635063" y="3235244"/>
+                  </a:lnTo>
+                  <a:lnTo>
+                    <a:pt x="2570794" y="3254057"/>
+                  </a:lnTo>
+                  <a:lnTo>
+                    <a:pt x="2506524" y="3271551"/>
+                  </a:lnTo>
+                  <a:lnTo>
+                    <a:pt x="2442254" y="3287805"/>
+                  </a:lnTo>
+                  <a:lnTo>
+                    <a:pt x="2377984" y="3302896"/>
+                  </a:lnTo>
+                  <a:lnTo>
+                    <a:pt x="2313714" y="3316898"/>
+                  </a:lnTo>
+                  <a:lnTo>
+                    <a:pt x="2249444" y="3329882"/>
+                  </a:lnTo>
+                  <a:lnTo>
+                    <a:pt x="2185174" y="3341914"/>
+                  </a:lnTo>
+                  <a:lnTo>
+                    <a:pt x="2120905" y="3353059"/>
+                  </a:lnTo>
+                  <a:lnTo>
+                    <a:pt x="2056635" y="3363376"/>
+                  </a:lnTo>
+                  <a:lnTo>
+                    <a:pt x="1992365" y="3372924"/>
+                  </a:lnTo>
+                  <a:lnTo>
+                    <a:pt x="1928095" y="3381755"/>
+                  </a:lnTo>
+                  <a:lnTo>
+                    <a:pt x="1863825" y="3389921"/>
+                  </a:lnTo>
+                  <a:lnTo>
+                    <a:pt x="1799555" y="3397468"/>
+                  </a:lnTo>
+                  <a:lnTo>
+                    <a:pt x="1735286" y="3404443"/>
+                  </a:lnTo>
+                  <a:lnTo>
+                    <a:pt x="1671016" y="3410885"/>
+                  </a:lnTo>
+                  <a:lnTo>
+                    <a:pt x="1606746" y="3416835"/>
+                  </a:lnTo>
+                  <a:lnTo>
+                    <a:pt x="1542476" y="3422328"/>
+                  </a:lnTo>
+                  <a:lnTo>
+                    <a:pt x="1478206" y="3427399"/>
+                  </a:lnTo>
+                  <a:lnTo>
+                    <a:pt x="1413936" y="3432079"/>
+                  </a:lnTo>
+                  <a:lnTo>
+                    <a:pt x="1349666" y="3436397"/>
+                  </a:lnTo>
+                  <a:lnTo>
+                    <a:pt x="1285397" y="3440381"/>
+                  </a:lnTo>
+                  <a:lnTo>
+                    <a:pt x="1221127" y="3444056"/>
+                  </a:lnTo>
+                  <a:lnTo>
+                    <a:pt x="1156857" y="3447445"/>
+                  </a:lnTo>
+                  <a:lnTo>
+                    <a:pt x="1092587" y="3450570"/>
+                  </a:lnTo>
+                  <a:lnTo>
+                    <a:pt x="1028317" y="3453452"/>
+                  </a:lnTo>
+                  <a:lnTo>
+                    <a:pt x="964047" y="3456110"/>
+                  </a:lnTo>
+                  <a:lnTo>
+                    <a:pt x="899777" y="3458559"/>
+                  </a:lnTo>
+                  <a:lnTo>
+                    <a:pt x="835508" y="3460817"/>
+                  </a:lnTo>
+                  <a:lnTo>
+                    <a:pt x="771238" y="3462899"/>
+                  </a:lnTo>
+                  <a:lnTo>
+                    <a:pt x="706968" y="3464817"/>
+                  </a:lnTo>
+                  <a:lnTo>
+                    <a:pt x="642698" y="3466585"/>
+                  </a:lnTo>
+                  <a:lnTo>
+                    <a:pt x="578428" y="3468215"/>
+                  </a:lnTo>
+                  <a:lnTo>
+                    <a:pt x="514158" y="3469716"/>
+                  </a:lnTo>
+                  <a:lnTo>
+                    <a:pt x="449888" y="3471100"/>
+                  </a:lnTo>
+                  <a:lnTo>
+                    <a:pt x="385619" y="3472375"/>
+                  </a:lnTo>
+                  <a:lnTo>
+                    <a:pt x="321349" y="3473550"/>
+                  </a:lnTo>
+                  <a:lnTo>
+                    <a:pt x="257079" y="3474633"/>
+                  </a:lnTo>
+                  <a:lnTo>
+                    <a:pt x="192809" y="3475630"/>
+                  </a:lnTo>
+                  <a:lnTo>
+                    <a:pt x="128539" y="3476549"/>
+                  </a:lnTo>
+                  <a:lnTo>
+                    <a:pt x="64269" y="3477396"/>
+                  </a:lnTo>
+                  <a:lnTo>
+                    <a:pt x="0" y="3478176"/>
                   </a:lnTo>
                   <a:close/>
                 </a:path>
@@ -5514,7 +5514,7 @@
           </p:nvSpPr>
           <p:spPr>
             <a:xfrm>
-              <a:off x="2695605" y="4023331"/>
+              <a:off x="4890324" y="5653333"/>
               <a:ext cx="5784286" cy="0"/>
             </a:xfrm>
             <a:custGeom>
@@ -5815,565 +5815,565 @@
           </p:nvSpPr>
           <p:spPr>
             <a:xfrm>
-              <a:off x="2695605" y="4397245"/>
-              <a:ext cx="5784286" cy="1866280"/>
+              <a:off x="4890324" y="6235350"/>
+              <a:ext cx="5784286" cy="2904967"/>
             </a:xfrm>
             <a:custGeom>
               <a:avLst/>
               <a:pathLst>
-                <a:path w="5784286" h="1866280">
+                <a:path w="5784286" h="2904967">
                   <a:moveTo>
-                    <a:pt x="0" y="1860621"/>
+                    <a:pt x="0" y="2896159"/>
                   </a:moveTo>
                   <a:lnTo>
-                    <a:pt x="64269" y="1860120"/>
-                  </a:lnTo>
-                  <a:lnTo>
-                    <a:pt x="128539" y="1859576"/>
-                  </a:lnTo>
-                  <a:lnTo>
-                    <a:pt x="192809" y="1858986"/>
-                  </a:lnTo>
-                  <a:lnTo>
-                    <a:pt x="257079" y="1858345"/>
-                  </a:lnTo>
-                  <a:lnTo>
-                    <a:pt x="321349" y="1857649"/>
-                  </a:lnTo>
-                  <a:lnTo>
-                    <a:pt x="385619" y="1856894"/>
-                  </a:lnTo>
-                  <a:lnTo>
-                    <a:pt x="449888" y="1856075"/>
-                  </a:lnTo>
-                  <a:lnTo>
-                    <a:pt x="514158" y="1855186"/>
-                  </a:lnTo>
-                  <a:lnTo>
-                    <a:pt x="578428" y="1854221"/>
-                  </a:lnTo>
-                  <a:lnTo>
-                    <a:pt x="642698" y="1853175"/>
-                  </a:lnTo>
-                  <a:lnTo>
-                    <a:pt x="706968" y="1852039"/>
-                  </a:lnTo>
-                  <a:lnTo>
-                    <a:pt x="771238" y="1850806"/>
-                  </a:lnTo>
-                  <a:lnTo>
-                    <a:pt x="835508" y="1849469"/>
-                  </a:lnTo>
-                  <a:lnTo>
-                    <a:pt x="899777" y="1848018"/>
-                  </a:lnTo>
-                  <a:lnTo>
-                    <a:pt x="964047" y="1846445"/>
-                  </a:lnTo>
-                  <a:lnTo>
-                    <a:pt x="1028317" y="1844737"/>
-                  </a:lnTo>
-                  <a:lnTo>
-                    <a:pt x="1092587" y="1842886"/>
-                  </a:lnTo>
-                  <a:lnTo>
-                    <a:pt x="1156857" y="1840878"/>
-                  </a:lnTo>
-                  <a:lnTo>
-                    <a:pt x="1221127" y="1838701"/>
-                  </a:lnTo>
-                  <a:lnTo>
-                    <a:pt x="1285397" y="1836340"/>
-                  </a:lnTo>
-                  <a:lnTo>
-                    <a:pt x="1349666" y="1833780"/>
-                  </a:lnTo>
-                  <a:lnTo>
-                    <a:pt x="1413936" y="1831006"/>
-                  </a:lnTo>
-                  <a:lnTo>
-                    <a:pt x="1478206" y="1828000"/>
-                  </a:lnTo>
-                  <a:lnTo>
-                    <a:pt x="1542476" y="1824742"/>
-                  </a:lnTo>
-                  <a:lnTo>
-                    <a:pt x="1606746" y="1821213"/>
-                  </a:lnTo>
-                  <a:lnTo>
-                    <a:pt x="1671016" y="1817390"/>
-                  </a:lnTo>
-                  <a:lnTo>
-                    <a:pt x="1735286" y="1813251"/>
-                  </a:lnTo>
-                  <a:lnTo>
-                    <a:pt x="1799555" y="1808771"/>
-                  </a:lnTo>
-                  <a:lnTo>
-                    <a:pt x="1863825" y="1803922"/>
-                  </a:lnTo>
-                  <a:lnTo>
-                    <a:pt x="1928095" y="1798676"/>
-                  </a:lnTo>
-                  <a:lnTo>
-                    <a:pt x="1992365" y="1793002"/>
-                  </a:lnTo>
-                  <a:lnTo>
-                    <a:pt x="2056635" y="1786868"/>
-                  </a:lnTo>
-                  <a:lnTo>
-                    <a:pt x="2120905" y="1780240"/>
-                  </a:lnTo>
-                  <a:lnTo>
-                    <a:pt x="2185174" y="1773080"/>
-                  </a:lnTo>
-                  <a:lnTo>
-                    <a:pt x="2249444" y="1765350"/>
-                  </a:lnTo>
-                  <a:lnTo>
-                    <a:pt x="2313714" y="1757009"/>
-                  </a:lnTo>
-                  <a:lnTo>
-                    <a:pt x="2377984" y="1748014"/>
-                  </a:lnTo>
-                  <a:lnTo>
-                    <a:pt x="2442254" y="1738318"/>
-                  </a:lnTo>
-                  <a:lnTo>
-                    <a:pt x="2506524" y="1727876"/>
-                  </a:lnTo>
-                  <a:lnTo>
-                    <a:pt x="2570794" y="1716637"/>
-                  </a:lnTo>
-                  <a:lnTo>
-                    <a:pt x="2635063" y="1704551"/>
-                  </a:lnTo>
-                  <a:lnTo>
-                    <a:pt x="2699333" y="1691564"/>
-                  </a:lnTo>
-                  <a:lnTo>
-                    <a:pt x="2763603" y="1677622"/>
-                  </a:lnTo>
-                  <a:lnTo>
-                    <a:pt x="2827873" y="1662670"/>
-                  </a:lnTo>
-                  <a:lnTo>
-                    <a:pt x="2892143" y="1646651"/>
-                  </a:lnTo>
-                  <a:lnTo>
-                    <a:pt x="2956413" y="1629510"/>
-                  </a:lnTo>
-                  <a:lnTo>
-                    <a:pt x="3020683" y="1611191"/>
-                  </a:lnTo>
-                  <a:lnTo>
-                    <a:pt x="3084952" y="1591637"/>
-                  </a:lnTo>
-                  <a:lnTo>
-                    <a:pt x="3149222" y="1570795"/>
-                  </a:lnTo>
-                  <a:lnTo>
-                    <a:pt x="3213492" y="1548614"/>
-                  </a:lnTo>
-                  <a:lnTo>
-                    <a:pt x="3277762" y="1525046"/>
-                  </a:lnTo>
-                  <a:lnTo>
-                    <a:pt x="3342032" y="1500047"/>
-                  </a:lnTo>
-                  <a:lnTo>
-                    <a:pt x="3406302" y="1473578"/>
-                  </a:lnTo>
-                  <a:lnTo>
-                    <a:pt x="3470572" y="1445608"/>
-                  </a:lnTo>
-                  <a:lnTo>
-                    <a:pt x="3534841" y="1416111"/>
-                  </a:lnTo>
-                  <a:lnTo>
-                    <a:pt x="3599111" y="1385072"/>
-                  </a:lnTo>
-                  <a:lnTo>
-                    <a:pt x="3663381" y="1352485"/>
-                  </a:lnTo>
-                  <a:lnTo>
-                    <a:pt x="3727651" y="1318354"/>
-                  </a:lnTo>
-                  <a:lnTo>
-                    <a:pt x="3791921" y="1282696"/>
-                  </a:lnTo>
-                  <a:lnTo>
-                    <a:pt x="3856191" y="1245542"/>
-                  </a:lnTo>
-                  <a:lnTo>
-                    <a:pt x="3920460" y="1206934"/>
-                  </a:lnTo>
-                  <a:lnTo>
-                    <a:pt x="3984730" y="1166932"/>
-                  </a:lnTo>
-                  <a:lnTo>
-                    <a:pt x="4049000" y="1125608"/>
-                  </a:lnTo>
-                  <a:lnTo>
-                    <a:pt x="4113270" y="1083050"/>
-                  </a:lnTo>
-                  <a:lnTo>
-                    <a:pt x="4177540" y="1039360"/>
-                  </a:lnTo>
-                  <a:lnTo>
-                    <a:pt x="4241810" y="994655"/>
-                  </a:lnTo>
-                  <a:lnTo>
-                    <a:pt x="4306080" y="949063"/>
-                  </a:lnTo>
-                  <a:lnTo>
-                    <a:pt x="4370349" y="902727"/>
-                  </a:lnTo>
-                  <a:lnTo>
-                    <a:pt x="4434619" y="855798"/>
-                  </a:lnTo>
-                  <a:lnTo>
-                    <a:pt x="4498889" y="808436"/>
-                  </a:lnTo>
-                  <a:lnTo>
-                    <a:pt x="4563159" y="760808"/>
-                  </a:lnTo>
-                  <a:lnTo>
-                    <a:pt x="4627429" y="713085"/>
-                  </a:lnTo>
-                  <a:lnTo>
-                    <a:pt x="4691699" y="665439"/>
-                  </a:lnTo>
-                  <a:lnTo>
-                    <a:pt x="4755969" y="618041"/>
-                  </a:lnTo>
-                  <a:lnTo>
-                    <a:pt x="4820238" y="571061"/>
-                  </a:lnTo>
-                  <a:lnTo>
-                    <a:pt x="4884508" y="524660"/>
-                  </a:lnTo>
-                  <a:lnTo>
-                    <a:pt x="4948778" y="478994"/>
-                  </a:lnTo>
-                  <a:lnTo>
-                    <a:pt x="5013048" y="434207"/>
-                  </a:lnTo>
-                  <a:lnTo>
-                    <a:pt x="5077318" y="390434"/>
-                  </a:lnTo>
-                  <a:lnTo>
-                    <a:pt x="5141588" y="347795"/>
-                  </a:lnTo>
-                  <a:lnTo>
-                    <a:pt x="5205858" y="306397"/>
-                  </a:lnTo>
-                  <a:lnTo>
-                    <a:pt x="5270127" y="266332"/>
-                  </a:lnTo>
-                  <a:lnTo>
-                    <a:pt x="5334397" y="227676"/>
-                  </a:lnTo>
-                  <a:lnTo>
-                    <a:pt x="5398667" y="190493"/>
-                  </a:lnTo>
-                  <a:lnTo>
-                    <a:pt x="5462937" y="154829"/>
-                  </a:lnTo>
-                  <a:lnTo>
-                    <a:pt x="5527207" y="120718"/>
-                  </a:lnTo>
-                  <a:lnTo>
-                    <a:pt x="5591477" y="88178"/>
-                  </a:lnTo>
-                  <a:lnTo>
-                    <a:pt x="5655746" y="57217"/>
-                  </a:lnTo>
-                  <a:lnTo>
-                    <a:pt x="5720016" y="27829"/>
+                    <a:pt x="64269" y="2895379"/>
+                  </a:lnTo>
+                  <a:lnTo>
+                    <a:pt x="128539" y="2894532"/>
+                  </a:lnTo>
+                  <a:lnTo>
+                    <a:pt x="192809" y="2893613"/>
+                  </a:lnTo>
+                  <a:lnTo>
+                    <a:pt x="257079" y="2892615"/>
+                  </a:lnTo>
+                  <a:lnTo>
+                    <a:pt x="321349" y="2891533"/>
+                  </a:lnTo>
+                  <a:lnTo>
+                    <a:pt x="385619" y="2890358"/>
+                  </a:lnTo>
+                  <a:lnTo>
+                    <a:pt x="449888" y="2889083"/>
+                  </a:lnTo>
+                  <a:lnTo>
+                    <a:pt x="514158" y="2887699"/>
+                  </a:lnTo>
+                  <a:lnTo>
+                    <a:pt x="578428" y="2886198"/>
+                  </a:lnTo>
+                  <a:lnTo>
+                    <a:pt x="642698" y="2884568"/>
+                  </a:lnTo>
+                  <a:lnTo>
+                    <a:pt x="706968" y="2882800"/>
+                  </a:lnTo>
+                  <a:lnTo>
+                    <a:pt x="771238" y="2880881"/>
+                  </a:lnTo>
+                  <a:lnTo>
+                    <a:pt x="835508" y="2878800"/>
+                  </a:lnTo>
+                  <a:lnTo>
+                    <a:pt x="899777" y="2876542"/>
+                  </a:lnTo>
+                  <a:lnTo>
+                    <a:pt x="964047" y="2874092"/>
+                  </a:lnTo>
+                  <a:lnTo>
+                    <a:pt x="1028317" y="2871435"/>
+                  </a:lnTo>
+                  <a:lnTo>
+                    <a:pt x="1092587" y="2868553"/>
+                  </a:lnTo>
+                  <a:lnTo>
+                    <a:pt x="1156857" y="2865428"/>
+                  </a:lnTo>
+                  <a:lnTo>
+                    <a:pt x="1221127" y="2862038"/>
+                  </a:lnTo>
+                  <a:lnTo>
+                    <a:pt x="1285397" y="2858364"/>
+                  </a:lnTo>
+                  <a:lnTo>
+                    <a:pt x="1349666" y="2854380"/>
+                  </a:lnTo>
+                  <a:lnTo>
+                    <a:pt x="1413936" y="2850062"/>
+                  </a:lnTo>
+                  <a:lnTo>
+                    <a:pt x="1478206" y="2845382"/>
+                  </a:lnTo>
+                  <a:lnTo>
+                    <a:pt x="1542476" y="2840311"/>
+                  </a:lnTo>
+                  <a:lnTo>
+                    <a:pt x="1606746" y="2834818"/>
+                  </a:lnTo>
+                  <a:lnTo>
+                    <a:pt x="1671016" y="2828868"/>
+                  </a:lnTo>
+                  <a:lnTo>
+                    <a:pt x="1735286" y="2822425"/>
+                  </a:lnTo>
+                  <a:lnTo>
+                    <a:pt x="1799555" y="2815451"/>
+                  </a:lnTo>
+                  <a:lnTo>
+                    <a:pt x="1863825" y="2807903"/>
+                  </a:lnTo>
+                  <a:lnTo>
+                    <a:pt x="1928095" y="2799738"/>
+                  </a:lnTo>
+                  <a:lnTo>
+                    <a:pt x="1992365" y="2790906"/>
+                  </a:lnTo>
+                  <a:lnTo>
+                    <a:pt x="2056635" y="2781359"/>
+                  </a:lnTo>
+                  <a:lnTo>
+                    <a:pt x="2120905" y="2771041"/>
+                  </a:lnTo>
+                  <a:lnTo>
+                    <a:pt x="2185174" y="2759897"/>
+                  </a:lnTo>
+                  <a:lnTo>
+                    <a:pt x="2249444" y="2747865"/>
+                  </a:lnTo>
+                  <a:lnTo>
+                    <a:pt x="2313714" y="2734881"/>
+                  </a:lnTo>
+                  <a:lnTo>
+                    <a:pt x="2377984" y="2720879"/>
+                  </a:lnTo>
+                  <a:lnTo>
+                    <a:pt x="2442254" y="2705788"/>
+                  </a:lnTo>
+                  <a:lnTo>
+                    <a:pt x="2506524" y="2689534"/>
+                  </a:lnTo>
+                  <a:lnTo>
+                    <a:pt x="2570794" y="2672040"/>
+                  </a:lnTo>
+                  <a:lnTo>
+                    <a:pt x="2635063" y="2653226"/>
+                  </a:lnTo>
+                  <a:lnTo>
+                    <a:pt x="2699333" y="2633011"/>
+                  </a:lnTo>
+                  <a:lnTo>
+                    <a:pt x="2763603" y="2611310"/>
+                  </a:lnTo>
+                  <a:lnTo>
+                    <a:pt x="2827873" y="2588037"/>
+                  </a:lnTo>
+                  <a:lnTo>
+                    <a:pt x="2892143" y="2563103"/>
+                  </a:lnTo>
+                  <a:lnTo>
+                    <a:pt x="2956413" y="2536422"/>
+                  </a:lnTo>
+                  <a:lnTo>
+                    <a:pt x="3020683" y="2507906"/>
+                  </a:lnTo>
+                  <a:lnTo>
+                    <a:pt x="3084952" y="2477470"/>
+                  </a:lnTo>
+                  <a:lnTo>
+                    <a:pt x="3149222" y="2445028"/>
+                  </a:lnTo>
+                  <a:lnTo>
+                    <a:pt x="3213492" y="2410503"/>
+                  </a:lnTo>
+                  <a:lnTo>
+                    <a:pt x="3277762" y="2373818"/>
+                  </a:lnTo>
+                  <a:lnTo>
+                    <a:pt x="3342032" y="2334905"/>
+                  </a:lnTo>
+                  <a:lnTo>
+                    <a:pt x="3406302" y="2293706"/>
+                  </a:lnTo>
+                  <a:lnTo>
+                    <a:pt x="3470572" y="2250168"/>
+                  </a:lnTo>
+                  <a:lnTo>
+                    <a:pt x="3534841" y="2204255"/>
+                  </a:lnTo>
+                  <a:lnTo>
+                    <a:pt x="3599111" y="2155941"/>
+                  </a:lnTo>
+                  <a:lnTo>
+                    <a:pt x="3663381" y="2105217"/>
+                  </a:lnTo>
+                  <a:lnTo>
+                    <a:pt x="3727651" y="2052090"/>
+                  </a:lnTo>
+                  <a:lnTo>
+                    <a:pt x="3791921" y="1996587"/>
+                  </a:lnTo>
+                  <a:lnTo>
+                    <a:pt x="3856191" y="1938754"/>
+                  </a:lnTo>
+                  <a:lnTo>
+                    <a:pt x="3920460" y="1878659"/>
+                  </a:lnTo>
+                  <a:lnTo>
+                    <a:pt x="3984730" y="1816394"/>
+                  </a:lnTo>
+                  <a:lnTo>
+                    <a:pt x="4049000" y="1752071"/>
+                  </a:lnTo>
+                  <a:lnTo>
+                    <a:pt x="4113270" y="1685827"/>
+                  </a:lnTo>
+                  <a:lnTo>
+                    <a:pt x="4177540" y="1617821"/>
+                  </a:lnTo>
+                  <a:lnTo>
+                    <a:pt x="4241810" y="1548235"/>
+                  </a:lnTo>
+                  <a:lnTo>
+                    <a:pt x="4306080" y="1477269"/>
+                  </a:lnTo>
+                  <a:lnTo>
+                    <a:pt x="4370349" y="1405144"/>
+                  </a:lnTo>
+                  <a:lnTo>
+                    <a:pt x="4434619" y="1332097"/>
+                  </a:lnTo>
+                  <a:lnTo>
+                    <a:pt x="4498889" y="1258375"/>
+                  </a:lnTo>
+                  <a:lnTo>
+                    <a:pt x="4563159" y="1184240"/>
+                  </a:lnTo>
+                  <a:lnTo>
+                    <a:pt x="4627429" y="1109956"/>
+                  </a:lnTo>
+                  <a:lnTo>
+                    <a:pt x="4691699" y="1035792"/>
+                  </a:lnTo>
+                  <a:lnTo>
+                    <a:pt x="4755969" y="962015"/>
+                  </a:lnTo>
+                  <a:lnTo>
+                    <a:pt x="4820238" y="888888"/>
+                  </a:lnTo>
+                  <a:lnTo>
+                    <a:pt x="4884508" y="816662"/>
+                  </a:lnTo>
+                  <a:lnTo>
+                    <a:pt x="4948778" y="745580"/>
+                  </a:lnTo>
+                  <a:lnTo>
+                    <a:pt x="5013048" y="675868"/>
+                  </a:lnTo>
+                  <a:lnTo>
+                    <a:pt x="5077318" y="607733"/>
+                  </a:lnTo>
+                  <a:lnTo>
+                    <a:pt x="5141588" y="541363"/>
+                  </a:lnTo>
+                  <a:lnTo>
+                    <a:pt x="5205858" y="476924"/>
+                  </a:lnTo>
+                  <a:lnTo>
+                    <a:pt x="5270127" y="414560"/>
+                  </a:lnTo>
+                  <a:lnTo>
+                    <a:pt x="5334397" y="354391"/>
+                  </a:lnTo>
+                  <a:lnTo>
+                    <a:pt x="5398667" y="296513"/>
+                  </a:lnTo>
+                  <a:lnTo>
+                    <a:pt x="5462937" y="241001"/>
+                  </a:lnTo>
+                  <a:lnTo>
+                    <a:pt x="5527207" y="187904"/>
+                  </a:lnTo>
+                  <a:lnTo>
+                    <a:pt x="5591477" y="137254"/>
+                  </a:lnTo>
+                  <a:lnTo>
+                    <a:pt x="5655746" y="89061"/>
+                  </a:lnTo>
+                  <a:lnTo>
+                    <a:pt x="5720016" y="43317"/>
                   </a:lnTo>
                   <a:lnTo>
                     <a:pt x="5784286" y="0"/>
                   </a:lnTo>
                   <a:lnTo>
-                    <a:pt x="5784286" y="1422934"/>
-                  </a:lnTo>
-                  <a:lnTo>
-                    <a:pt x="5720016" y="1437322"/>
-                  </a:lnTo>
-                  <a:lnTo>
-                    <a:pt x="5655746" y="1451736"/>
-                  </a:lnTo>
-                  <a:lnTo>
-                    <a:pt x="5591477" y="1466165"/>
-                  </a:lnTo>
-                  <a:lnTo>
-                    <a:pt x="5527207" y="1480595"/>
-                  </a:lnTo>
-                  <a:lnTo>
-                    <a:pt x="5462937" y="1495011"/>
-                  </a:lnTo>
-                  <a:lnTo>
-                    <a:pt x="5398667" y="1509395"/>
-                  </a:lnTo>
-                  <a:lnTo>
-                    <a:pt x="5334397" y="1523726"/>
-                  </a:lnTo>
-                  <a:lnTo>
-                    <a:pt x="5270127" y="1537984"/>
-                  </a:lnTo>
-                  <a:lnTo>
-                    <a:pt x="5205858" y="1552145"/>
-                  </a:lnTo>
-                  <a:lnTo>
-                    <a:pt x="5141588" y="1566185"/>
-                  </a:lnTo>
-                  <a:lnTo>
-                    <a:pt x="5077318" y="1580076"/>
-                  </a:lnTo>
-                  <a:lnTo>
-                    <a:pt x="5013048" y="1593792"/>
-                  </a:lnTo>
-                  <a:lnTo>
-                    <a:pt x="4948778" y="1607305"/>
-                  </a:lnTo>
-                  <a:lnTo>
-                    <a:pt x="4884508" y="1620587"/>
-                  </a:lnTo>
-                  <a:lnTo>
-                    <a:pt x="4820238" y="1633610"/>
-                  </a:lnTo>
-                  <a:lnTo>
-                    <a:pt x="4755969" y="1646346"/>
-                  </a:lnTo>
-                  <a:lnTo>
-                    <a:pt x="4691699" y="1658769"/>
-                  </a:lnTo>
-                  <a:lnTo>
-                    <a:pt x="4627429" y="1670854"/>
-                  </a:lnTo>
-                  <a:lnTo>
-                    <a:pt x="4563159" y="1682578"/>
-                  </a:lnTo>
-                  <a:lnTo>
-                    <a:pt x="4498889" y="1693919"/>
-                  </a:lnTo>
-                  <a:lnTo>
-                    <a:pt x="4434619" y="1704858"/>
-                  </a:lnTo>
-                  <a:lnTo>
-                    <a:pt x="4370349" y="1715379"/>
-                  </a:lnTo>
-                  <a:lnTo>
-                    <a:pt x="4306080" y="1725470"/>
-                  </a:lnTo>
-                  <a:lnTo>
-                    <a:pt x="4241810" y="1735120"/>
-                  </a:lnTo>
-                  <a:lnTo>
-                    <a:pt x="4177540" y="1744322"/>
-                  </a:lnTo>
-                  <a:lnTo>
-                    <a:pt x="4113270" y="1753072"/>
-                  </a:lnTo>
-                  <a:lnTo>
-                    <a:pt x="4049000" y="1761369"/>
-                  </a:lnTo>
-                  <a:lnTo>
-                    <a:pt x="3984730" y="1769216"/>
-                  </a:lnTo>
-                  <a:lnTo>
-                    <a:pt x="3920460" y="1776617"/>
-                  </a:lnTo>
-                  <a:lnTo>
-                    <a:pt x="3856191" y="1783579"/>
-                  </a:lnTo>
-                  <a:lnTo>
-                    <a:pt x="3791921" y="1790113"/>
-                  </a:lnTo>
-                  <a:lnTo>
-                    <a:pt x="3727651" y="1796229"/>
-                  </a:lnTo>
-                  <a:lnTo>
-                    <a:pt x="3663381" y="1801942"/>
-                  </a:lnTo>
-                  <a:lnTo>
-                    <a:pt x="3599111" y="1807265"/>
-                  </a:lnTo>
-                  <a:lnTo>
-                    <a:pt x="3534841" y="1812214"/>
-                  </a:lnTo>
-                  <a:lnTo>
-                    <a:pt x="3470572" y="1816807"/>
-                  </a:lnTo>
-                  <a:lnTo>
-                    <a:pt x="3406302" y="1821061"/>
-                  </a:lnTo>
-                  <a:lnTo>
-                    <a:pt x="3342032" y="1824994"/>
-                  </a:lnTo>
-                  <a:lnTo>
-                    <a:pt x="3277762" y="1828623"/>
-                  </a:lnTo>
-                  <a:lnTo>
-                    <a:pt x="3213492" y="1831966"/>
-                  </a:lnTo>
-                  <a:lnTo>
-                    <a:pt x="3149222" y="1835042"/>
-                  </a:lnTo>
-                  <a:lnTo>
-                    <a:pt x="3084952" y="1837866"/>
-                  </a:lnTo>
-                  <a:lnTo>
-                    <a:pt x="3020683" y="1840457"/>
-                  </a:lnTo>
-                  <a:lnTo>
-                    <a:pt x="2956413" y="1842830"/>
-                  </a:lnTo>
-                  <a:lnTo>
-                    <a:pt x="2892143" y="1845001"/>
-                  </a:lnTo>
-                  <a:lnTo>
-                    <a:pt x="2827873" y="1846985"/>
-                  </a:lnTo>
-                  <a:lnTo>
-                    <a:pt x="2763603" y="1848797"/>
-                  </a:lnTo>
-                  <a:lnTo>
-                    <a:pt x="2699333" y="1850448"/>
-                  </a:lnTo>
-                  <a:lnTo>
-                    <a:pt x="2635063" y="1851953"/>
-                  </a:lnTo>
-                  <a:lnTo>
-                    <a:pt x="2570794" y="1853323"/>
-                  </a:lnTo>
-                  <a:lnTo>
-                    <a:pt x="2506524" y="1854569"/>
-                  </a:lnTo>
-                  <a:lnTo>
-                    <a:pt x="2442254" y="1855702"/>
-                  </a:lnTo>
-                  <a:lnTo>
-                    <a:pt x="2377984" y="1856731"/>
-                  </a:lnTo>
-                  <a:lnTo>
-                    <a:pt x="2313714" y="1857664"/>
-                  </a:lnTo>
-                  <a:lnTo>
-                    <a:pt x="2249444" y="1858511"/>
-                  </a:lnTo>
-                  <a:lnTo>
-                    <a:pt x="2185174" y="1859279"/>
-                  </a:lnTo>
-                  <a:lnTo>
-                    <a:pt x="2120905" y="1859975"/>
-                  </a:lnTo>
-                  <a:lnTo>
-                    <a:pt x="2056635" y="1860605"/>
-                  </a:lnTo>
-                  <a:lnTo>
-                    <a:pt x="1992365" y="1861176"/>
-                  </a:lnTo>
-                  <a:lnTo>
-                    <a:pt x="1928095" y="1861692"/>
-                  </a:lnTo>
-                  <a:lnTo>
-                    <a:pt x="1863825" y="1862159"/>
-                  </a:lnTo>
-                  <a:lnTo>
-                    <a:pt x="1799555" y="1862581"/>
-                  </a:lnTo>
-                  <a:lnTo>
-                    <a:pt x="1735286" y="1862963"/>
-                  </a:lnTo>
-                  <a:lnTo>
-                    <a:pt x="1671016" y="1863308"/>
-                  </a:lnTo>
-                  <a:lnTo>
-                    <a:pt x="1606746" y="1863620"/>
-                  </a:lnTo>
-                  <a:lnTo>
-                    <a:pt x="1542476" y="1863901"/>
-                  </a:lnTo>
-                  <a:lnTo>
-                    <a:pt x="1478206" y="1864156"/>
-                  </a:lnTo>
-                  <a:lnTo>
-                    <a:pt x="1413936" y="1864385"/>
-                  </a:lnTo>
-                  <a:lnTo>
-                    <a:pt x="1349666" y="1864593"/>
-                  </a:lnTo>
-                  <a:lnTo>
-                    <a:pt x="1285397" y="1864780"/>
-                  </a:lnTo>
-                  <a:lnTo>
-                    <a:pt x="1221127" y="1864948"/>
-                  </a:lnTo>
-                  <a:lnTo>
-                    <a:pt x="1156857" y="1865101"/>
-                  </a:lnTo>
-                  <a:lnTo>
-                    <a:pt x="1092587" y="1865238"/>
-                  </a:lnTo>
-                  <a:lnTo>
-                    <a:pt x="1028317" y="1865362"/>
-                  </a:lnTo>
-                  <a:lnTo>
-                    <a:pt x="964047" y="1865473"/>
-                  </a:lnTo>
-                  <a:lnTo>
-                    <a:pt x="899777" y="1865574"/>
-                  </a:lnTo>
-                  <a:lnTo>
-                    <a:pt x="835508" y="1865665"/>
-                  </a:lnTo>
-                  <a:lnTo>
-                    <a:pt x="771238" y="1865747"/>
-                  </a:lnTo>
-                  <a:lnTo>
-                    <a:pt x="706968" y="1865821"/>
-                  </a:lnTo>
-                  <a:lnTo>
-                    <a:pt x="642698" y="1865887"/>
-                  </a:lnTo>
-                  <a:lnTo>
-                    <a:pt x="578428" y="1865947"/>
-                  </a:lnTo>
-                  <a:lnTo>
-                    <a:pt x="514158" y="1866001"/>
-                  </a:lnTo>
-                  <a:lnTo>
-                    <a:pt x="449888" y="1866050"/>
-                  </a:lnTo>
-                  <a:lnTo>
-                    <a:pt x="385619" y="1866094"/>
-                  </a:lnTo>
-                  <a:lnTo>
-                    <a:pt x="321349" y="1866133"/>
-                  </a:lnTo>
-                  <a:lnTo>
-                    <a:pt x="257079" y="1866169"/>
-                  </a:lnTo>
-                  <a:lnTo>
-                    <a:pt x="192809" y="1866201"/>
-                  </a:lnTo>
-                  <a:lnTo>
-                    <a:pt x="128539" y="1866230"/>
-                  </a:lnTo>
-                  <a:lnTo>
-                    <a:pt x="64269" y="1866256"/>
-                  </a:lnTo>
-                  <a:lnTo>
-                    <a:pt x="0" y="1866280"/>
+                    <a:pt x="5784286" y="2214875"/>
+                  </a:lnTo>
+                  <a:lnTo>
+                    <a:pt x="5720016" y="2237270"/>
+                  </a:lnTo>
+                  <a:lnTo>
+                    <a:pt x="5655746" y="2259706"/>
+                  </a:lnTo>
+                  <a:lnTo>
+                    <a:pt x="5591477" y="2282166"/>
+                  </a:lnTo>
+                  <a:lnTo>
+                    <a:pt x="5527207" y="2304628"/>
+                  </a:lnTo>
+                  <a:lnTo>
+                    <a:pt x="5462937" y="2327067"/>
+                  </a:lnTo>
+                  <a:lnTo>
+                    <a:pt x="5398667" y="2349456"/>
+                  </a:lnTo>
+                  <a:lnTo>
+                    <a:pt x="5334397" y="2371764"/>
+                  </a:lnTo>
+                  <a:lnTo>
+                    <a:pt x="5270127" y="2393957"/>
+                  </a:lnTo>
+                  <a:lnTo>
+                    <a:pt x="5205858" y="2415999"/>
+                  </a:lnTo>
+                  <a:lnTo>
+                    <a:pt x="5141588" y="2437852"/>
+                  </a:lnTo>
+                  <a:lnTo>
+                    <a:pt x="5077318" y="2459475"/>
+                  </a:lnTo>
+                  <a:lnTo>
+                    <a:pt x="5013048" y="2480825"/>
+                  </a:lnTo>
+                  <a:lnTo>
+                    <a:pt x="4948778" y="2501858"/>
+                  </a:lnTo>
+                  <a:lnTo>
+                    <a:pt x="4884508" y="2522533"/>
+                  </a:lnTo>
+                  <a:lnTo>
+                    <a:pt x="4820238" y="2542803"/>
+                  </a:lnTo>
+                  <a:lnTo>
+                    <a:pt x="4755969" y="2562628"/>
+                  </a:lnTo>
+                  <a:lnTo>
+                    <a:pt x="4691699" y="2581966"/>
+                  </a:lnTo>
+                  <a:lnTo>
+                    <a:pt x="4627429" y="2600777"/>
+                  </a:lnTo>
+                  <a:lnTo>
+                    <a:pt x="4563159" y="2619025"/>
+                  </a:lnTo>
+                  <a:lnTo>
+                    <a:pt x="4498889" y="2636677"/>
+                  </a:lnTo>
+                  <a:lnTo>
+                    <a:pt x="4434619" y="2653704"/>
+                  </a:lnTo>
+                  <a:lnTo>
+                    <a:pt x="4370349" y="2670082"/>
+                  </a:lnTo>
+                  <a:lnTo>
+                    <a:pt x="4306080" y="2685788"/>
+                  </a:lnTo>
+                  <a:lnTo>
+                    <a:pt x="4241810" y="2700809"/>
+                  </a:lnTo>
+                  <a:lnTo>
+                    <a:pt x="4177540" y="2715132"/>
+                  </a:lnTo>
+                  <a:lnTo>
+                    <a:pt x="4113270" y="2728752"/>
+                  </a:lnTo>
+                  <a:lnTo>
+                    <a:pt x="4049000" y="2741668"/>
+                  </a:lnTo>
+                  <a:lnTo>
+                    <a:pt x="3984730" y="2753882"/>
+                  </a:lnTo>
+                  <a:lnTo>
+                    <a:pt x="3920460" y="2765402"/>
+                  </a:lnTo>
+                  <a:lnTo>
+                    <a:pt x="3856191" y="2776239"/>
+                  </a:lnTo>
+                  <a:lnTo>
+                    <a:pt x="3791921" y="2786409"/>
+                  </a:lnTo>
+                  <a:lnTo>
+                    <a:pt x="3727651" y="2795930"/>
+                  </a:lnTo>
+                  <a:lnTo>
+                    <a:pt x="3663381" y="2804821"/>
+                  </a:lnTo>
+                  <a:lnTo>
+                    <a:pt x="3599111" y="2813107"/>
+                  </a:lnTo>
+                  <a:lnTo>
+                    <a:pt x="3534841" y="2820811"/>
+                  </a:lnTo>
+                  <a:lnTo>
+                    <a:pt x="3470572" y="2827961"/>
+                  </a:lnTo>
+                  <a:lnTo>
+                    <a:pt x="3406302" y="2834582"/>
+                  </a:lnTo>
+                  <a:lnTo>
+                    <a:pt x="3342032" y="2840703"/>
+                  </a:lnTo>
+                  <a:lnTo>
+                    <a:pt x="3277762" y="2846352"/>
+                  </a:lnTo>
+                  <a:lnTo>
+                    <a:pt x="3213492" y="2851556"/>
+                  </a:lnTo>
+                  <a:lnTo>
+                    <a:pt x="3149222" y="2856343"/>
+                  </a:lnTo>
+                  <a:lnTo>
+                    <a:pt x="3084952" y="2860740"/>
+                  </a:lnTo>
+                  <a:lnTo>
+                    <a:pt x="3020683" y="2864772"/>
+                  </a:lnTo>
+                  <a:lnTo>
+                    <a:pt x="2956413" y="2868466"/>
+                  </a:lnTo>
+                  <a:lnTo>
+                    <a:pt x="2892143" y="2871846"/>
+                  </a:lnTo>
+                  <a:lnTo>
+                    <a:pt x="2827873" y="2874934"/>
+                  </a:lnTo>
+                  <a:lnTo>
+                    <a:pt x="2763603" y="2877753"/>
+                  </a:lnTo>
+                  <a:lnTo>
+                    <a:pt x="2699333" y="2880324"/>
+                  </a:lnTo>
+                  <a:lnTo>
+                    <a:pt x="2635063" y="2882667"/>
+                  </a:lnTo>
+                  <a:lnTo>
+                    <a:pt x="2570794" y="2884799"/>
+                  </a:lnTo>
+                  <a:lnTo>
+                    <a:pt x="2506524" y="2886739"/>
+                  </a:lnTo>
+                  <a:lnTo>
+                    <a:pt x="2442254" y="2888502"/>
+                  </a:lnTo>
+                  <a:lnTo>
+                    <a:pt x="2377984" y="2890103"/>
+                  </a:lnTo>
+                  <a:lnTo>
+                    <a:pt x="2313714" y="2891556"/>
+                  </a:lnTo>
+                  <a:lnTo>
+                    <a:pt x="2249444" y="2892875"/>
+                  </a:lnTo>
+                  <a:lnTo>
+                    <a:pt x="2185174" y="2894070"/>
+                  </a:lnTo>
+                  <a:lnTo>
+                    <a:pt x="2120905" y="2895153"/>
+                  </a:lnTo>
+                  <a:lnTo>
+                    <a:pt x="2056635" y="2896134"/>
+                  </a:lnTo>
+                  <a:lnTo>
+                    <a:pt x="1992365" y="2897022"/>
+                  </a:lnTo>
+                  <a:lnTo>
+                    <a:pt x="1928095" y="2897826"/>
+                  </a:lnTo>
+                  <a:lnTo>
+                    <a:pt x="1863825" y="2898553"/>
+                  </a:lnTo>
+                  <a:lnTo>
+                    <a:pt x="1799555" y="2899210"/>
+                  </a:lnTo>
+                  <a:lnTo>
+                    <a:pt x="1735286" y="2899804"/>
+                  </a:lnTo>
+                  <a:lnTo>
+                    <a:pt x="1671016" y="2900341"/>
+                  </a:lnTo>
+                  <a:lnTo>
+                    <a:pt x="1606746" y="2900827"/>
+                  </a:lnTo>
+                  <a:lnTo>
+                    <a:pt x="1542476" y="2901265"/>
+                  </a:lnTo>
+                  <a:lnTo>
+                    <a:pt x="1478206" y="2901661"/>
+                  </a:lnTo>
+                  <a:lnTo>
+                    <a:pt x="1413936" y="2902018"/>
+                  </a:lnTo>
+                  <a:lnTo>
+                    <a:pt x="1349666" y="2902341"/>
+                  </a:lnTo>
+                  <a:lnTo>
+                    <a:pt x="1285397" y="2902632"/>
+                  </a:lnTo>
+                  <a:lnTo>
+                    <a:pt x="1221127" y="2902894"/>
+                  </a:lnTo>
+                  <a:lnTo>
+                    <a:pt x="1156857" y="2903131"/>
+                  </a:lnTo>
+                  <a:lnTo>
+                    <a:pt x="1092587" y="2903345"/>
+                  </a:lnTo>
+                  <a:lnTo>
+                    <a:pt x="1028317" y="2903538"/>
+                  </a:lnTo>
+                  <a:lnTo>
+                    <a:pt x="964047" y="2903712"/>
+                  </a:lnTo>
+                  <a:lnTo>
+                    <a:pt x="899777" y="2903869"/>
+                  </a:lnTo>
+                  <a:lnTo>
+                    <a:pt x="835508" y="2904010"/>
+                  </a:lnTo>
+                  <a:lnTo>
+                    <a:pt x="771238" y="2904137"/>
+                  </a:lnTo>
+                  <a:lnTo>
+                    <a:pt x="706968" y="2904252"/>
+                  </a:lnTo>
+                  <a:lnTo>
+                    <a:pt x="642698" y="2904356"/>
+                  </a:lnTo>
+                  <a:lnTo>
+                    <a:pt x="578428" y="2904449"/>
+                  </a:lnTo>
+                  <a:lnTo>
+                    <a:pt x="514158" y="2904533"/>
+                  </a:lnTo>
+                  <a:lnTo>
+                    <a:pt x="449888" y="2904609"/>
+                  </a:lnTo>
+                  <a:lnTo>
+                    <a:pt x="385619" y="2904677"/>
+                  </a:lnTo>
+                  <a:lnTo>
+                    <a:pt x="321349" y="2904739"/>
+                  </a:lnTo>
+                  <a:lnTo>
+                    <a:pt x="257079" y="2904794"/>
+                  </a:lnTo>
+                  <a:lnTo>
+                    <a:pt x="192809" y="2904844"/>
+                  </a:lnTo>
+                  <a:lnTo>
+                    <a:pt x="128539" y="2904889"/>
+                  </a:lnTo>
+                  <a:lnTo>
+                    <a:pt x="64269" y="2904930"/>
+                  </a:lnTo>
+                  <a:lnTo>
+                    <a:pt x="0" y="2904967"/>
                   </a:lnTo>
                   <a:close/>
                 </a:path>
               </a:pathLst>
             </a:custGeom>
             <a:solidFill>
-              <a:srgbClr val="F08080">
+              <a:srgbClr val="0000FF">
                 <a:alpha val="100000"/>
               </a:srgbClr>
             </a:solidFill>
@@ -6392,282 +6392,282 @@
           </p:nvSpPr>
           <p:spPr>
             <a:xfrm>
-              <a:off x="2695605" y="4397245"/>
-              <a:ext cx="5784286" cy="1860621"/>
+              <a:off x="4890324" y="6235350"/>
+              <a:ext cx="5784286" cy="2896159"/>
             </a:xfrm>
             <a:custGeom>
               <a:avLst/>
               <a:pathLst>
-                <a:path w="5784286" h="1860621">
+                <a:path w="5784286" h="2896159">
                   <a:moveTo>
-                    <a:pt x="0" y="1860621"/>
+                    <a:pt x="0" y="2896159"/>
                   </a:moveTo>
                   <a:lnTo>
-                    <a:pt x="64269" y="1860120"/>
-                  </a:lnTo>
-                  <a:lnTo>
-                    <a:pt x="128539" y="1859576"/>
-                  </a:lnTo>
-                  <a:lnTo>
-                    <a:pt x="192809" y="1858986"/>
-                  </a:lnTo>
-                  <a:lnTo>
-                    <a:pt x="257079" y="1858345"/>
-                  </a:lnTo>
-                  <a:lnTo>
-                    <a:pt x="321349" y="1857649"/>
-                  </a:lnTo>
-                  <a:lnTo>
-                    <a:pt x="385619" y="1856894"/>
-                  </a:lnTo>
-                  <a:lnTo>
-                    <a:pt x="449888" y="1856075"/>
-                  </a:lnTo>
-                  <a:lnTo>
-                    <a:pt x="514158" y="1855186"/>
-                  </a:lnTo>
-                  <a:lnTo>
-                    <a:pt x="578428" y="1854221"/>
-                  </a:lnTo>
-                  <a:lnTo>
-                    <a:pt x="642698" y="1853175"/>
-                  </a:lnTo>
-                  <a:lnTo>
-                    <a:pt x="706968" y="1852039"/>
-                  </a:lnTo>
-                  <a:lnTo>
-                    <a:pt x="771238" y="1850806"/>
-                  </a:lnTo>
-                  <a:lnTo>
-                    <a:pt x="835508" y="1849469"/>
-                  </a:lnTo>
-                  <a:lnTo>
-                    <a:pt x="899777" y="1848018"/>
-                  </a:lnTo>
-                  <a:lnTo>
-                    <a:pt x="964047" y="1846445"/>
-                  </a:lnTo>
-                  <a:lnTo>
-                    <a:pt x="1028317" y="1844737"/>
-                  </a:lnTo>
-                  <a:lnTo>
-                    <a:pt x="1092587" y="1842886"/>
-                  </a:lnTo>
-                  <a:lnTo>
-                    <a:pt x="1156857" y="1840878"/>
-                  </a:lnTo>
-                  <a:lnTo>
-                    <a:pt x="1221127" y="1838701"/>
-                  </a:lnTo>
-                  <a:lnTo>
-                    <a:pt x="1285397" y="1836340"/>
-                  </a:lnTo>
-                  <a:lnTo>
-                    <a:pt x="1349666" y="1833780"/>
-                  </a:lnTo>
-                  <a:lnTo>
-                    <a:pt x="1413936" y="1831006"/>
-                  </a:lnTo>
-                  <a:lnTo>
-                    <a:pt x="1478206" y="1828000"/>
-                  </a:lnTo>
-                  <a:lnTo>
-                    <a:pt x="1542476" y="1824742"/>
-                  </a:lnTo>
-                  <a:lnTo>
-                    <a:pt x="1606746" y="1821213"/>
-                  </a:lnTo>
-                  <a:lnTo>
-                    <a:pt x="1671016" y="1817390"/>
-                  </a:lnTo>
-                  <a:lnTo>
-                    <a:pt x="1735286" y="1813251"/>
-                  </a:lnTo>
-                  <a:lnTo>
-                    <a:pt x="1799555" y="1808771"/>
-                  </a:lnTo>
-                  <a:lnTo>
-                    <a:pt x="1863825" y="1803922"/>
-                  </a:lnTo>
-                  <a:lnTo>
-                    <a:pt x="1928095" y="1798676"/>
-                  </a:lnTo>
-                  <a:lnTo>
-                    <a:pt x="1992365" y="1793002"/>
-                  </a:lnTo>
-                  <a:lnTo>
-                    <a:pt x="2056635" y="1786868"/>
-                  </a:lnTo>
-                  <a:lnTo>
-                    <a:pt x="2120905" y="1780240"/>
-                  </a:lnTo>
-                  <a:lnTo>
-                    <a:pt x="2185174" y="1773080"/>
-                  </a:lnTo>
-                  <a:lnTo>
-                    <a:pt x="2249444" y="1765350"/>
-                  </a:lnTo>
-                  <a:lnTo>
-                    <a:pt x="2313714" y="1757009"/>
-                  </a:lnTo>
-                  <a:lnTo>
-                    <a:pt x="2377984" y="1748014"/>
-                  </a:lnTo>
-                  <a:lnTo>
-                    <a:pt x="2442254" y="1738318"/>
-                  </a:lnTo>
-                  <a:lnTo>
-                    <a:pt x="2506524" y="1727876"/>
-                  </a:lnTo>
-                  <a:lnTo>
-                    <a:pt x="2570794" y="1716637"/>
-                  </a:lnTo>
-                  <a:lnTo>
-                    <a:pt x="2635063" y="1704551"/>
-                  </a:lnTo>
-                  <a:lnTo>
-                    <a:pt x="2699333" y="1691564"/>
-                  </a:lnTo>
-                  <a:lnTo>
-                    <a:pt x="2763603" y="1677622"/>
-                  </a:lnTo>
-                  <a:lnTo>
-                    <a:pt x="2827873" y="1662670"/>
-                  </a:lnTo>
-                  <a:lnTo>
-                    <a:pt x="2892143" y="1646651"/>
-                  </a:lnTo>
-                  <a:lnTo>
-                    <a:pt x="2956413" y="1629510"/>
-                  </a:lnTo>
-                  <a:lnTo>
-                    <a:pt x="3020683" y="1611191"/>
-                  </a:lnTo>
-                  <a:lnTo>
-                    <a:pt x="3084952" y="1591637"/>
-                  </a:lnTo>
-                  <a:lnTo>
-                    <a:pt x="3149222" y="1570795"/>
-                  </a:lnTo>
-                  <a:lnTo>
-                    <a:pt x="3213492" y="1548614"/>
-                  </a:lnTo>
-                  <a:lnTo>
-                    <a:pt x="3277762" y="1525046"/>
-                  </a:lnTo>
-                  <a:lnTo>
-                    <a:pt x="3342032" y="1500047"/>
-                  </a:lnTo>
-                  <a:lnTo>
-                    <a:pt x="3406302" y="1473578"/>
-                  </a:lnTo>
-                  <a:lnTo>
-                    <a:pt x="3470572" y="1445608"/>
-                  </a:lnTo>
-                  <a:lnTo>
-                    <a:pt x="3534841" y="1416111"/>
-                  </a:lnTo>
-                  <a:lnTo>
-                    <a:pt x="3599111" y="1385072"/>
-                  </a:lnTo>
-                  <a:lnTo>
-                    <a:pt x="3663381" y="1352485"/>
-                  </a:lnTo>
-                  <a:lnTo>
-                    <a:pt x="3727651" y="1318354"/>
-                  </a:lnTo>
-                  <a:lnTo>
-                    <a:pt x="3791921" y="1282696"/>
-                  </a:lnTo>
-                  <a:lnTo>
-                    <a:pt x="3856191" y="1245542"/>
-                  </a:lnTo>
-                  <a:lnTo>
-                    <a:pt x="3920460" y="1206934"/>
-                  </a:lnTo>
-                  <a:lnTo>
-                    <a:pt x="3984730" y="1166932"/>
-                  </a:lnTo>
-                  <a:lnTo>
-                    <a:pt x="4049000" y="1125608"/>
-                  </a:lnTo>
-                  <a:lnTo>
-                    <a:pt x="4113270" y="1083050"/>
-                  </a:lnTo>
-                  <a:lnTo>
-                    <a:pt x="4177540" y="1039360"/>
-                  </a:lnTo>
-                  <a:lnTo>
-                    <a:pt x="4241810" y="994655"/>
-                  </a:lnTo>
-                  <a:lnTo>
-                    <a:pt x="4306080" y="949063"/>
-                  </a:lnTo>
-                  <a:lnTo>
-                    <a:pt x="4370349" y="902727"/>
-                  </a:lnTo>
-                  <a:lnTo>
-                    <a:pt x="4434619" y="855798"/>
-                  </a:lnTo>
-                  <a:lnTo>
-                    <a:pt x="4498889" y="808436"/>
-                  </a:lnTo>
-                  <a:lnTo>
-                    <a:pt x="4563159" y="760808"/>
-                  </a:lnTo>
-                  <a:lnTo>
-                    <a:pt x="4627429" y="713085"/>
-                  </a:lnTo>
-                  <a:lnTo>
-                    <a:pt x="4691699" y="665439"/>
-                  </a:lnTo>
-                  <a:lnTo>
-                    <a:pt x="4755969" y="618041"/>
-                  </a:lnTo>
-                  <a:lnTo>
-                    <a:pt x="4820238" y="571061"/>
-                  </a:lnTo>
-                  <a:lnTo>
-                    <a:pt x="4884508" y="524660"/>
-                  </a:lnTo>
-                  <a:lnTo>
-                    <a:pt x="4948778" y="478994"/>
-                  </a:lnTo>
-                  <a:lnTo>
-                    <a:pt x="5013048" y="434207"/>
-                  </a:lnTo>
-                  <a:lnTo>
-                    <a:pt x="5077318" y="390434"/>
-                  </a:lnTo>
-                  <a:lnTo>
-                    <a:pt x="5141588" y="347795"/>
-                  </a:lnTo>
-                  <a:lnTo>
-                    <a:pt x="5205858" y="306397"/>
-                  </a:lnTo>
-                  <a:lnTo>
-                    <a:pt x="5270127" y="266332"/>
-                  </a:lnTo>
-                  <a:lnTo>
-                    <a:pt x="5334397" y="227676"/>
-                  </a:lnTo>
-                  <a:lnTo>
-                    <a:pt x="5398667" y="190493"/>
-                  </a:lnTo>
-                  <a:lnTo>
-                    <a:pt x="5462937" y="154829"/>
-                  </a:lnTo>
-                  <a:lnTo>
-                    <a:pt x="5527207" y="120718"/>
-                  </a:lnTo>
-                  <a:lnTo>
-                    <a:pt x="5591477" y="88178"/>
-                  </a:lnTo>
-                  <a:lnTo>
-                    <a:pt x="5655746" y="57217"/>
-                  </a:lnTo>
-                  <a:lnTo>
-                    <a:pt x="5720016" y="27829"/>
+                    <a:pt x="64269" y="2895379"/>
+                  </a:lnTo>
+                  <a:lnTo>
+                    <a:pt x="128539" y="2894532"/>
+                  </a:lnTo>
+                  <a:lnTo>
+                    <a:pt x="192809" y="2893613"/>
+                  </a:lnTo>
+                  <a:lnTo>
+                    <a:pt x="257079" y="2892615"/>
+                  </a:lnTo>
+                  <a:lnTo>
+                    <a:pt x="321349" y="2891533"/>
+                  </a:lnTo>
+                  <a:lnTo>
+                    <a:pt x="385619" y="2890358"/>
+                  </a:lnTo>
+                  <a:lnTo>
+                    <a:pt x="449888" y="2889083"/>
+                  </a:lnTo>
+                  <a:lnTo>
+                    <a:pt x="514158" y="2887699"/>
+                  </a:lnTo>
+                  <a:lnTo>
+                    <a:pt x="578428" y="2886198"/>
+                  </a:lnTo>
+                  <a:lnTo>
+                    <a:pt x="642698" y="2884568"/>
+                  </a:lnTo>
+                  <a:lnTo>
+                    <a:pt x="706968" y="2882800"/>
+                  </a:lnTo>
+                  <a:lnTo>
+                    <a:pt x="771238" y="2880881"/>
+                  </a:lnTo>
+                  <a:lnTo>
+                    <a:pt x="835508" y="2878800"/>
+                  </a:lnTo>
+                  <a:lnTo>
+                    <a:pt x="899777" y="2876542"/>
+                  </a:lnTo>
+                  <a:lnTo>
+                    <a:pt x="964047" y="2874092"/>
+                  </a:lnTo>
+                  <a:lnTo>
+                    <a:pt x="1028317" y="2871435"/>
+                  </a:lnTo>
+                  <a:lnTo>
+                    <a:pt x="1092587" y="2868553"/>
+                  </a:lnTo>
+                  <a:lnTo>
+                    <a:pt x="1156857" y="2865428"/>
+                  </a:lnTo>
+                  <a:lnTo>
+                    <a:pt x="1221127" y="2862038"/>
+                  </a:lnTo>
+                  <a:lnTo>
+                    <a:pt x="1285397" y="2858364"/>
+                  </a:lnTo>
+                  <a:lnTo>
+                    <a:pt x="1349666" y="2854380"/>
+                  </a:lnTo>
+                  <a:lnTo>
+                    <a:pt x="1413936" y="2850062"/>
+                  </a:lnTo>
+                  <a:lnTo>
+                    <a:pt x="1478206" y="2845382"/>
+                  </a:lnTo>
+                  <a:lnTo>
+                    <a:pt x="1542476" y="2840311"/>
+                  </a:lnTo>
+                  <a:lnTo>
+                    <a:pt x="1606746" y="2834818"/>
+                  </a:lnTo>
+                  <a:lnTo>
+                    <a:pt x="1671016" y="2828868"/>
+                  </a:lnTo>
+                  <a:lnTo>
+                    <a:pt x="1735286" y="2822425"/>
+                  </a:lnTo>
+                  <a:lnTo>
+                    <a:pt x="1799555" y="2815451"/>
+                  </a:lnTo>
+                  <a:lnTo>
+                    <a:pt x="1863825" y="2807903"/>
+                  </a:lnTo>
+                  <a:lnTo>
+                    <a:pt x="1928095" y="2799738"/>
+                  </a:lnTo>
+                  <a:lnTo>
+                    <a:pt x="1992365" y="2790906"/>
+                  </a:lnTo>
+                  <a:lnTo>
+                    <a:pt x="2056635" y="2781359"/>
+                  </a:lnTo>
+                  <a:lnTo>
+                    <a:pt x="2120905" y="2771041"/>
+                  </a:lnTo>
+                  <a:lnTo>
+                    <a:pt x="2185174" y="2759897"/>
+                  </a:lnTo>
+                  <a:lnTo>
+                    <a:pt x="2249444" y="2747865"/>
+                  </a:lnTo>
+                  <a:lnTo>
+                    <a:pt x="2313714" y="2734881"/>
+                  </a:lnTo>
+                  <a:lnTo>
+                    <a:pt x="2377984" y="2720879"/>
+                  </a:lnTo>
+                  <a:lnTo>
+                    <a:pt x="2442254" y="2705788"/>
+                  </a:lnTo>
+                  <a:lnTo>
+                    <a:pt x="2506524" y="2689534"/>
+                  </a:lnTo>
+                  <a:lnTo>
+                    <a:pt x="2570794" y="2672040"/>
+                  </a:lnTo>
+                  <a:lnTo>
+                    <a:pt x="2635063" y="2653226"/>
+                  </a:lnTo>
+                  <a:lnTo>
+                    <a:pt x="2699333" y="2633011"/>
+                  </a:lnTo>
+                  <a:lnTo>
+                    <a:pt x="2763603" y="2611310"/>
+                  </a:lnTo>
+                  <a:lnTo>
+                    <a:pt x="2827873" y="2588037"/>
+                  </a:lnTo>
+                  <a:lnTo>
+                    <a:pt x="2892143" y="2563103"/>
+                  </a:lnTo>
+                  <a:lnTo>
+                    <a:pt x="2956413" y="2536422"/>
+                  </a:lnTo>
+                  <a:lnTo>
+                    <a:pt x="3020683" y="2507906"/>
+                  </a:lnTo>
+                  <a:lnTo>
+                    <a:pt x="3084952" y="2477470"/>
+                  </a:lnTo>
+                  <a:lnTo>
+                    <a:pt x="3149222" y="2445028"/>
+                  </a:lnTo>
+                  <a:lnTo>
+                    <a:pt x="3213492" y="2410503"/>
+                  </a:lnTo>
+                  <a:lnTo>
+                    <a:pt x="3277762" y="2373818"/>
+                  </a:lnTo>
+                  <a:lnTo>
+                    <a:pt x="3342032" y="2334905"/>
+                  </a:lnTo>
+                  <a:lnTo>
+                    <a:pt x="3406302" y="2293706"/>
+                  </a:lnTo>
+                  <a:lnTo>
+                    <a:pt x="3470572" y="2250168"/>
+                  </a:lnTo>
+                  <a:lnTo>
+                    <a:pt x="3534841" y="2204255"/>
+                  </a:lnTo>
+                  <a:lnTo>
+                    <a:pt x="3599111" y="2155941"/>
+                  </a:lnTo>
+                  <a:lnTo>
+                    <a:pt x="3663381" y="2105217"/>
+                  </a:lnTo>
+                  <a:lnTo>
+                    <a:pt x="3727651" y="2052090"/>
+                  </a:lnTo>
+                  <a:lnTo>
+                    <a:pt x="3791921" y="1996587"/>
+                  </a:lnTo>
+                  <a:lnTo>
+                    <a:pt x="3856191" y="1938754"/>
+                  </a:lnTo>
+                  <a:lnTo>
+                    <a:pt x="3920460" y="1878659"/>
+                  </a:lnTo>
+                  <a:lnTo>
+                    <a:pt x="3984730" y="1816394"/>
+                  </a:lnTo>
+                  <a:lnTo>
+                    <a:pt x="4049000" y="1752071"/>
+                  </a:lnTo>
+                  <a:lnTo>
+                    <a:pt x="4113270" y="1685827"/>
+                  </a:lnTo>
+                  <a:lnTo>
+                    <a:pt x="4177540" y="1617821"/>
+                  </a:lnTo>
+                  <a:lnTo>
+                    <a:pt x="4241810" y="1548235"/>
+                  </a:lnTo>
+                  <a:lnTo>
+                    <a:pt x="4306080" y="1477269"/>
+                  </a:lnTo>
+                  <a:lnTo>
+                    <a:pt x="4370349" y="1405144"/>
+                  </a:lnTo>
+                  <a:lnTo>
+                    <a:pt x="4434619" y="1332097"/>
+                  </a:lnTo>
+                  <a:lnTo>
+                    <a:pt x="4498889" y="1258375"/>
+                  </a:lnTo>
+                  <a:lnTo>
+                    <a:pt x="4563159" y="1184240"/>
+                  </a:lnTo>
+                  <a:lnTo>
+                    <a:pt x="4627429" y="1109956"/>
+                  </a:lnTo>
+                  <a:lnTo>
+                    <a:pt x="4691699" y="1035792"/>
+                  </a:lnTo>
+                  <a:lnTo>
+                    <a:pt x="4755969" y="962015"/>
+                  </a:lnTo>
+                  <a:lnTo>
+                    <a:pt x="4820238" y="888888"/>
+                  </a:lnTo>
+                  <a:lnTo>
+                    <a:pt x="4884508" y="816662"/>
+                  </a:lnTo>
+                  <a:lnTo>
+                    <a:pt x="4948778" y="745580"/>
+                  </a:lnTo>
+                  <a:lnTo>
+                    <a:pt x="5013048" y="675868"/>
+                  </a:lnTo>
+                  <a:lnTo>
+                    <a:pt x="5077318" y="607733"/>
+                  </a:lnTo>
+                  <a:lnTo>
+                    <a:pt x="5141588" y="541363"/>
+                  </a:lnTo>
+                  <a:lnTo>
+                    <a:pt x="5205858" y="476924"/>
+                  </a:lnTo>
+                  <a:lnTo>
+                    <a:pt x="5270127" y="414560"/>
+                  </a:lnTo>
+                  <a:lnTo>
+                    <a:pt x="5334397" y="354391"/>
+                  </a:lnTo>
+                  <a:lnTo>
+                    <a:pt x="5398667" y="296513"/>
+                  </a:lnTo>
+                  <a:lnTo>
+                    <a:pt x="5462937" y="241001"/>
+                  </a:lnTo>
+                  <a:lnTo>
+                    <a:pt x="5527207" y="187904"/>
+                  </a:lnTo>
+                  <a:lnTo>
+                    <a:pt x="5591477" y="137254"/>
+                  </a:lnTo>
+                  <a:lnTo>
+                    <a:pt x="5655746" y="89061"/>
+                  </a:lnTo>
+                  <a:lnTo>
+                    <a:pt x="5720016" y="43317"/>
                   </a:lnTo>
                   <a:lnTo>
                     <a:pt x="5784286" y="0"/>
@@ -6693,558 +6693,558 @@
           </p:nvSpPr>
           <p:spPr>
             <a:xfrm>
-              <a:off x="2695605" y="5820179"/>
-              <a:ext cx="5784286" cy="443558"/>
+              <a:off x="4890324" y="8450226"/>
+              <a:ext cx="5784286" cy="690423"/>
             </a:xfrm>
             <a:custGeom>
               <a:avLst/>
               <a:pathLst>
-                <a:path w="5784286" h="443558">
+                <a:path w="5784286" h="690423">
                   <a:moveTo>
-                    <a:pt x="0" y="443345"/>
+                    <a:pt x="0" y="690091"/>
                   </a:moveTo>
                   <a:lnTo>
-                    <a:pt x="64269" y="443322"/>
-                  </a:lnTo>
-                  <a:lnTo>
-                    <a:pt x="128539" y="443296"/>
-                  </a:lnTo>
-                  <a:lnTo>
-                    <a:pt x="192809" y="443267"/>
-                  </a:lnTo>
-                  <a:lnTo>
-                    <a:pt x="257079" y="443234"/>
-                  </a:lnTo>
-                  <a:lnTo>
-                    <a:pt x="321349" y="443199"/>
-                  </a:lnTo>
-                  <a:lnTo>
-                    <a:pt x="385619" y="443159"/>
-                  </a:lnTo>
-                  <a:lnTo>
-                    <a:pt x="449888" y="443115"/>
-                  </a:lnTo>
-                  <a:lnTo>
-                    <a:pt x="514158" y="443067"/>
-                  </a:lnTo>
-                  <a:lnTo>
-                    <a:pt x="578428" y="443013"/>
-                  </a:lnTo>
-                  <a:lnTo>
-                    <a:pt x="642698" y="442953"/>
-                  </a:lnTo>
-                  <a:lnTo>
-                    <a:pt x="706968" y="442886"/>
-                  </a:lnTo>
-                  <a:lnTo>
-                    <a:pt x="771238" y="442812"/>
-                  </a:lnTo>
-                  <a:lnTo>
-                    <a:pt x="835508" y="442730"/>
-                  </a:lnTo>
-                  <a:lnTo>
-                    <a:pt x="899777" y="442640"/>
-                  </a:lnTo>
-                  <a:lnTo>
-                    <a:pt x="964047" y="442539"/>
-                  </a:lnTo>
-                  <a:lnTo>
-                    <a:pt x="1028317" y="442427"/>
-                  </a:lnTo>
-                  <a:lnTo>
-                    <a:pt x="1092587" y="442303"/>
-                  </a:lnTo>
-                  <a:lnTo>
-                    <a:pt x="1156857" y="442166"/>
-                  </a:lnTo>
-                  <a:lnTo>
-                    <a:pt x="1221127" y="442014"/>
-                  </a:lnTo>
-                  <a:lnTo>
-                    <a:pt x="1285397" y="441845"/>
-                  </a:lnTo>
-                  <a:lnTo>
-                    <a:pt x="1349666" y="441658"/>
-                  </a:lnTo>
-                  <a:lnTo>
-                    <a:pt x="1413936" y="441451"/>
-                  </a:lnTo>
-                  <a:lnTo>
-                    <a:pt x="1478206" y="441221"/>
-                  </a:lnTo>
-                  <a:lnTo>
-                    <a:pt x="1542476" y="440967"/>
-                  </a:lnTo>
-                  <a:lnTo>
-                    <a:pt x="1606746" y="440685"/>
-                  </a:lnTo>
-                  <a:lnTo>
-                    <a:pt x="1671016" y="440374"/>
-                  </a:lnTo>
-                  <a:lnTo>
-                    <a:pt x="1735286" y="440029"/>
-                  </a:lnTo>
-                  <a:lnTo>
-                    <a:pt x="1799555" y="439647"/>
-                  </a:lnTo>
-                  <a:lnTo>
-                    <a:pt x="1863825" y="439224"/>
-                  </a:lnTo>
-                  <a:lnTo>
-                    <a:pt x="1928095" y="438757"/>
-                  </a:lnTo>
-                  <a:lnTo>
-                    <a:pt x="1992365" y="438241"/>
-                  </a:lnTo>
-                  <a:lnTo>
-                    <a:pt x="2056635" y="437671"/>
-                  </a:lnTo>
-                  <a:lnTo>
-                    <a:pt x="2120905" y="437040"/>
-                  </a:lnTo>
-                  <a:lnTo>
-                    <a:pt x="2185174" y="436345"/>
-                  </a:lnTo>
-                  <a:lnTo>
-                    <a:pt x="2249444" y="435577"/>
-                  </a:lnTo>
-                  <a:lnTo>
-                    <a:pt x="2313714" y="434730"/>
-                  </a:lnTo>
-                  <a:lnTo>
-                    <a:pt x="2377984" y="433796"/>
-                  </a:lnTo>
-                  <a:lnTo>
-                    <a:pt x="2442254" y="432767"/>
-                  </a:lnTo>
-                  <a:lnTo>
-                    <a:pt x="2506524" y="431635"/>
-                  </a:lnTo>
-                  <a:lnTo>
-                    <a:pt x="2570794" y="430389"/>
-                  </a:lnTo>
-                  <a:lnTo>
-                    <a:pt x="2635063" y="429019"/>
-                  </a:lnTo>
-                  <a:lnTo>
-                    <a:pt x="2699333" y="427514"/>
-                  </a:lnTo>
-                  <a:lnTo>
-                    <a:pt x="2763603" y="425862"/>
-                  </a:lnTo>
-                  <a:lnTo>
-                    <a:pt x="2827873" y="424051"/>
-                  </a:lnTo>
-                  <a:lnTo>
-                    <a:pt x="2892143" y="422067"/>
-                  </a:lnTo>
-                  <a:lnTo>
-                    <a:pt x="2956413" y="419896"/>
-                  </a:lnTo>
-                  <a:lnTo>
-                    <a:pt x="3020683" y="417522"/>
-                  </a:lnTo>
-                  <a:lnTo>
-                    <a:pt x="3084952" y="414932"/>
-                  </a:lnTo>
-                  <a:lnTo>
-                    <a:pt x="3149222" y="412107"/>
-                  </a:lnTo>
-                  <a:lnTo>
-                    <a:pt x="3213492" y="409032"/>
-                  </a:lnTo>
-                  <a:lnTo>
-                    <a:pt x="3277762" y="405688"/>
-                  </a:lnTo>
-                  <a:lnTo>
-                    <a:pt x="3342032" y="402059"/>
-                  </a:lnTo>
-                  <a:lnTo>
-                    <a:pt x="3406302" y="398127"/>
-                  </a:lnTo>
-                  <a:lnTo>
-                    <a:pt x="3470572" y="393873"/>
-                  </a:lnTo>
-                  <a:lnTo>
-                    <a:pt x="3534841" y="389280"/>
-                  </a:lnTo>
-                  <a:lnTo>
-                    <a:pt x="3599111" y="384330"/>
-                  </a:lnTo>
-                  <a:lnTo>
-                    <a:pt x="3663381" y="379007"/>
-                  </a:lnTo>
-                  <a:lnTo>
-                    <a:pt x="3727651" y="373295"/>
-                  </a:lnTo>
-                  <a:lnTo>
-                    <a:pt x="3791921" y="367179"/>
-                  </a:lnTo>
-                  <a:lnTo>
-                    <a:pt x="3856191" y="360645"/>
-                  </a:lnTo>
-                  <a:lnTo>
-                    <a:pt x="3920460" y="353682"/>
-                  </a:lnTo>
-                  <a:lnTo>
-                    <a:pt x="3984730" y="346281"/>
-                  </a:lnTo>
-                  <a:lnTo>
-                    <a:pt x="4049000" y="338435"/>
-                  </a:lnTo>
-                  <a:lnTo>
-                    <a:pt x="4113270" y="330137"/>
-                  </a:lnTo>
-                  <a:lnTo>
-                    <a:pt x="4177540" y="321387"/>
-                  </a:lnTo>
-                  <a:lnTo>
-                    <a:pt x="4241810" y="312185"/>
-                  </a:lnTo>
-                  <a:lnTo>
-                    <a:pt x="4306080" y="302535"/>
-                  </a:lnTo>
-                  <a:lnTo>
-                    <a:pt x="4370349" y="292445"/>
-                  </a:lnTo>
-                  <a:lnTo>
-                    <a:pt x="4434619" y="281923"/>
-                  </a:lnTo>
-                  <a:lnTo>
-                    <a:pt x="4498889" y="270984"/>
-                  </a:lnTo>
-                  <a:lnTo>
-                    <a:pt x="4563159" y="259643"/>
-                  </a:lnTo>
-                  <a:lnTo>
-                    <a:pt x="4627429" y="247920"/>
-                  </a:lnTo>
-                  <a:lnTo>
-                    <a:pt x="4691699" y="235835"/>
-                  </a:lnTo>
-                  <a:lnTo>
-                    <a:pt x="4755969" y="223412"/>
-                  </a:lnTo>
-                  <a:lnTo>
-                    <a:pt x="4820238" y="210675"/>
-                  </a:lnTo>
-                  <a:lnTo>
-                    <a:pt x="4884508" y="197652"/>
-                  </a:lnTo>
-                  <a:lnTo>
-                    <a:pt x="4948778" y="184370"/>
-                  </a:lnTo>
-                  <a:lnTo>
-                    <a:pt x="5013048" y="170857"/>
-                  </a:lnTo>
-                  <a:lnTo>
-                    <a:pt x="5077318" y="157141"/>
-                  </a:lnTo>
-                  <a:lnTo>
-                    <a:pt x="5141588" y="143250"/>
-                  </a:lnTo>
-                  <a:lnTo>
-                    <a:pt x="5205858" y="129211"/>
-                  </a:lnTo>
-                  <a:lnTo>
-                    <a:pt x="5270127" y="115050"/>
-                  </a:lnTo>
-                  <a:lnTo>
-                    <a:pt x="5334397" y="100792"/>
-                  </a:lnTo>
-                  <a:lnTo>
-                    <a:pt x="5398667" y="86460"/>
-                  </a:lnTo>
-                  <a:lnTo>
-                    <a:pt x="5462937" y="72077"/>
-                  </a:lnTo>
-                  <a:lnTo>
-                    <a:pt x="5527207" y="57661"/>
-                  </a:lnTo>
-                  <a:lnTo>
-                    <a:pt x="5591477" y="43230"/>
-                  </a:lnTo>
-                  <a:lnTo>
-                    <a:pt x="5655746" y="28801"/>
-                  </a:lnTo>
-                  <a:lnTo>
-                    <a:pt x="5720016" y="14387"/>
+                    <a:pt x="64269" y="690055"/>
+                  </a:lnTo>
+                  <a:lnTo>
+                    <a:pt x="128539" y="690014"/>
+                  </a:lnTo>
+                  <a:lnTo>
+                    <a:pt x="192809" y="689969"/>
+                  </a:lnTo>
+                  <a:lnTo>
+                    <a:pt x="257079" y="689919"/>
+                  </a:lnTo>
+                  <a:lnTo>
+                    <a:pt x="321349" y="689864"/>
+                  </a:lnTo>
+                  <a:lnTo>
+                    <a:pt x="385619" y="689802"/>
+                  </a:lnTo>
+                  <a:lnTo>
+                    <a:pt x="449888" y="689734"/>
+                  </a:lnTo>
+                  <a:lnTo>
+                    <a:pt x="514158" y="689658"/>
+                  </a:lnTo>
+                  <a:lnTo>
+                    <a:pt x="578428" y="689574"/>
+                  </a:lnTo>
+                  <a:lnTo>
+                    <a:pt x="642698" y="689480"/>
+                  </a:lnTo>
+                  <a:lnTo>
+                    <a:pt x="706968" y="689377"/>
+                  </a:lnTo>
+                  <a:lnTo>
+                    <a:pt x="771238" y="689262"/>
+                  </a:lnTo>
+                  <a:lnTo>
+                    <a:pt x="835508" y="689134"/>
+                  </a:lnTo>
+                  <a:lnTo>
+                    <a:pt x="899777" y="688993"/>
+                  </a:lnTo>
+                  <a:lnTo>
+                    <a:pt x="964047" y="688836"/>
+                  </a:lnTo>
+                  <a:lnTo>
+                    <a:pt x="1028317" y="688662"/>
+                  </a:lnTo>
+                  <a:lnTo>
+                    <a:pt x="1092587" y="688470"/>
+                  </a:lnTo>
+                  <a:lnTo>
+                    <a:pt x="1156857" y="688256"/>
+                  </a:lnTo>
+                  <a:lnTo>
+                    <a:pt x="1221127" y="688019"/>
+                  </a:lnTo>
+                  <a:lnTo>
+                    <a:pt x="1285397" y="687756"/>
+                  </a:lnTo>
+                  <a:lnTo>
+                    <a:pt x="1349666" y="687465"/>
+                  </a:lnTo>
+                  <a:lnTo>
+                    <a:pt x="1413936" y="687143"/>
+                  </a:lnTo>
+                  <a:lnTo>
+                    <a:pt x="1478206" y="686785"/>
+                  </a:lnTo>
+                  <a:lnTo>
+                    <a:pt x="1542476" y="686389"/>
+                  </a:lnTo>
+                  <a:lnTo>
+                    <a:pt x="1606746" y="685951"/>
+                  </a:lnTo>
+                  <a:lnTo>
+                    <a:pt x="1671016" y="685466"/>
+                  </a:lnTo>
+                  <a:lnTo>
+                    <a:pt x="1735286" y="684929"/>
+                  </a:lnTo>
+                  <a:lnTo>
+                    <a:pt x="1799555" y="684335"/>
+                  </a:lnTo>
+                  <a:lnTo>
+                    <a:pt x="1863825" y="683677"/>
+                  </a:lnTo>
+                  <a:lnTo>
+                    <a:pt x="1928095" y="682950"/>
+                  </a:lnTo>
+                  <a:lnTo>
+                    <a:pt x="1992365" y="682147"/>
+                  </a:lnTo>
+                  <a:lnTo>
+                    <a:pt x="2056635" y="681259"/>
+                  </a:lnTo>
+                  <a:lnTo>
+                    <a:pt x="2120905" y="680278"/>
+                  </a:lnTo>
+                  <a:lnTo>
+                    <a:pt x="2185174" y="679195"/>
+                  </a:lnTo>
+                  <a:lnTo>
+                    <a:pt x="2249444" y="677999"/>
+                  </a:lnTo>
+                  <a:lnTo>
+                    <a:pt x="2313714" y="676681"/>
+                  </a:lnTo>
+                  <a:lnTo>
+                    <a:pt x="2377984" y="675228"/>
+                  </a:lnTo>
+                  <a:lnTo>
+                    <a:pt x="2442254" y="673626"/>
+                  </a:lnTo>
+                  <a:lnTo>
+                    <a:pt x="2506524" y="671864"/>
+                  </a:lnTo>
+                  <a:lnTo>
+                    <a:pt x="2570794" y="669924"/>
+                  </a:lnTo>
+                  <a:lnTo>
+                    <a:pt x="2635063" y="667792"/>
+                  </a:lnTo>
+                  <a:lnTo>
+                    <a:pt x="2699333" y="665449"/>
+                  </a:lnTo>
+                  <a:lnTo>
+                    <a:pt x="2763603" y="662878"/>
+                  </a:lnTo>
+                  <a:lnTo>
+                    <a:pt x="2827873" y="660059"/>
+                  </a:lnTo>
+                  <a:lnTo>
+                    <a:pt x="2892143" y="656970"/>
+                  </a:lnTo>
+                  <a:lnTo>
+                    <a:pt x="2956413" y="653591"/>
+                  </a:lnTo>
+                  <a:lnTo>
+                    <a:pt x="3020683" y="649897"/>
+                  </a:lnTo>
+                  <a:lnTo>
+                    <a:pt x="3084952" y="645864"/>
+                  </a:lnTo>
+                  <a:lnTo>
+                    <a:pt x="3149222" y="641467"/>
+                  </a:lnTo>
+                  <a:lnTo>
+                    <a:pt x="3213492" y="636680"/>
+                  </a:lnTo>
+                  <a:lnTo>
+                    <a:pt x="3277762" y="631476"/>
+                  </a:lnTo>
+                  <a:lnTo>
+                    <a:pt x="3342032" y="625828"/>
+                  </a:lnTo>
+                  <a:lnTo>
+                    <a:pt x="3406302" y="619707"/>
+                  </a:lnTo>
+                  <a:lnTo>
+                    <a:pt x="3470572" y="613085"/>
+                  </a:lnTo>
+                  <a:lnTo>
+                    <a:pt x="3534841" y="605936"/>
+                  </a:lnTo>
+                  <a:lnTo>
+                    <a:pt x="3599111" y="598231"/>
+                  </a:lnTo>
+                  <a:lnTo>
+                    <a:pt x="3663381" y="589946"/>
+                  </a:lnTo>
+                  <a:lnTo>
+                    <a:pt x="3727651" y="581054"/>
+                  </a:lnTo>
+                  <a:lnTo>
+                    <a:pt x="3791921" y="571534"/>
+                  </a:lnTo>
+                  <a:lnTo>
+                    <a:pt x="3856191" y="561364"/>
+                  </a:lnTo>
+                  <a:lnTo>
+                    <a:pt x="3920460" y="550526"/>
+                  </a:lnTo>
+                  <a:lnTo>
+                    <a:pt x="3984730" y="539006"/>
+                  </a:lnTo>
+                  <a:lnTo>
+                    <a:pt x="4049000" y="526792"/>
+                  </a:lnTo>
+                  <a:lnTo>
+                    <a:pt x="4113270" y="513877"/>
+                  </a:lnTo>
+                  <a:lnTo>
+                    <a:pt x="4177540" y="500257"/>
+                  </a:lnTo>
+                  <a:lnTo>
+                    <a:pt x="4241810" y="485934"/>
+                  </a:lnTo>
+                  <a:lnTo>
+                    <a:pt x="4306080" y="470913"/>
+                  </a:lnTo>
+                  <a:lnTo>
+                    <a:pt x="4370349" y="455206"/>
+                  </a:lnTo>
+                  <a:lnTo>
+                    <a:pt x="4434619" y="438829"/>
+                  </a:lnTo>
+                  <a:lnTo>
+                    <a:pt x="4498889" y="421802"/>
+                  </a:lnTo>
+                  <a:lnTo>
+                    <a:pt x="4563159" y="404149"/>
+                  </a:lnTo>
+                  <a:lnTo>
+                    <a:pt x="4627429" y="385901"/>
+                  </a:lnTo>
+                  <a:lnTo>
+                    <a:pt x="4691699" y="367090"/>
+                  </a:lnTo>
+                  <a:lnTo>
+                    <a:pt x="4755969" y="347753"/>
+                  </a:lnTo>
+                  <a:lnTo>
+                    <a:pt x="4820238" y="327928"/>
+                  </a:lnTo>
+                  <a:lnTo>
+                    <a:pt x="4884508" y="307657"/>
+                  </a:lnTo>
+                  <a:lnTo>
+                    <a:pt x="4948778" y="286983"/>
+                  </a:lnTo>
+                  <a:lnTo>
+                    <a:pt x="5013048" y="265949"/>
+                  </a:lnTo>
+                  <a:lnTo>
+                    <a:pt x="5077318" y="244599"/>
+                  </a:lnTo>
+                  <a:lnTo>
+                    <a:pt x="5141588" y="222977"/>
+                  </a:lnTo>
+                  <a:lnTo>
+                    <a:pt x="5205858" y="201124"/>
+                  </a:lnTo>
+                  <a:lnTo>
+                    <a:pt x="5270127" y="179082"/>
+                  </a:lnTo>
+                  <a:lnTo>
+                    <a:pt x="5334397" y="156888"/>
+                  </a:lnTo>
+                  <a:lnTo>
+                    <a:pt x="5398667" y="134580"/>
+                  </a:lnTo>
+                  <a:lnTo>
+                    <a:pt x="5462937" y="112191"/>
+                  </a:lnTo>
+                  <a:lnTo>
+                    <a:pt x="5527207" y="89752"/>
+                  </a:lnTo>
+                  <a:lnTo>
+                    <a:pt x="5591477" y="67291"/>
+                  </a:lnTo>
+                  <a:lnTo>
+                    <a:pt x="5655746" y="44831"/>
+                  </a:lnTo>
+                  <a:lnTo>
+                    <a:pt x="5720016" y="22394"/>
                   </a:lnTo>
                   <a:lnTo>
                     <a:pt x="5784286" y="0"/>
                   </a:lnTo>
                   <a:lnTo>
-                    <a:pt x="5784286" y="443558"/>
-                  </a:lnTo>
-                  <a:lnTo>
-                    <a:pt x="5720016" y="443558"/>
-                  </a:lnTo>
-                  <a:lnTo>
-                    <a:pt x="5655746" y="443558"/>
-                  </a:lnTo>
-                  <a:lnTo>
-                    <a:pt x="5591477" y="443558"/>
-                  </a:lnTo>
-                  <a:lnTo>
-                    <a:pt x="5527207" y="443558"/>
-                  </a:lnTo>
-                  <a:lnTo>
-                    <a:pt x="5462937" y="443558"/>
-                  </a:lnTo>
-                  <a:lnTo>
-                    <a:pt x="5398667" y="443558"/>
-                  </a:lnTo>
-                  <a:lnTo>
-                    <a:pt x="5334397" y="443558"/>
-                  </a:lnTo>
-                  <a:lnTo>
-                    <a:pt x="5270127" y="443558"/>
-                  </a:lnTo>
-                  <a:lnTo>
-                    <a:pt x="5205858" y="443558"/>
-                  </a:lnTo>
-                  <a:lnTo>
-                    <a:pt x="5141588" y="443558"/>
-                  </a:lnTo>
-                  <a:lnTo>
-                    <a:pt x="5077318" y="443558"/>
-                  </a:lnTo>
-                  <a:lnTo>
-                    <a:pt x="5013048" y="443558"/>
-                  </a:lnTo>
-                  <a:lnTo>
-                    <a:pt x="4948778" y="443558"/>
-                  </a:lnTo>
-                  <a:lnTo>
-                    <a:pt x="4884508" y="443558"/>
-                  </a:lnTo>
-                  <a:lnTo>
-                    <a:pt x="4820238" y="443558"/>
-                  </a:lnTo>
-                  <a:lnTo>
-                    <a:pt x="4755969" y="443558"/>
-                  </a:lnTo>
-                  <a:lnTo>
-                    <a:pt x="4691699" y="443558"/>
-                  </a:lnTo>
-                  <a:lnTo>
-                    <a:pt x="4627429" y="443558"/>
-                  </a:lnTo>
-                  <a:lnTo>
-                    <a:pt x="4563159" y="443558"/>
-                  </a:lnTo>
-                  <a:lnTo>
-                    <a:pt x="4498889" y="443558"/>
-                  </a:lnTo>
-                  <a:lnTo>
-                    <a:pt x="4434619" y="443558"/>
-                  </a:lnTo>
-                  <a:lnTo>
-                    <a:pt x="4370349" y="443558"/>
-                  </a:lnTo>
-                  <a:lnTo>
-                    <a:pt x="4306080" y="443558"/>
-                  </a:lnTo>
-                  <a:lnTo>
-                    <a:pt x="4241810" y="443558"/>
-                  </a:lnTo>
-                  <a:lnTo>
-                    <a:pt x="4177540" y="443558"/>
-                  </a:lnTo>
-                  <a:lnTo>
-                    <a:pt x="4113270" y="443558"/>
-                  </a:lnTo>
-                  <a:lnTo>
-                    <a:pt x="4049000" y="443558"/>
-                  </a:lnTo>
-                  <a:lnTo>
-                    <a:pt x="3984730" y="443558"/>
-                  </a:lnTo>
-                  <a:lnTo>
-                    <a:pt x="3920460" y="443558"/>
-                  </a:lnTo>
-                  <a:lnTo>
-                    <a:pt x="3856191" y="443558"/>
-                  </a:lnTo>
-                  <a:lnTo>
-                    <a:pt x="3791921" y="443558"/>
-                  </a:lnTo>
-                  <a:lnTo>
-                    <a:pt x="3727651" y="443558"/>
-                  </a:lnTo>
-                  <a:lnTo>
-                    <a:pt x="3663381" y="443558"/>
-                  </a:lnTo>
-                  <a:lnTo>
-                    <a:pt x="3599111" y="443558"/>
-                  </a:lnTo>
-                  <a:lnTo>
-                    <a:pt x="3534841" y="443558"/>
-                  </a:lnTo>
-                  <a:lnTo>
-                    <a:pt x="3470572" y="443558"/>
-                  </a:lnTo>
-                  <a:lnTo>
-                    <a:pt x="3406302" y="443558"/>
-                  </a:lnTo>
-                  <a:lnTo>
-                    <a:pt x="3342032" y="443558"/>
-                  </a:lnTo>
-                  <a:lnTo>
-                    <a:pt x="3277762" y="443558"/>
-                  </a:lnTo>
-                  <a:lnTo>
-                    <a:pt x="3213492" y="443558"/>
-                  </a:lnTo>
-                  <a:lnTo>
-                    <a:pt x="3149222" y="443558"/>
-                  </a:lnTo>
-                  <a:lnTo>
-                    <a:pt x="3084952" y="443558"/>
-                  </a:lnTo>
-                  <a:lnTo>
-                    <a:pt x="3020683" y="443558"/>
-                  </a:lnTo>
-                  <a:lnTo>
-                    <a:pt x="2956413" y="443558"/>
-                  </a:lnTo>
-                  <a:lnTo>
-                    <a:pt x="2892143" y="443558"/>
-                  </a:lnTo>
-                  <a:lnTo>
-                    <a:pt x="2827873" y="443558"/>
-                  </a:lnTo>
-                  <a:lnTo>
-                    <a:pt x="2763603" y="443558"/>
-                  </a:lnTo>
-                  <a:lnTo>
-                    <a:pt x="2699333" y="443558"/>
-                  </a:lnTo>
-                  <a:lnTo>
-                    <a:pt x="2635063" y="443558"/>
-                  </a:lnTo>
-                  <a:lnTo>
-                    <a:pt x="2570794" y="443558"/>
-                  </a:lnTo>
-                  <a:lnTo>
-                    <a:pt x="2506524" y="443558"/>
-                  </a:lnTo>
-                  <a:lnTo>
-                    <a:pt x="2442254" y="443558"/>
-                  </a:lnTo>
-                  <a:lnTo>
-                    <a:pt x="2377984" y="443558"/>
-                  </a:lnTo>
-                  <a:lnTo>
-                    <a:pt x="2313714" y="443558"/>
-                  </a:lnTo>
-                  <a:lnTo>
-                    <a:pt x="2249444" y="443558"/>
-                  </a:lnTo>
-                  <a:lnTo>
-                    <a:pt x="2185174" y="443558"/>
-                  </a:lnTo>
-                  <a:lnTo>
-                    <a:pt x="2120905" y="443558"/>
-                  </a:lnTo>
-                  <a:lnTo>
-                    <a:pt x="2056635" y="443558"/>
-                  </a:lnTo>
-                  <a:lnTo>
-                    <a:pt x="1992365" y="443558"/>
-                  </a:lnTo>
-                  <a:lnTo>
-                    <a:pt x="1928095" y="443558"/>
-                  </a:lnTo>
-                  <a:lnTo>
-                    <a:pt x="1863825" y="443558"/>
-                  </a:lnTo>
-                  <a:lnTo>
-                    <a:pt x="1799555" y="443558"/>
-                  </a:lnTo>
-                  <a:lnTo>
-                    <a:pt x="1735286" y="443558"/>
-                  </a:lnTo>
-                  <a:lnTo>
-                    <a:pt x="1671016" y="443558"/>
-                  </a:lnTo>
-                  <a:lnTo>
-                    <a:pt x="1606746" y="443558"/>
-                  </a:lnTo>
-                  <a:lnTo>
-                    <a:pt x="1542476" y="443558"/>
-                  </a:lnTo>
-                  <a:lnTo>
-                    <a:pt x="1478206" y="443558"/>
-                  </a:lnTo>
-                  <a:lnTo>
-                    <a:pt x="1413936" y="443558"/>
-                  </a:lnTo>
-                  <a:lnTo>
-                    <a:pt x="1349666" y="443558"/>
-                  </a:lnTo>
-                  <a:lnTo>
-                    <a:pt x="1285397" y="443558"/>
-                  </a:lnTo>
-                  <a:lnTo>
-                    <a:pt x="1221127" y="443558"/>
-                  </a:lnTo>
-                  <a:lnTo>
-                    <a:pt x="1156857" y="443558"/>
-                  </a:lnTo>
-                  <a:lnTo>
-                    <a:pt x="1092587" y="443558"/>
-                  </a:lnTo>
-                  <a:lnTo>
-                    <a:pt x="1028317" y="443558"/>
-                  </a:lnTo>
-                  <a:lnTo>
-                    <a:pt x="964047" y="443558"/>
-                  </a:lnTo>
-                  <a:lnTo>
-                    <a:pt x="899777" y="443558"/>
-                  </a:lnTo>
-                  <a:lnTo>
-                    <a:pt x="835508" y="443558"/>
-                  </a:lnTo>
-                  <a:lnTo>
-                    <a:pt x="771238" y="443558"/>
-                  </a:lnTo>
-                  <a:lnTo>
-                    <a:pt x="706968" y="443558"/>
-                  </a:lnTo>
-                  <a:lnTo>
-                    <a:pt x="642698" y="443558"/>
-                  </a:lnTo>
-                  <a:lnTo>
-                    <a:pt x="578428" y="443558"/>
-                  </a:lnTo>
-                  <a:lnTo>
-                    <a:pt x="514158" y="443558"/>
-                  </a:lnTo>
-                  <a:lnTo>
-                    <a:pt x="449888" y="443558"/>
-                  </a:lnTo>
-                  <a:lnTo>
-                    <a:pt x="385619" y="443558"/>
-                  </a:lnTo>
-                  <a:lnTo>
-                    <a:pt x="321349" y="443558"/>
-                  </a:lnTo>
-                  <a:lnTo>
-                    <a:pt x="257079" y="443558"/>
-                  </a:lnTo>
-                  <a:lnTo>
-                    <a:pt x="192809" y="443558"/>
-                  </a:lnTo>
-                  <a:lnTo>
-                    <a:pt x="128539" y="443558"/>
-                  </a:lnTo>
-                  <a:lnTo>
-                    <a:pt x="64269" y="443558"/>
-                  </a:lnTo>
-                  <a:lnTo>
-                    <a:pt x="0" y="443558"/>
+                    <a:pt x="5784286" y="690423"/>
+                  </a:lnTo>
+                  <a:lnTo>
+                    <a:pt x="5720016" y="690423"/>
+                  </a:lnTo>
+                  <a:lnTo>
+                    <a:pt x="5655746" y="690423"/>
+                  </a:lnTo>
+                  <a:lnTo>
+                    <a:pt x="5591477" y="690423"/>
+                  </a:lnTo>
+                  <a:lnTo>
+                    <a:pt x="5527207" y="690423"/>
+                  </a:lnTo>
+                  <a:lnTo>
+                    <a:pt x="5462937" y="690423"/>
+                  </a:lnTo>
+                  <a:lnTo>
+                    <a:pt x="5398667" y="690423"/>
+                  </a:lnTo>
+                  <a:lnTo>
+                    <a:pt x="5334397" y="690423"/>
+                  </a:lnTo>
+                  <a:lnTo>
+                    <a:pt x="5270127" y="690423"/>
+                  </a:lnTo>
+                  <a:lnTo>
+                    <a:pt x="5205858" y="690423"/>
+                  </a:lnTo>
+                  <a:lnTo>
+                    <a:pt x="5141588" y="690423"/>
+                  </a:lnTo>
+                  <a:lnTo>
+                    <a:pt x="5077318" y="690423"/>
+                  </a:lnTo>
+                  <a:lnTo>
+                    <a:pt x="5013048" y="690423"/>
+                  </a:lnTo>
+                  <a:lnTo>
+                    <a:pt x="4948778" y="690423"/>
+                  </a:lnTo>
+                  <a:lnTo>
+                    <a:pt x="4884508" y="690423"/>
+                  </a:lnTo>
+                  <a:lnTo>
+                    <a:pt x="4820238" y="690423"/>
+                  </a:lnTo>
+                  <a:lnTo>
+                    <a:pt x="4755969" y="690423"/>
+                  </a:lnTo>
+                  <a:lnTo>
+                    <a:pt x="4691699" y="690423"/>
+                  </a:lnTo>
+                  <a:lnTo>
+                    <a:pt x="4627429" y="690423"/>
+                  </a:lnTo>
+                  <a:lnTo>
+                    <a:pt x="4563159" y="690423"/>
+                  </a:lnTo>
+                  <a:lnTo>
+                    <a:pt x="4498889" y="690423"/>
+                  </a:lnTo>
+                  <a:lnTo>
+                    <a:pt x="4434619" y="690423"/>
+                  </a:lnTo>
+                  <a:lnTo>
+                    <a:pt x="4370349" y="690423"/>
+                  </a:lnTo>
+                  <a:lnTo>
+                    <a:pt x="4306080" y="690423"/>
+                  </a:lnTo>
+                  <a:lnTo>
+                    <a:pt x="4241810" y="690423"/>
+                  </a:lnTo>
+                  <a:lnTo>
+                    <a:pt x="4177540" y="690423"/>
+                  </a:lnTo>
+                  <a:lnTo>
+                    <a:pt x="4113270" y="690423"/>
+                  </a:lnTo>
+                  <a:lnTo>
+                    <a:pt x="4049000" y="690423"/>
+                  </a:lnTo>
+                  <a:lnTo>
+                    <a:pt x="3984730" y="690423"/>
+                  </a:lnTo>
+                  <a:lnTo>
+                    <a:pt x="3920460" y="690423"/>
+                  </a:lnTo>
+                  <a:lnTo>
+                    <a:pt x="3856191" y="690423"/>
+                  </a:lnTo>
+                  <a:lnTo>
+                    <a:pt x="3791921" y="690423"/>
+                  </a:lnTo>
+                  <a:lnTo>
+                    <a:pt x="3727651" y="690423"/>
+                  </a:lnTo>
+                  <a:lnTo>
+                    <a:pt x="3663381" y="690423"/>
+                  </a:lnTo>
+                  <a:lnTo>
+                    <a:pt x="3599111" y="690423"/>
+                  </a:lnTo>
+                  <a:lnTo>
+                    <a:pt x="3534841" y="690423"/>
+                  </a:lnTo>
+                  <a:lnTo>
+                    <a:pt x="3470572" y="690423"/>
+                  </a:lnTo>
+                  <a:lnTo>
+                    <a:pt x="3406302" y="690423"/>
+                  </a:lnTo>
+                  <a:lnTo>
+                    <a:pt x="3342032" y="690423"/>
+                  </a:lnTo>
+                  <a:lnTo>
+                    <a:pt x="3277762" y="690423"/>
+                  </a:lnTo>
+                  <a:lnTo>
+                    <a:pt x="3213492" y="690423"/>
+                  </a:lnTo>
+                  <a:lnTo>
+                    <a:pt x="3149222" y="690423"/>
+                  </a:lnTo>
+                  <a:lnTo>
+                    <a:pt x="3084952" y="690423"/>
+                  </a:lnTo>
+                  <a:lnTo>
+                    <a:pt x="3020683" y="690423"/>
+                  </a:lnTo>
+                  <a:lnTo>
+                    <a:pt x="2956413" y="690423"/>
+                  </a:lnTo>
+                  <a:lnTo>
+                    <a:pt x="2892143" y="690423"/>
+                  </a:lnTo>
+                  <a:lnTo>
+                    <a:pt x="2827873" y="690423"/>
+                  </a:lnTo>
+                  <a:lnTo>
+                    <a:pt x="2763603" y="690423"/>
+                  </a:lnTo>
+                  <a:lnTo>
+                    <a:pt x="2699333" y="690423"/>
+                  </a:lnTo>
+                  <a:lnTo>
+                    <a:pt x="2635063" y="690423"/>
+                  </a:lnTo>
+                  <a:lnTo>
+                    <a:pt x="2570794" y="690423"/>
+                  </a:lnTo>
+                  <a:lnTo>
+                    <a:pt x="2506524" y="690423"/>
+                  </a:lnTo>
+                  <a:lnTo>
+                    <a:pt x="2442254" y="690423"/>
+                  </a:lnTo>
+                  <a:lnTo>
+                    <a:pt x="2377984" y="690423"/>
+                  </a:lnTo>
+                  <a:lnTo>
+                    <a:pt x="2313714" y="690423"/>
+                  </a:lnTo>
+                  <a:lnTo>
+                    <a:pt x="2249444" y="690423"/>
+                  </a:lnTo>
+                  <a:lnTo>
+                    <a:pt x="2185174" y="690423"/>
+                  </a:lnTo>
+                  <a:lnTo>
+                    <a:pt x="2120905" y="690423"/>
+                  </a:lnTo>
+                  <a:lnTo>
+                    <a:pt x="2056635" y="690423"/>
+                  </a:lnTo>
+                  <a:lnTo>
+                    <a:pt x="1992365" y="690423"/>
+                  </a:lnTo>
+                  <a:lnTo>
+                    <a:pt x="1928095" y="690423"/>
+                  </a:lnTo>
+                  <a:lnTo>
+                    <a:pt x="1863825" y="690423"/>
+                  </a:lnTo>
+                  <a:lnTo>
+                    <a:pt x="1799555" y="690423"/>
+                  </a:lnTo>
+                  <a:lnTo>
+                    <a:pt x="1735286" y="690423"/>
+                  </a:lnTo>
+                  <a:lnTo>
+                    <a:pt x="1671016" y="690423"/>
+                  </a:lnTo>
+                  <a:lnTo>
+                    <a:pt x="1606746" y="690423"/>
+                  </a:lnTo>
+                  <a:lnTo>
+                    <a:pt x="1542476" y="690423"/>
+                  </a:lnTo>
+                  <a:lnTo>
+                    <a:pt x="1478206" y="690423"/>
+                  </a:lnTo>
+                  <a:lnTo>
+                    <a:pt x="1413936" y="690423"/>
+                  </a:lnTo>
+                  <a:lnTo>
+                    <a:pt x="1349666" y="690423"/>
+                  </a:lnTo>
+                  <a:lnTo>
+                    <a:pt x="1285397" y="690423"/>
+                  </a:lnTo>
+                  <a:lnTo>
+                    <a:pt x="1221127" y="690423"/>
+                  </a:lnTo>
+                  <a:lnTo>
+                    <a:pt x="1156857" y="690423"/>
+                  </a:lnTo>
+                  <a:lnTo>
+                    <a:pt x="1092587" y="690423"/>
+                  </a:lnTo>
+                  <a:lnTo>
+                    <a:pt x="1028317" y="690423"/>
+                  </a:lnTo>
+                  <a:lnTo>
+                    <a:pt x="964047" y="690423"/>
+                  </a:lnTo>
+                  <a:lnTo>
+                    <a:pt x="899777" y="690423"/>
+                  </a:lnTo>
+                  <a:lnTo>
+                    <a:pt x="835508" y="690423"/>
+                  </a:lnTo>
+                  <a:lnTo>
+                    <a:pt x="771238" y="690423"/>
+                  </a:lnTo>
+                  <a:lnTo>
+                    <a:pt x="706968" y="690423"/>
+                  </a:lnTo>
+                  <a:lnTo>
+                    <a:pt x="642698" y="690423"/>
+                  </a:lnTo>
+                  <a:lnTo>
+                    <a:pt x="578428" y="690423"/>
+                  </a:lnTo>
+                  <a:lnTo>
+                    <a:pt x="514158" y="690423"/>
+                  </a:lnTo>
+                  <a:lnTo>
+                    <a:pt x="449888" y="690423"/>
+                  </a:lnTo>
+                  <a:lnTo>
+                    <a:pt x="385619" y="690423"/>
+                  </a:lnTo>
+                  <a:lnTo>
+                    <a:pt x="321349" y="690423"/>
+                  </a:lnTo>
+                  <a:lnTo>
+                    <a:pt x="257079" y="690423"/>
+                  </a:lnTo>
+                  <a:lnTo>
+                    <a:pt x="192809" y="690423"/>
+                  </a:lnTo>
+                  <a:lnTo>
+                    <a:pt x="128539" y="690423"/>
+                  </a:lnTo>
+                  <a:lnTo>
+                    <a:pt x="64269" y="690423"/>
+                  </a:lnTo>
+                  <a:lnTo>
+                    <a:pt x="0" y="690423"/>
                   </a:lnTo>
                   <a:close/>
                 </a:path>
@@ -7270,282 +7270,282 @@
           </p:nvSpPr>
           <p:spPr>
             <a:xfrm>
-              <a:off x="2695605" y="5820179"/>
-              <a:ext cx="5784286" cy="443345"/>
+              <a:off x="4890324" y="8450226"/>
+              <a:ext cx="5784286" cy="690091"/>
             </a:xfrm>
             <a:custGeom>
               <a:avLst/>
               <a:pathLst>
-                <a:path w="5784286" h="443345">
+                <a:path w="5784286" h="690091">
                   <a:moveTo>
-                    <a:pt x="0" y="443345"/>
+                    <a:pt x="0" y="690091"/>
                   </a:moveTo>
                   <a:lnTo>
-                    <a:pt x="64269" y="443322"/>
-                  </a:lnTo>
-                  <a:lnTo>
-                    <a:pt x="128539" y="443296"/>
-                  </a:lnTo>
-                  <a:lnTo>
-                    <a:pt x="192809" y="443267"/>
-                  </a:lnTo>
-                  <a:lnTo>
-                    <a:pt x="257079" y="443234"/>
-                  </a:lnTo>
-                  <a:lnTo>
-                    <a:pt x="321349" y="443199"/>
-                  </a:lnTo>
-                  <a:lnTo>
-                    <a:pt x="385619" y="443159"/>
-                  </a:lnTo>
-                  <a:lnTo>
-                    <a:pt x="449888" y="443115"/>
-                  </a:lnTo>
-                  <a:lnTo>
-                    <a:pt x="514158" y="443067"/>
-                  </a:lnTo>
-                  <a:lnTo>
-                    <a:pt x="578428" y="443013"/>
-                  </a:lnTo>
-                  <a:lnTo>
-                    <a:pt x="642698" y="442953"/>
-                  </a:lnTo>
-                  <a:lnTo>
-                    <a:pt x="706968" y="442886"/>
-                  </a:lnTo>
-                  <a:lnTo>
-                    <a:pt x="771238" y="442812"/>
-                  </a:lnTo>
-                  <a:lnTo>
-                    <a:pt x="835508" y="442730"/>
-                  </a:lnTo>
-                  <a:lnTo>
-                    <a:pt x="899777" y="442640"/>
-                  </a:lnTo>
-                  <a:lnTo>
-                    <a:pt x="964047" y="442539"/>
-                  </a:lnTo>
-                  <a:lnTo>
-                    <a:pt x="1028317" y="442427"/>
-                  </a:lnTo>
-                  <a:lnTo>
-                    <a:pt x="1092587" y="442303"/>
-                  </a:lnTo>
-                  <a:lnTo>
-                    <a:pt x="1156857" y="442166"/>
-                  </a:lnTo>
-                  <a:lnTo>
-                    <a:pt x="1221127" y="442014"/>
-                  </a:lnTo>
-                  <a:lnTo>
-                    <a:pt x="1285397" y="441845"/>
-                  </a:lnTo>
-                  <a:lnTo>
-                    <a:pt x="1349666" y="441658"/>
-                  </a:lnTo>
-                  <a:lnTo>
-                    <a:pt x="1413936" y="441451"/>
-                  </a:lnTo>
-                  <a:lnTo>
-                    <a:pt x="1478206" y="441221"/>
-                  </a:lnTo>
-                  <a:lnTo>
-                    <a:pt x="1542476" y="440967"/>
-                  </a:lnTo>
-                  <a:lnTo>
-                    <a:pt x="1606746" y="440685"/>
-                  </a:lnTo>
-                  <a:lnTo>
-                    <a:pt x="1671016" y="440374"/>
-                  </a:lnTo>
-                  <a:lnTo>
-                    <a:pt x="1735286" y="440029"/>
-                  </a:lnTo>
-                  <a:lnTo>
-                    <a:pt x="1799555" y="439647"/>
-                  </a:lnTo>
-                  <a:lnTo>
-                    <a:pt x="1863825" y="439224"/>
-                  </a:lnTo>
-                  <a:lnTo>
-                    <a:pt x="1928095" y="438757"/>
-                  </a:lnTo>
-                  <a:lnTo>
-                    <a:pt x="1992365" y="438241"/>
-                  </a:lnTo>
-                  <a:lnTo>
-                    <a:pt x="2056635" y="437671"/>
-                  </a:lnTo>
-                  <a:lnTo>
-                    <a:pt x="2120905" y="437040"/>
-                  </a:lnTo>
-                  <a:lnTo>
-                    <a:pt x="2185174" y="436345"/>
-                  </a:lnTo>
-                  <a:lnTo>
-                    <a:pt x="2249444" y="435577"/>
-                  </a:lnTo>
-                  <a:lnTo>
-                    <a:pt x="2313714" y="434730"/>
-                  </a:lnTo>
-                  <a:lnTo>
-                    <a:pt x="2377984" y="433796"/>
-                  </a:lnTo>
-                  <a:lnTo>
-                    <a:pt x="2442254" y="432767"/>
-                  </a:lnTo>
-                  <a:lnTo>
-                    <a:pt x="2506524" y="431635"/>
-                  </a:lnTo>
-                  <a:lnTo>
-                    <a:pt x="2570794" y="430389"/>
-                  </a:lnTo>
-                  <a:lnTo>
-                    <a:pt x="2635063" y="429019"/>
-                  </a:lnTo>
-                  <a:lnTo>
-                    <a:pt x="2699333" y="427514"/>
-                  </a:lnTo>
-                  <a:lnTo>
-                    <a:pt x="2763603" y="425862"/>
-                  </a:lnTo>
-                  <a:lnTo>
-                    <a:pt x="2827873" y="424051"/>
-                  </a:lnTo>
-                  <a:lnTo>
-                    <a:pt x="2892143" y="422067"/>
-                  </a:lnTo>
-                  <a:lnTo>
-                    <a:pt x="2956413" y="419896"/>
-                  </a:lnTo>
-                  <a:lnTo>
-                    <a:pt x="3020683" y="417522"/>
-                  </a:lnTo>
-                  <a:lnTo>
-                    <a:pt x="3084952" y="414932"/>
-                  </a:lnTo>
-                  <a:lnTo>
-                    <a:pt x="3149222" y="412107"/>
-                  </a:lnTo>
-                  <a:lnTo>
-                    <a:pt x="3213492" y="409032"/>
-                  </a:lnTo>
-                  <a:lnTo>
-                    <a:pt x="3277762" y="405688"/>
-                  </a:lnTo>
-                  <a:lnTo>
-                    <a:pt x="3342032" y="402059"/>
-                  </a:lnTo>
-                  <a:lnTo>
-                    <a:pt x="3406302" y="398127"/>
-                  </a:lnTo>
-                  <a:lnTo>
-                    <a:pt x="3470572" y="393873"/>
-                  </a:lnTo>
-                  <a:lnTo>
-                    <a:pt x="3534841" y="389280"/>
-                  </a:lnTo>
-                  <a:lnTo>
-                    <a:pt x="3599111" y="384330"/>
-                  </a:lnTo>
-                  <a:lnTo>
-                    <a:pt x="3663381" y="379007"/>
-                  </a:lnTo>
-                  <a:lnTo>
-                    <a:pt x="3727651" y="373295"/>
-                  </a:lnTo>
-                  <a:lnTo>
-                    <a:pt x="3791921" y="367179"/>
-                  </a:lnTo>
-                  <a:lnTo>
-                    <a:pt x="3856191" y="360645"/>
-                  </a:lnTo>
-                  <a:lnTo>
-                    <a:pt x="3920460" y="353682"/>
-                  </a:lnTo>
-                  <a:lnTo>
-                    <a:pt x="3984730" y="346281"/>
-                  </a:lnTo>
-                  <a:lnTo>
-                    <a:pt x="4049000" y="338435"/>
-                  </a:lnTo>
-                  <a:lnTo>
-                    <a:pt x="4113270" y="330137"/>
-                  </a:lnTo>
-                  <a:lnTo>
-                    <a:pt x="4177540" y="321387"/>
-                  </a:lnTo>
-                  <a:lnTo>
-                    <a:pt x="4241810" y="312185"/>
-                  </a:lnTo>
-                  <a:lnTo>
-                    <a:pt x="4306080" y="302535"/>
-                  </a:lnTo>
-                  <a:lnTo>
-                    <a:pt x="4370349" y="292445"/>
-                  </a:lnTo>
-                  <a:lnTo>
-                    <a:pt x="4434619" y="281923"/>
-                  </a:lnTo>
-                  <a:lnTo>
-                    <a:pt x="4498889" y="270984"/>
-                  </a:lnTo>
-                  <a:lnTo>
-                    <a:pt x="4563159" y="259643"/>
-                  </a:lnTo>
-                  <a:lnTo>
-                    <a:pt x="4627429" y="247920"/>
-                  </a:lnTo>
-                  <a:lnTo>
-                    <a:pt x="4691699" y="235835"/>
-                  </a:lnTo>
-                  <a:lnTo>
-                    <a:pt x="4755969" y="223412"/>
-                  </a:lnTo>
-                  <a:lnTo>
-                    <a:pt x="4820238" y="210675"/>
-                  </a:lnTo>
-                  <a:lnTo>
-                    <a:pt x="4884508" y="197652"/>
-                  </a:lnTo>
-                  <a:lnTo>
-                    <a:pt x="4948778" y="184370"/>
-                  </a:lnTo>
-                  <a:lnTo>
-                    <a:pt x="5013048" y="170857"/>
-                  </a:lnTo>
-                  <a:lnTo>
-                    <a:pt x="5077318" y="157141"/>
-                  </a:lnTo>
-                  <a:lnTo>
-                    <a:pt x="5141588" y="143250"/>
-                  </a:lnTo>
-                  <a:lnTo>
-                    <a:pt x="5205858" y="129211"/>
-                  </a:lnTo>
-                  <a:lnTo>
-                    <a:pt x="5270127" y="115050"/>
-                  </a:lnTo>
-                  <a:lnTo>
-                    <a:pt x="5334397" y="100792"/>
-                  </a:lnTo>
-                  <a:lnTo>
-                    <a:pt x="5398667" y="86460"/>
-                  </a:lnTo>
-                  <a:lnTo>
-                    <a:pt x="5462937" y="72077"/>
-                  </a:lnTo>
-                  <a:lnTo>
-                    <a:pt x="5527207" y="57661"/>
-                  </a:lnTo>
-                  <a:lnTo>
-                    <a:pt x="5591477" y="43230"/>
-                  </a:lnTo>
-                  <a:lnTo>
-                    <a:pt x="5655746" y="28801"/>
-                  </a:lnTo>
-                  <a:lnTo>
-                    <a:pt x="5720016" y="14387"/>
+                    <a:pt x="64269" y="690055"/>
+                  </a:lnTo>
+                  <a:lnTo>
+                    <a:pt x="128539" y="690014"/>
+                  </a:lnTo>
+                  <a:lnTo>
+                    <a:pt x="192809" y="689969"/>
+                  </a:lnTo>
+                  <a:lnTo>
+                    <a:pt x="257079" y="689919"/>
+                  </a:lnTo>
+                  <a:lnTo>
+                    <a:pt x="321349" y="689864"/>
+                  </a:lnTo>
+                  <a:lnTo>
+                    <a:pt x="385619" y="689802"/>
+                  </a:lnTo>
+                  <a:lnTo>
+                    <a:pt x="449888" y="689734"/>
+                  </a:lnTo>
+                  <a:lnTo>
+                    <a:pt x="514158" y="689658"/>
+                  </a:lnTo>
+                  <a:lnTo>
+                    <a:pt x="578428" y="689574"/>
+                  </a:lnTo>
+                  <a:lnTo>
+                    <a:pt x="642698" y="689480"/>
+                  </a:lnTo>
+                  <a:lnTo>
+                    <a:pt x="706968" y="689377"/>
+                  </a:lnTo>
+                  <a:lnTo>
+                    <a:pt x="771238" y="689262"/>
+                  </a:lnTo>
+                  <a:lnTo>
+                    <a:pt x="835508" y="689134"/>
+                  </a:lnTo>
+                  <a:lnTo>
+                    <a:pt x="899777" y="688993"/>
+                  </a:lnTo>
+                  <a:lnTo>
+                    <a:pt x="964047" y="688836"/>
+                  </a:lnTo>
+                  <a:lnTo>
+                    <a:pt x="1028317" y="688662"/>
+                  </a:lnTo>
+                  <a:lnTo>
+                    <a:pt x="1092587" y="688470"/>
+                  </a:lnTo>
+                  <a:lnTo>
+                    <a:pt x="1156857" y="688256"/>
+                  </a:lnTo>
+                  <a:lnTo>
+                    <a:pt x="1221127" y="688019"/>
+                  </a:lnTo>
+                  <a:lnTo>
+                    <a:pt x="1285397" y="687756"/>
+                  </a:lnTo>
+                  <a:lnTo>
+                    <a:pt x="1349666" y="687465"/>
+                  </a:lnTo>
+                  <a:lnTo>
+                    <a:pt x="1413936" y="687143"/>
+                  </a:lnTo>
+                  <a:lnTo>
+                    <a:pt x="1478206" y="686785"/>
+                  </a:lnTo>
+                  <a:lnTo>
+                    <a:pt x="1542476" y="686389"/>
+                  </a:lnTo>
+                  <a:lnTo>
+                    <a:pt x="1606746" y="685951"/>
+                  </a:lnTo>
+                  <a:lnTo>
+                    <a:pt x="1671016" y="685466"/>
+                  </a:lnTo>
+                  <a:lnTo>
+                    <a:pt x="1735286" y="684929"/>
+                  </a:lnTo>
+                  <a:lnTo>
+                    <a:pt x="1799555" y="684335"/>
+                  </a:lnTo>
+                  <a:lnTo>
+                    <a:pt x="1863825" y="683677"/>
+                  </a:lnTo>
+                  <a:lnTo>
+                    <a:pt x="1928095" y="682950"/>
+                  </a:lnTo>
+                  <a:lnTo>
+                    <a:pt x="1992365" y="682147"/>
+                  </a:lnTo>
+                  <a:lnTo>
+                    <a:pt x="2056635" y="681259"/>
+                  </a:lnTo>
+                  <a:lnTo>
+                    <a:pt x="2120905" y="680278"/>
+                  </a:lnTo>
+                  <a:lnTo>
+                    <a:pt x="2185174" y="679195"/>
+                  </a:lnTo>
+                  <a:lnTo>
+                    <a:pt x="2249444" y="677999"/>
+                  </a:lnTo>
+                  <a:lnTo>
+                    <a:pt x="2313714" y="676681"/>
+                  </a:lnTo>
+                  <a:lnTo>
+                    <a:pt x="2377984" y="675228"/>
+                  </a:lnTo>
+                  <a:lnTo>
+                    <a:pt x="2442254" y="673626"/>
+                  </a:lnTo>
+                  <a:lnTo>
+                    <a:pt x="2506524" y="671864"/>
+                  </a:lnTo>
+                  <a:lnTo>
+                    <a:pt x="2570794" y="669924"/>
+                  </a:lnTo>
+                  <a:lnTo>
+                    <a:pt x="2635063" y="667792"/>
+                  </a:lnTo>
+                  <a:lnTo>
+                    <a:pt x="2699333" y="665449"/>
+                  </a:lnTo>
+                  <a:lnTo>
+                    <a:pt x="2763603" y="662878"/>
+                  </a:lnTo>
+                  <a:lnTo>
+                    <a:pt x="2827873" y="660059"/>
+                  </a:lnTo>
+                  <a:lnTo>
+                    <a:pt x="2892143" y="656970"/>
+                  </a:lnTo>
+                  <a:lnTo>
+                    <a:pt x="2956413" y="653591"/>
+                  </a:lnTo>
+                  <a:lnTo>
+                    <a:pt x="3020683" y="649897"/>
+                  </a:lnTo>
+                  <a:lnTo>
+                    <a:pt x="3084952" y="645864"/>
+                  </a:lnTo>
+                  <a:lnTo>
+                    <a:pt x="3149222" y="641467"/>
+                  </a:lnTo>
+                  <a:lnTo>
+                    <a:pt x="3213492" y="636680"/>
+                  </a:lnTo>
+                  <a:lnTo>
+                    <a:pt x="3277762" y="631476"/>
+                  </a:lnTo>
+                  <a:lnTo>
+                    <a:pt x="3342032" y="625828"/>
+                  </a:lnTo>
+                  <a:lnTo>
+                    <a:pt x="3406302" y="619707"/>
+                  </a:lnTo>
+                  <a:lnTo>
+                    <a:pt x="3470572" y="613085"/>
+                  </a:lnTo>
+                  <a:lnTo>
+                    <a:pt x="3534841" y="605936"/>
+                  </a:lnTo>
+                  <a:lnTo>
+                    <a:pt x="3599111" y="598231"/>
+                  </a:lnTo>
+                  <a:lnTo>
+                    <a:pt x="3663381" y="589946"/>
+                  </a:lnTo>
+                  <a:lnTo>
+                    <a:pt x="3727651" y="581054"/>
+                  </a:lnTo>
+                  <a:lnTo>
+                    <a:pt x="3791921" y="571534"/>
+                  </a:lnTo>
+                  <a:lnTo>
+                    <a:pt x="3856191" y="561364"/>
+                  </a:lnTo>
+                  <a:lnTo>
+                    <a:pt x="3920460" y="550526"/>
+                  </a:lnTo>
+                  <a:lnTo>
+                    <a:pt x="3984730" y="539006"/>
+                  </a:lnTo>
+                  <a:lnTo>
+                    <a:pt x="4049000" y="526792"/>
+                  </a:lnTo>
+                  <a:lnTo>
+                    <a:pt x="4113270" y="513877"/>
+                  </a:lnTo>
+                  <a:lnTo>
+                    <a:pt x="4177540" y="500257"/>
+                  </a:lnTo>
+                  <a:lnTo>
+                    <a:pt x="4241810" y="485934"/>
+                  </a:lnTo>
+                  <a:lnTo>
+                    <a:pt x="4306080" y="470913"/>
+                  </a:lnTo>
+                  <a:lnTo>
+                    <a:pt x="4370349" y="455206"/>
+                  </a:lnTo>
+                  <a:lnTo>
+                    <a:pt x="4434619" y="438829"/>
+                  </a:lnTo>
+                  <a:lnTo>
+                    <a:pt x="4498889" y="421802"/>
+                  </a:lnTo>
+                  <a:lnTo>
+                    <a:pt x="4563159" y="404149"/>
+                  </a:lnTo>
+                  <a:lnTo>
+                    <a:pt x="4627429" y="385901"/>
+                  </a:lnTo>
+                  <a:lnTo>
+                    <a:pt x="4691699" y="367090"/>
+                  </a:lnTo>
+                  <a:lnTo>
+                    <a:pt x="4755969" y="347753"/>
+                  </a:lnTo>
+                  <a:lnTo>
+                    <a:pt x="4820238" y="327928"/>
+                  </a:lnTo>
+                  <a:lnTo>
+                    <a:pt x="4884508" y="307657"/>
+                  </a:lnTo>
+                  <a:lnTo>
+                    <a:pt x="4948778" y="286983"/>
+                  </a:lnTo>
+                  <a:lnTo>
+                    <a:pt x="5013048" y="265949"/>
+                  </a:lnTo>
+                  <a:lnTo>
+                    <a:pt x="5077318" y="244599"/>
+                  </a:lnTo>
+                  <a:lnTo>
+                    <a:pt x="5141588" y="222977"/>
+                  </a:lnTo>
+                  <a:lnTo>
+                    <a:pt x="5205858" y="201124"/>
+                  </a:lnTo>
+                  <a:lnTo>
+                    <a:pt x="5270127" y="179082"/>
+                  </a:lnTo>
+                  <a:lnTo>
+                    <a:pt x="5334397" y="156888"/>
+                  </a:lnTo>
+                  <a:lnTo>
+                    <a:pt x="5398667" y="134580"/>
+                  </a:lnTo>
+                  <a:lnTo>
+                    <a:pt x="5462937" y="112191"/>
+                  </a:lnTo>
+                  <a:lnTo>
+                    <a:pt x="5527207" y="89752"/>
+                  </a:lnTo>
+                  <a:lnTo>
+                    <a:pt x="5591477" y="67291"/>
+                  </a:lnTo>
+                  <a:lnTo>
+                    <a:pt x="5655746" y="44831"/>
+                  </a:lnTo>
+                  <a:lnTo>
+                    <a:pt x="5720016" y="22394"/>
                   </a:lnTo>
                   <a:lnTo>
                     <a:pt x="5784286" y="0"/>
@@ -7571,8 +7571,8 @@
           </p:nvSpPr>
           <p:spPr>
             <a:xfrm>
-              <a:off x="6937416" y="4023331"/>
-              <a:ext cx="1542476" cy="2240406"/>
+              <a:off x="9132134" y="5653333"/>
+              <a:ext cx="1542476" cy="3487316"/>
             </a:xfrm>
             <a:prstGeom prst="rect">
               <a:avLst/>
@@ -7597,7 +7597,7 @@
           </p:nvSpPr>
           <p:spPr>
             <a:xfrm>
-              <a:off x="2395684" y="6218256"/>
+              <a:off x="4590402" y="9095167"/>
               <a:ext cx="237291" cy="89118"/>
             </a:xfrm>
             <a:prstGeom prst="rect">
@@ -7643,7 +7643,7 @@
           </p:nvSpPr>
           <p:spPr>
             <a:xfrm>
-              <a:off x="2395684" y="5658154"/>
+              <a:off x="4590402" y="8223338"/>
               <a:ext cx="237291" cy="89118"/>
             </a:xfrm>
             <a:prstGeom prst="rect">
@@ -7689,7 +7689,7 @@
           </p:nvSpPr>
           <p:spPr>
             <a:xfrm>
-              <a:off x="2395684" y="5098053"/>
+              <a:off x="4590402" y="7351509"/>
               <a:ext cx="237291" cy="89118"/>
             </a:xfrm>
             <a:prstGeom prst="rect">
@@ -7735,7 +7735,7 @@
           </p:nvSpPr>
           <p:spPr>
             <a:xfrm>
-              <a:off x="2395684" y="4537951"/>
+              <a:off x="4590402" y="6479680"/>
               <a:ext cx="237291" cy="89118"/>
             </a:xfrm>
             <a:prstGeom prst="rect">
@@ -7781,7 +7781,7 @@
           </p:nvSpPr>
           <p:spPr>
             <a:xfrm>
-              <a:off x="2395684" y="3977849"/>
+              <a:off x="4590402" y="5607851"/>
               <a:ext cx="237291" cy="89118"/>
             </a:xfrm>
             <a:prstGeom prst="rect">
@@ -7827,7 +7827,7 @@
           </p:nvSpPr>
           <p:spPr>
             <a:xfrm>
-              <a:off x="2660811" y="6263738"/>
+              <a:off x="4855529" y="9140649"/>
               <a:ext cx="34794" cy="0"/>
             </a:xfrm>
             <a:custGeom>
@@ -7867,7 +7867,7 @@
           </p:nvSpPr>
           <p:spPr>
             <a:xfrm>
-              <a:off x="2660811" y="5703636"/>
+              <a:off x="4855529" y="8268820"/>
               <a:ext cx="34794" cy="0"/>
             </a:xfrm>
             <a:custGeom>
@@ -7907,7 +7907,7 @@
           </p:nvSpPr>
           <p:spPr>
             <a:xfrm>
-              <a:off x="2660811" y="5143535"/>
+              <a:off x="4855529" y="7396991"/>
               <a:ext cx="34794" cy="0"/>
             </a:xfrm>
             <a:custGeom>
@@ -7947,7 +7947,7 @@
           </p:nvSpPr>
           <p:spPr>
             <a:xfrm>
-              <a:off x="2660811" y="4583433"/>
+              <a:off x="4855529" y="6525162"/>
               <a:ext cx="34794" cy="0"/>
             </a:xfrm>
             <a:custGeom>
@@ -7987,7 +7987,7 @@
           </p:nvSpPr>
           <p:spPr>
             <a:xfrm>
-              <a:off x="2660811" y="4023331"/>
+              <a:off x="4855529" y="5653333"/>
               <a:ext cx="34794" cy="0"/>
             </a:xfrm>
             <a:custGeom>
@@ -8027,7 +8027,7 @@
           </p:nvSpPr>
           <p:spPr>
             <a:xfrm>
-              <a:off x="2695605" y="6375758"/>
+              <a:off x="4890324" y="9315015"/>
               <a:ext cx="0" cy="34794"/>
             </a:xfrm>
             <a:custGeom>
@@ -8067,7 +8067,7 @@
           </p:nvSpPr>
           <p:spPr>
             <a:xfrm>
-              <a:off x="4687971" y="6375758"/>
+              <a:off x="6882689" y="9315015"/>
               <a:ext cx="0" cy="34794"/>
             </a:xfrm>
             <a:custGeom>
@@ -8107,7 +8107,7 @@
           </p:nvSpPr>
           <p:spPr>
             <a:xfrm>
-              <a:off x="6680336" y="6375758"/>
+              <a:off x="8875055" y="9315015"/>
               <a:ext cx="0" cy="34794"/>
             </a:xfrm>
             <a:custGeom>
@@ -8147,7 +8147,7 @@
           </p:nvSpPr>
           <p:spPr>
             <a:xfrm>
-              <a:off x="8479892" y="6375758"/>
+              <a:off x="10674610" y="9315015"/>
               <a:ext cx="0" cy="34794"/>
             </a:xfrm>
             <a:custGeom>
@@ -8187,7 +8187,7 @@
           </p:nvSpPr>
           <p:spPr>
             <a:xfrm>
-              <a:off x="2651582" y="6438389"/>
+              <a:off x="4846300" y="9377645"/>
               <a:ext cx="88046" cy="87272"/>
             </a:xfrm>
             <a:prstGeom prst="rect">
@@ -8233,7 +8233,7 @@
           </p:nvSpPr>
           <p:spPr>
             <a:xfrm>
-              <a:off x="4657491" y="6436900"/>
+              <a:off x="6852209" y="9376157"/>
               <a:ext cx="60960" cy="88761"/>
             </a:xfrm>
             <a:prstGeom prst="rect">
@@ -8279,7 +8279,7 @@
           </p:nvSpPr>
           <p:spPr>
             <a:xfrm>
-              <a:off x="6643099" y="6438389"/>
+              <a:off x="8837818" y="9377645"/>
               <a:ext cx="74473" cy="87272"/>
             </a:xfrm>
             <a:prstGeom prst="rect">
@@ -8325,7 +8325,7 @@
           </p:nvSpPr>
           <p:spPr>
             <a:xfrm>
-              <a:off x="8429112" y="6438389"/>
+              <a:off x="10623830" y="9377645"/>
               <a:ext cx="101560" cy="87272"/>
             </a:xfrm>
             <a:prstGeom prst="rect">
@@ -8371,7 +8371,7 @@
           </p:nvSpPr>
           <p:spPr>
             <a:xfrm rot="-5400000">
-              <a:off x="2067619" y="5087129"/>
+              <a:off x="4262337" y="7340585"/>
               <a:ext cx="406672" cy="112811"/>
             </a:xfrm>
             <a:prstGeom prst="rect">
@@ -8417,7 +8417,7 @@
           </p:nvSpPr>
           <p:spPr>
             <a:xfrm>
-              <a:off x="2695605" y="3633120"/>
+              <a:off x="4890324" y="5200777"/>
               <a:ext cx="2602200" cy="169485"/>
             </a:xfrm>
             <a:prstGeom prst="rect">
@@ -8463,7 +8463,7 @@
           </p:nvSpPr>
           <p:spPr>
             <a:xfrm>
-              <a:off x="3122362" y="6623190"/>
+              <a:off x="5317081" y="9562447"/>
               <a:ext cx="4453437" cy="358634"/>
             </a:xfrm>
             <a:prstGeom prst="rect">
@@ -8489,7 +8489,7 @@
           </p:nvSpPr>
           <p:spPr>
             <a:xfrm>
-              <a:off x="3191951" y="6746176"/>
+              <a:off x="5386670" y="9685433"/>
               <a:ext cx="457423" cy="110876"/>
             </a:xfrm>
             <a:prstGeom prst="rect">
@@ -8535,8 +8535,8 @@
           </p:nvSpPr>
           <p:spPr>
             <a:xfrm>
-              <a:off x="3706016" y="6692779"/>
-              <a:ext cx="219455" cy="219455"/>
+              <a:off x="5900735" y="9632036"/>
+              <a:ext cx="219456" cy="219455"/>
             </a:xfrm>
             <a:prstGeom prst="rect">
               <a:avLst/>
@@ -8556,8 +8556,8 @@
           </p:nvSpPr>
           <p:spPr>
             <a:xfrm>
-              <a:off x="3715016" y="6701779"/>
-              <a:ext cx="201456" cy="201456"/>
+              <a:off x="5909735" y="9641036"/>
+              <a:ext cx="201456" cy="201455"/>
             </a:xfrm>
             <a:prstGeom prst="rect">
               <a:avLst/>
@@ -8582,8 +8582,8 @@
           </p:nvSpPr>
           <p:spPr>
             <a:xfrm>
-              <a:off x="4563078" y="6692779"/>
-              <a:ext cx="219456" cy="219455"/>
+              <a:off x="6757797" y="9632036"/>
+              <a:ext cx="219455" cy="219455"/>
             </a:xfrm>
             <a:prstGeom prst="rect">
               <a:avLst/>
@@ -8603,14 +8603,14 @@
           </p:nvSpPr>
           <p:spPr>
             <a:xfrm>
-              <a:off x="4572078" y="6701779"/>
-              <a:ext cx="201455" cy="201456"/>
+              <a:off x="6766797" y="9641036"/>
+              <a:ext cx="201456" cy="201455"/>
             </a:xfrm>
             <a:prstGeom prst="rect">
               <a:avLst/>
             </a:prstGeom>
             <a:solidFill>
-              <a:srgbClr val="F08080">
+              <a:srgbClr val="0000FF">
                 <a:alpha val="100000"/>
               </a:srgbClr>
             </a:solidFill>
@@ -8629,7 +8629,7 @@
           </p:nvSpPr>
           <p:spPr>
             <a:xfrm>
-              <a:off x="5877340" y="6692779"/>
+              <a:off x="8072058" y="9632036"/>
               <a:ext cx="219455" cy="219455"/>
             </a:xfrm>
             <a:prstGeom prst="rect">
@@ -8650,8 +8650,8 @@
           </p:nvSpPr>
           <p:spPr>
             <a:xfrm>
-              <a:off x="5886340" y="6701779"/>
-              <a:ext cx="201455" cy="201456"/>
+              <a:off x="8081058" y="9641036"/>
+              <a:ext cx="201455" cy="201455"/>
             </a:xfrm>
             <a:prstGeom prst="rect">
               <a:avLst/>
@@ -8676,7 +8676,7 @@
           </p:nvSpPr>
           <p:spPr>
             <a:xfrm>
-              <a:off x="4001388" y="6733213"/>
+              <a:off x="6196106" y="9672470"/>
               <a:ext cx="474345" cy="112930"/>
             </a:xfrm>
             <a:prstGeom prst="rect">
@@ -8722,7 +8722,7 @@
           </p:nvSpPr>
           <p:spPr>
             <a:xfrm>
-              <a:off x="4858449" y="6731725"/>
+              <a:off x="7053168" y="9670981"/>
               <a:ext cx="921543" cy="114419"/>
             </a:xfrm>
             <a:prstGeom prst="rect">
@@ -8768,7 +8768,7 @@
           </p:nvSpPr>
           <p:spPr>
             <a:xfrm>
-              <a:off x="6172711" y="6731725"/>
+              <a:off x="8367429" y="9670981"/>
               <a:ext cx="1314747" cy="114419"/>
             </a:xfrm>
             <a:prstGeom prst="rect">
